--- a/xlgs-mdae-sep-2024-slides.pptx
+++ b/xlgs-mdae-sep-2024-slides.pptx
@@ -5,7 +5,7 @@
     <p:sldMasterId id="2147483648" r:id="rId1"/>
   </p:sldMasterIdLst>
   <p:notesMasterIdLst>
-    <p:notesMasterId r:id="rId35"/>
+    <p:notesMasterId r:id="rId37"/>
   </p:notesMasterIdLst>
   <p:sldIdLst>
     <p:sldId id="256" r:id="rId2"/>
@@ -13,44 +13,46 @@
     <p:sldId id="258" r:id="rId4"/>
     <p:sldId id="425" r:id="rId5"/>
     <p:sldId id="394" r:id="rId6"/>
-    <p:sldId id="364" r:id="rId7"/>
-    <p:sldId id="378" r:id="rId8"/>
-    <p:sldId id="395" r:id="rId9"/>
-    <p:sldId id="372" r:id="rId10"/>
-    <p:sldId id="396" r:id="rId11"/>
-    <p:sldId id="397" r:id="rId12"/>
-    <p:sldId id="398" r:id="rId13"/>
-    <p:sldId id="387" r:id="rId14"/>
-    <p:sldId id="365" r:id="rId15"/>
-    <p:sldId id="399" r:id="rId16"/>
-    <p:sldId id="400" r:id="rId17"/>
-    <p:sldId id="401" r:id="rId18"/>
-    <p:sldId id="402" r:id="rId19"/>
-    <p:sldId id="403" r:id="rId20"/>
-    <p:sldId id="404" r:id="rId21"/>
-    <p:sldId id="407" r:id="rId22"/>
-    <p:sldId id="424" r:id="rId23"/>
-    <p:sldId id="415" r:id="rId24"/>
-    <p:sldId id="405" r:id="rId25"/>
-    <p:sldId id="412" r:id="rId26"/>
-    <p:sldId id="413" r:id="rId27"/>
-    <p:sldId id="414" r:id="rId28"/>
-    <p:sldId id="406" r:id="rId29"/>
-    <p:sldId id="409" r:id="rId30"/>
-    <p:sldId id="410" r:id="rId31"/>
-    <p:sldId id="416" r:id="rId32"/>
-    <p:sldId id="411" r:id="rId33"/>
-    <p:sldId id="265" r:id="rId34"/>
+    <p:sldId id="427" r:id="rId7"/>
+    <p:sldId id="426" r:id="rId8"/>
+    <p:sldId id="364" r:id="rId9"/>
+    <p:sldId id="378" r:id="rId10"/>
+    <p:sldId id="395" r:id="rId11"/>
+    <p:sldId id="372" r:id="rId12"/>
+    <p:sldId id="396" r:id="rId13"/>
+    <p:sldId id="397" r:id="rId14"/>
+    <p:sldId id="398" r:id="rId15"/>
+    <p:sldId id="387" r:id="rId16"/>
+    <p:sldId id="365" r:id="rId17"/>
+    <p:sldId id="399" r:id="rId18"/>
+    <p:sldId id="400" r:id="rId19"/>
+    <p:sldId id="401" r:id="rId20"/>
+    <p:sldId id="402" r:id="rId21"/>
+    <p:sldId id="403" r:id="rId22"/>
+    <p:sldId id="404" r:id="rId23"/>
+    <p:sldId id="407" r:id="rId24"/>
+    <p:sldId id="424" r:id="rId25"/>
+    <p:sldId id="415" r:id="rId26"/>
+    <p:sldId id="405" r:id="rId27"/>
+    <p:sldId id="412" r:id="rId28"/>
+    <p:sldId id="413" r:id="rId29"/>
+    <p:sldId id="414" r:id="rId30"/>
+    <p:sldId id="406" r:id="rId31"/>
+    <p:sldId id="409" r:id="rId32"/>
+    <p:sldId id="410" r:id="rId33"/>
+    <p:sldId id="416" r:id="rId34"/>
+    <p:sldId id="411" r:id="rId35"/>
+    <p:sldId id="265" r:id="rId36"/>
   </p:sldIdLst>
   <p:sldSz cx="18288000" cy="10287000"/>
   <p:notesSz cx="6858000" cy="9144000"/>
   <p:embeddedFontLst>
     <p:embeddedFont>
       <p:font typeface="Consolas" panose="020B0609020204030204" pitchFamily="49" charset="0"/>
-      <p:regular r:id="rId36"/>
-      <p:bold r:id="rId37"/>
-      <p:italic r:id="rId38"/>
-      <p:boldItalic r:id="rId39"/>
+      <p:regular r:id="rId38"/>
+      <p:bold r:id="rId39"/>
+      <p:italic r:id="rId40"/>
+      <p:boldItalic r:id="rId41"/>
     </p:embeddedFont>
   </p:embeddedFontLst>
   <p:defaultTextStyle>
@@ -707,7 +709,115 @@
           <a:p>
             <a:fld id="{1300335D-9F13-4B80-ADC5-B0EA3E10FF6B}" type="slidenum">
               <a:rPr lang="en-US" smtClean="0"/>
-              <a:t>21</a:t>
+              <a:t>20</a:t>
+            </a:fld>
+            <a:endParaRPr lang="en-US"/>
+          </a:p>
+        </p:txBody>
+      </p:sp>
+    </p:spTree>
+    <p:extLst>
+      <p:ext uri="{BB962C8B-B14F-4D97-AF65-F5344CB8AC3E}">
+        <p14:creationId xmlns:p14="http://schemas.microsoft.com/office/powerpoint/2010/main" val="1308301185"/>
+      </p:ext>
+    </p:extLst>
+  </p:cSld>
+  <p:clrMapOvr>
+    <a:masterClrMapping/>
+  </p:clrMapOvr>
+</p:notes>
+</file>
+
+<file path=ppt/notesSlides/notesSlide11.xml><?xml version="1.0" encoding="utf-8"?>
+<p:notes xmlns:a="http://schemas.openxmlformats.org/drawingml/2006/main" xmlns:r="http://schemas.openxmlformats.org/officeDocument/2006/relationships" xmlns:p="http://schemas.openxmlformats.org/presentationml/2006/main">
+  <p:cSld>
+    <p:spTree>
+      <p:nvGrpSpPr>
+        <p:cNvPr id="1" name=""/>
+        <p:cNvGrpSpPr/>
+        <p:nvPr/>
+      </p:nvGrpSpPr>
+      <p:grpSpPr>
+        <a:xfrm>
+          <a:off x="0" y="0"/>
+          <a:ext cx="0" cy="0"/>
+          <a:chOff x="0" y="0"/>
+          <a:chExt cx="0" cy="0"/>
+        </a:xfrm>
+      </p:grpSpPr>
+      <p:sp>
+        <p:nvSpPr>
+          <p:cNvPr id="2" name="Slide Image Placeholder 1"/>
+          <p:cNvSpPr>
+            <a:spLocks noGrp="1" noRot="1" noChangeAspect="1"/>
+          </p:cNvSpPr>
+          <p:nvPr>
+            <p:ph type="sldImg"/>
+          </p:nvPr>
+        </p:nvSpPr>
+        <p:spPr/>
+      </p:sp>
+      <p:sp>
+        <p:nvSpPr>
+          <p:cNvPr id="3" name="Notes Placeholder 2"/>
+          <p:cNvSpPr>
+            <a:spLocks noGrp="1"/>
+          </p:cNvSpPr>
+          <p:nvPr>
+            <p:ph type="body" idx="1"/>
+          </p:nvPr>
+        </p:nvSpPr>
+        <p:spPr/>
+        <p:txBody>
+          <a:bodyPr/>
+          <a:lstStyle/>
+          <a:p>
+            <a:pPr marL="228600" indent="-228600">
+              <a:buAutoNum type="arabicPeriod"/>
+            </a:pPr>
+            <a:r>
+              <a:rPr lang="en-US" dirty="0"/>
+              <a:t>False!</a:t>
+            </a:r>
+          </a:p>
+          <a:p>
+            <a:pPr marL="228600" indent="-228600">
+              <a:buAutoNum type="arabicPeriod"/>
+            </a:pPr>
+            <a:r>
+              <a:rPr lang="en-US" dirty="0"/>
+              <a:t>Function, Formula, Function</a:t>
+            </a:r>
+          </a:p>
+          <a:p>
+            <a:pPr marL="228600" indent="-228600">
+              <a:buAutoNum type="arabicPeriod"/>
+            </a:pPr>
+            <a:r>
+              <a:rPr lang="en-US" dirty="0"/>
+              <a:t>Argument</a:t>
+            </a:r>
+          </a:p>
+        </p:txBody>
+      </p:sp>
+      <p:sp>
+        <p:nvSpPr>
+          <p:cNvPr id="4" name="Slide Number Placeholder 3"/>
+          <p:cNvSpPr>
+            <a:spLocks noGrp="1"/>
+          </p:cNvSpPr>
+          <p:nvPr>
+            <p:ph type="sldNum" sz="quarter" idx="5"/>
+          </p:nvPr>
+        </p:nvSpPr>
+        <p:spPr/>
+        <p:txBody>
+          <a:bodyPr/>
+          <a:lstStyle/>
+          <a:p>
+            <a:fld id="{1300335D-9F13-4B80-ADC5-B0EA3E10FF6B}" type="slidenum">
+              <a:rPr lang="en-US" smtClean="0"/>
+              <a:t>23</a:t>
             </a:fld>
             <a:endParaRPr lang="en-US"/>
           </a:p>
@@ -726,7 +836,7 @@
 </p:notes>
 </file>
 
-<file path=ppt/notesSlides/notesSlide11.xml><?xml version="1.0" encoding="utf-8"?>
+<file path=ppt/notesSlides/notesSlide12.xml><?xml version="1.0" encoding="utf-8"?>
 <p:notes xmlns:a="http://schemas.openxmlformats.org/drawingml/2006/main" xmlns:r="http://schemas.openxmlformats.org/officeDocument/2006/relationships" xmlns:p="http://schemas.openxmlformats.org/presentationml/2006/main">
   <p:cSld>
     <p:spTree>
@@ -839,7 +949,7 @@
           <a:p>
             <a:fld id="{1300335D-9F13-4B80-ADC5-B0EA3E10FF6B}" type="slidenum">
               <a:rPr lang="en-US" smtClean="0"/>
-              <a:t>22</a:t>
+              <a:t>24</a:t>
             </a:fld>
             <a:endParaRPr lang="en-US"/>
           </a:p>
@@ -849,114 +959,6 @@
     <p:extLst>
       <p:ext uri="{BB962C8B-B14F-4D97-AF65-F5344CB8AC3E}">
         <p14:creationId xmlns:p14="http://schemas.microsoft.com/office/powerpoint/2010/main" val="2906957019"/>
-      </p:ext>
-    </p:extLst>
-  </p:cSld>
-  <p:clrMapOvr>
-    <a:masterClrMapping/>
-  </p:clrMapOvr>
-</p:notes>
-</file>
-
-<file path=ppt/notesSlides/notesSlide12.xml><?xml version="1.0" encoding="utf-8"?>
-<p:notes xmlns:a="http://schemas.openxmlformats.org/drawingml/2006/main" xmlns:r="http://schemas.openxmlformats.org/officeDocument/2006/relationships" xmlns:p="http://schemas.openxmlformats.org/presentationml/2006/main">
-  <p:cSld>
-    <p:spTree>
-      <p:nvGrpSpPr>
-        <p:cNvPr id="1" name=""/>
-        <p:cNvGrpSpPr/>
-        <p:nvPr/>
-      </p:nvGrpSpPr>
-      <p:grpSpPr>
-        <a:xfrm>
-          <a:off x="0" y="0"/>
-          <a:ext cx="0" cy="0"/>
-          <a:chOff x="0" y="0"/>
-          <a:chExt cx="0" cy="0"/>
-        </a:xfrm>
-      </p:grpSpPr>
-      <p:sp>
-        <p:nvSpPr>
-          <p:cNvPr id="2" name="Slide Image Placeholder 1"/>
-          <p:cNvSpPr>
-            <a:spLocks noGrp="1" noRot="1" noChangeAspect="1"/>
-          </p:cNvSpPr>
-          <p:nvPr>
-            <p:ph type="sldImg"/>
-          </p:nvPr>
-        </p:nvSpPr>
-        <p:spPr/>
-      </p:sp>
-      <p:sp>
-        <p:nvSpPr>
-          <p:cNvPr id="3" name="Notes Placeholder 2"/>
-          <p:cNvSpPr>
-            <a:spLocks noGrp="1"/>
-          </p:cNvSpPr>
-          <p:nvPr>
-            <p:ph type="body" idx="1"/>
-          </p:nvPr>
-        </p:nvSpPr>
-        <p:spPr/>
-        <p:txBody>
-          <a:bodyPr/>
-          <a:lstStyle/>
-          <a:p>
-            <a:pPr marL="228600" indent="-228600">
-              <a:buAutoNum type="arabicPeriod"/>
-            </a:pPr>
-            <a:r>
-              <a:rPr lang="en-US" dirty="0"/>
-              <a:t>False!</a:t>
-            </a:r>
-          </a:p>
-          <a:p>
-            <a:pPr marL="228600" indent="-228600">
-              <a:buAutoNum type="arabicPeriod"/>
-            </a:pPr>
-            <a:r>
-              <a:rPr lang="en-US" dirty="0"/>
-              <a:t>Function, Formula, Function</a:t>
-            </a:r>
-          </a:p>
-          <a:p>
-            <a:pPr marL="228600" indent="-228600">
-              <a:buAutoNum type="arabicPeriod"/>
-            </a:pPr>
-            <a:r>
-              <a:rPr lang="en-US" dirty="0"/>
-              <a:t>Argument</a:t>
-            </a:r>
-          </a:p>
-        </p:txBody>
-      </p:sp>
-      <p:sp>
-        <p:nvSpPr>
-          <p:cNvPr id="4" name="Slide Number Placeholder 3"/>
-          <p:cNvSpPr>
-            <a:spLocks noGrp="1"/>
-          </p:cNvSpPr>
-          <p:nvPr>
-            <p:ph type="sldNum" sz="quarter" idx="5"/>
-          </p:nvPr>
-        </p:nvSpPr>
-        <p:spPr/>
-        <p:txBody>
-          <a:bodyPr/>
-          <a:lstStyle/>
-          <a:p>
-            <a:fld id="{1300335D-9F13-4B80-ADC5-B0EA3E10FF6B}" type="slidenum">
-              <a:rPr lang="en-US" smtClean="0"/>
-              <a:t>25</a:t>
-            </a:fld>
-            <a:endParaRPr lang="en-US"/>
-          </a:p>
-        </p:txBody>
-      </p:sp>
-    </p:spTree>
-    <p:extLst>
-      <p:ext uri="{BB962C8B-B14F-4D97-AF65-F5344CB8AC3E}">
-        <p14:creationId xmlns:p14="http://schemas.microsoft.com/office/powerpoint/2010/main" val="1500510141"/>
       </p:ext>
     </p:extLst>
   </p:cSld>
@@ -1055,7 +1057,7 @@
           <a:p>
             <a:fld id="{1300335D-9F13-4B80-ADC5-B0EA3E10FF6B}" type="slidenum">
               <a:rPr lang="en-US" smtClean="0"/>
-              <a:t>26</a:t>
+              <a:t>27</a:t>
             </a:fld>
             <a:endParaRPr lang="en-US"/>
           </a:p>
@@ -1064,7 +1066,7 @@
     </p:spTree>
     <p:extLst>
       <p:ext uri="{BB962C8B-B14F-4D97-AF65-F5344CB8AC3E}">
-        <p14:creationId xmlns:p14="http://schemas.microsoft.com/office/powerpoint/2010/main" val="377014208"/>
+        <p14:creationId xmlns:p14="http://schemas.microsoft.com/office/powerpoint/2010/main" val="1500510141"/>
       </p:ext>
     </p:extLst>
   </p:cSld>
@@ -1163,7 +1165,7 @@
           <a:p>
             <a:fld id="{1300335D-9F13-4B80-ADC5-B0EA3E10FF6B}" type="slidenum">
               <a:rPr lang="en-US" smtClean="0"/>
-              <a:t>29</a:t>
+              <a:t>28</a:t>
             </a:fld>
             <a:endParaRPr lang="en-US"/>
           </a:p>
@@ -1172,7 +1174,7 @@
     </p:spTree>
     <p:extLst>
       <p:ext uri="{BB962C8B-B14F-4D97-AF65-F5344CB8AC3E}">
-        <p14:creationId xmlns:p14="http://schemas.microsoft.com/office/powerpoint/2010/main" val="2338108748"/>
+        <p14:creationId xmlns:p14="http://schemas.microsoft.com/office/powerpoint/2010/main" val="377014208"/>
       </p:ext>
     </p:extLst>
   </p:cSld>
@@ -1271,7 +1273,7 @@
           <a:p>
             <a:fld id="{1300335D-9F13-4B80-ADC5-B0EA3E10FF6B}" type="slidenum">
               <a:rPr lang="en-US" smtClean="0"/>
-              <a:t>30</a:t>
+              <a:t>31</a:t>
             </a:fld>
             <a:endParaRPr lang="en-US"/>
           </a:p>
@@ -1280,7 +1282,7 @@
     </p:spTree>
     <p:extLst>
       <p:ext uri="{BB962C8B-B14F-4D97-AF65-F5344CB8AC3E}">
-        <p14:creationId xmlns:p14="http://schemas.microsoft.com/office/powerpoint/2010/main" val="3885482516"/>
+        <p14:creationId xmlns:p14="http://schemas.microsoft.com/office/powerpoint/2010/main" val="2338108748"/>
       </p:ext>
     </p:extLst>
   </p:cSld>
@@ -1380,6 +1382,114 @@
             <a:fld id="{1300335D-9F13-4B80-ADC5-B0EA3E10FF6B}" type="slidenum">
               <a:rPr lang="en-US" smtClean="0"/>
               <a:t>32</a:t>
+            </a:fld>
+            <a:endParaRPr lang="en-US"/>
+          </a:p>
+        </p:txBody>
+      </p:sp>
+    </p:spTree>
+    <p:extLst>
+      <p:ext uri="{BB962C8B-B14F-4D97-AF65-F5344CB8AC3E}">
+        <p14:creationId xmlns:p14="http://schemas.microsoft.com/office/powerpoint/2010/main" val="3885482516"/>
+      </p:ext>
+    </p:extLst>
+  </p:cSld>
+  <p:clrMapOvr>
+    <a:masterClrMapping/>
+  </p:clrMapOvr>
+</p:notes>
+</file>
+
+<file path=ppt/notesSlides/notesSlide17.xml><?xml version="1.0" encoding="utf-8"?>
+<p:notes xmlns:a="http://schemas.openxmlformats.org/drawingml/2006/main" xmlns:r="http://schemas.openxmlformats.org/officeDocument/2006/relationships" xmlns:p="http://schemas.openxmlformats.org/presentationml/2006/main">
+  <p:cSld>
+    <p:spTree>
+      <p:nvGrpSpPr>
+        <p:cNvPr id="1" name=""/>
+        <p:cNvGrpSpPr/>
+        <p:nvPr/>
+      </p:nvGrpSpPr>
+      <p:grpSpPr>
+        <a:xfrm>
+          <a:off x="0" y="0"/>
+          <a:ext cx="0" cy="0"/>
+          <a:chOff x="0" y="0"/>
+          <a:chExt cx="0" cy="0"/>
+        </a:xfrm>
+      </p:grpSpPr>
+      <p:sp>
+        <p:nvSpPr>
+          <p:cNvPr id="2" name="Slide Image Placeholder 1"/>
+          <p:cNvSpPr>
+            <a:spLocks noGrp="1" noRot="1" noChangeAspect="1"/>
+          </p:cNvSpPr>
+          <p:nvPr>
+            <p:ph type="sldImg"/>
+          </p:nvPr>
+        </p:nvSpPr>
+        <p:spPr/>
+      </p:sp>
+      <p:sp>
+        <p:nvSpPr>
+          <p:cNvPr id="3" name="Notes Placeholder 2"/>
+          <p:cNvSpPr>
+            <a:spLocks noGrp="1"/>
+          </p:cNvSpPr>
+          <p:nvPr>
+            <p:ph type="body" idx="1"/>
+          </p:nvPr>
+        </p:nvSpPr>
+        <p:spPr/>
+        <p:txBody>
+          <a:bodyPr/>
+          <a:lstStyle/>
+          <a:p>
+            <a:pPr marL="228600" indent="-228600">
+              <a:buAutoNum type="arabicPeriod"/>
+            </a:pPr>
+            <a:r>
+              <a:rPr lang="en-US" dirty="0"/>
+              <a:t>False!</a:t>
+            </a:r>
+          </a:p>
+          <a:p>
+            <a:pPr marL="228600" indent="-228600">
+              <a:buAutoNum type="arabicPeriod"/>
+            </a:pPr>
+            <a:r>
+              <a:rPr lang="en-US" dirty="0"/>
+              <a:t>Function, Formula, Function</a:t>
+            </a:r>
+          </a:p>
+          <a:p>
+            <a:pPr marL="228600" indent="-228600">
+              <a:buAutoNum type="arabicPeriod"/>
+            </a:pPr>
+            <a:r>
+              <a:rPr lang="en-US" dirty="0"/>
+              <a:t>Argument</a:t>
+            </a:r>
+          </a:p>
+        </p:txBody>
+      </p:sp>
+      <p:sp>
+        <p:nvSpPr>
+          <p:cNvPr id="4" name="Slide Number Placeholder 3"/>
+          <p:cNvSpPr>
+            <a:spLocks noGrp="1"/>
+          </p:cNvSpPr>
+          <p:nvPr>
+            <p:ph type="sldNum" sz="quarter" idx="5"/>
+          </p:nvPr>
+        </p:nvSpPr>
+        <p:spPr/>
+        <p:txBody>
+          <a:bodyPr/>
+          <a:lstStyle/>
+          <a:p>
+            <a:fld id="{1300335D-9F13-4B80-ADC5-B0EA3E10FF6B}" type="slidenum">
+              <a:rPr lang="en-US" smtClean="0"/>
+              <a:t>34</a:t>
             </a:fld>
             <a:endParaRPr lang="en-US"/>
           </a:p>
@@ -1529,30 +1639,9 @@
           <a:bodyPr/>
           <a:lstStyle/>
           <a:p>
-            <a:pPr marL="228600" indent="-228600">
-              <a:buAutoNum type="arabicPeriod"/>
-            </a:pPr>
             <a:r>
               <a:rPr lang="en-US" dirty="0"/>
-              <a:t>False!</a:t>
-            </a:r>
-          </a:p>
-          <a:p>
-            <a:pPr marL="228600" indent="-228600">
-              <a:buAutoNum type="arabicPeriod"/>
-            </a:pPr>
-            <a:r>
-              <a:rPr lang="en-US" dirty="0"/>
-              <a:t>Function, Formula, Function</a:t>
-            </a:r>
-          </a:p>
-          <a:p>
-            <a:pPr marL="228600" indent="-228600">
-              <a:buAutoNum type="arabicPeriod"/>
-            </a:pPr>
-            <a:r>
-              <a:rPr lang="en-US" dirty="0"/>
-              <a:t>Argument</a:t>
+              <a:t>https://globalexcelsummit.com/product/modern-data-analytics-in-excel</a:t>
             </a:r>
           </a:p>
         </p:txBody>
@@ -1572,9 +1661,9 @@
           <a:bodyPr/>
           <a:lstStyle/>
           <a:p>
-            <a:fld id="{1300335D-9F13-4B80-ADC5-B0EA3E10FF6B}" type="slidenum">
+            <a:fld id="{FFB500C5-13F7-48FC-8160-C29AECF6C602}" type="slidenum">
               <a:rPr lang="en-US" smtClean="0"/>
-              <a:t>7</a:t>
+              <a:t>6</a:t>
             </a:fld>
             <a:endParaRPr lang="en-US"/>
           </a:p>
@@ -1583,7 +1672,7 @@
     </p:spTree>
     <p:extLst>
       <p:ext uri="{BB962C8B-B14F-4D97-AF65-F5344CB8AC3E}">
-        <p14:creationId xmlns:p14="http://schemas.microsoft.com/office/powerpoint/2010/main" val="2757268264"/>
+        <p14:creationId xmlns:p14="http://schemas.microsoft.com/office/powerpoint/2010/main" val="4006208921"/>
       </p:ext>
     </p:extLst>
   </p:cSld>
@@ -1682,7 +1771,7 @@
           <a:p>
             <a:fld id="{1300335D-9F13-4B80-ADC5-B0EA3E10FF6B}" type="slidenum">
               <a:rPr lang="en-US" smtClean="0"/>
-              <a:t>8</a:t>
+              <a:t>9</a:t>
             </a:fld>
             <a:endParaRPr lang="en-US"/>
           </a:p>
@@ -1691,7 +1780,7 @@
     </p:spTree>
     <p:extLst>
       <p:ext uri="{BB962C8B-B14F-4D97-AF65-F5344CB8AC3E}">
-        <p14:creationId xmlns:p14="http://schemas.microsoft.com/office/powerpoint/2010/main" val="395630260"/>
+        <p14:creationId xmlns:p14="http://schemas.microsoft.com/office/powerpoint/2010/main" val="2757268264"/>
       </p:ext>
     </p:extLst>
   </p:cSld>
@@ -1790,7 +1879,7 @@
           <a:p>
             <a:fld id="{1300335D-9F13-4B80-ADC5-B0EA3E10FF6B}" type="slidenum">
               <a:rPr lang="en-US" smtClean="0"/>
-              <a:t>11</a:t>
+              <a:t>10</a:t>
             </a:fld>
             <a:endParaRPr lang="en-US"/>
           </a:p>
@@ -1799,7 +1888,7 @@
     </p:spTree>
     <p:extLst>
       <p:ext uri="{BB962C8B-B14F-4D97-AF65-F5344CB8AC3E}">
-        <p14:creationId xmlns:p14="http://schemas.microsoft.com/office/powerpoint/2010/main" val="2913293102"/>
+        <p14:creationId xmlns:p14="http://schemas.microsoft.com/office/powerpoint/2010/main" val="395630260"/>
       </p:ext>
     </p:extLst>
   </p:cSld>
@@ -1898,7 +1987,7 @@
           <a:p>
             <a:fld id="{1300335D-9F13-4B80-ADC5-B0EA3E10FF6B}" type="slidenum">
               <a:rPr lang="en-US" smtClean="0"/>
-              <a:t>12</a:t>
+              <a:t>13</a:t>
             </a:fld>
             <a:endParaRPr lang="en-US"/>
           </a:p>
@@ -1907,7 +1996,7 @@
     </p:spTree>
     <p:extLst>
       <p:ext uri="{BB962C8B-B14F-4D97-AF65-F5344CB8AC3E}">
-        <p14:creationId xmlns:p14="http://schemas.microsoft.com/office/powerpoint/2010/main" val="55314337"/>
+        <p14:creationId xmlns:p14="http://schemas.microsoft.com/office/powerpoint/2010/main" val="2913293102"/>
       </p:ext>
     </p:extLst>
   </p:cSld>
@@ -2006,7 +2095,7 @@
           <a:p>
             <a:fld id="{1300335D-9F13-4B80-ADC5-B0EA3E10FF6B}" type="slidenum">
               <a:rPr lang="en-US" smtClean="0"/>
-              <a:t>15</a:t>
+              <a:t>14</a:t>
             </a:fld>
             <a:endParaRPr lang="en-US"/>
           </a:p>
@@ -2015,7 +2104,7 @@
     </p:spTree>
     <p:extLst>
       <p:ext uri="{BB962C8B-B14F-4D97-AF65-F5344CB8AC3E}">
-        <p14:creationId xmlns:p14="http://schemas.microsoft.com/office/powerpoint/2010/main" val="678009514"/>
+        <p14:creationId xmlns:p14="http://schemas.microsoft.com/office/powerpoint/2010/main" val="55314337"/>
       </p:ext>
     </p:extLst>
   </p:cSld>
@@ -2114,7 +2203,7 @@
           <a:p>
             <a:fld id="{1300335D-9F13-4B80-ADC5-B0EA3E10FF6B}" type="slidenum">
               <a:rPr lang="en-US" smtClean="0"/>
-              <a:t>16</a:t>
+              <a:t>17</a:t>
             </a:fld>
             <a:endParaRPr lang="en-US"/>
           </a:p>
@@ -2123,7 +2212,7 @@
     </p:spTree>
     <p:extLst>
       <p:ext uri="{BB962C8B-B14F-4D97-AF65-F5344CB8AC3E}">
-        <p14:creationId xmlns:p14="http://schemas.microsoft.com/office/powerpoint/2010/main" val="358552492"/>
+        <p14:creationId xmlns:p14="http://schemas.microsoft.com/office/powerpoint/2010/main" val="678009514"/>
       </p:ext>
     </p:extLst>
   </p:cSld>
@@ -2231,7 +2320,7 @@
     </p:spTree>
     <p:extLst>
       <p:ext uri="{BB962C8B-B14F-4D97-AF65-F5344CB8AC3E}">
-        <p14:creationId xmlns:p14="http://schemas.microsoft.com/office/powerpoint/2010/main" val="1308301185"/>
+        <p14:creationId xmlns:p14="http://schemas.microsoft.com/office/powerpoint/2010/main" val="358552492"/>
       </p:ext>
     </p:extLst>
   </p:cSld>
@@ -5241,7 +5330,7 @@
                 </a:solidFill>
                 <a:latin typeface="+mn-lt"/>
               </a:rPr>
-              <a:t>Excel Analytics 2.0</a:t>
+              <a:t>Modern Data Analytics in Excel</a:t>
             </a:r>
             <a:endParaRPr lang="en-BG" sz="9900" b="1" dirty="0">
               <a:solidFill>
@@ -5384,116 +5473,6 @@
         </p:nvSpPr>
         <p:spPr>
           <a:xfrm>
-            <a:off x="0" y="0"/>
-            <a:ext cx="18288000" cy="10287000"/>
-          </a:xfrm>
-          <a:prstGeom prst="rect">
-            <a:avLst/>
-          </a:prstGeom>
-          <a:solidFill>
-            <a:srgbClr val="CF3338"/>
-          </a:solidFill>
-          <a:ln>
-            <a:noFill/>
-          </a:ln>
-        </p:spPr>
-        <p:style>
-          <a:lnRef idx="2">
-            <a:schemeClr val="accent1">
-              <a:shade val="50000"/>
-            </a:schemeClr>
-          </a:lnRef>
-          <a:fillRef idx="1">
-            <a:schemeClr val="accent1"/>
-          </a:fillRef>
-          <a:effectRef idx="0">
-            <a:schemeClr val="accent1"/>
-          </a:effectRef>
-          <a:fontRef idx="minor">
-            <a:schemeClr val="lt1"/>
-          </a:fontRef>
-        </p:style>
-        <p:txBody>
-          <a:bodyPr rtlCol="0" anchor="ctr"/>
-          <a:lstStyle/>
-          <a:p>
-            <a:pPr algn="ctr"/>
-            <a:endParaRPr lang="en-US" sz="2700"/>
-          </a:p>
-        </p:txBody>
-      </p:sp>
-      <p:sp>
-        <p:nvSpPr>
-          <p:cNvPr id="5" name="TextBox 4"/>
-          <p:cNvSpPr txBox="1"/>
-          <p:nvPr/>
-        </p:nvSpPr>
-        <p:spPr>
-          <a:xfrm>
-            <a:off x="781292" y="590309"/>
-            <a:ext cx="15486926" cy="3139321"/>
-          </a:xfrm>
-          <a:prstGeom prst="rect">
-            <a:avLst/>
-          </a:prstGeom>
-          <a:noFill/>
-        </p:spPr>
-        <p:txBody>
-          <a:bodyPr wrap="square" rtlCol="0">
-            <a:spAutoFit/>
-          </a:bodyPr>
-          <a:lstStyle/>
-          <a:p>
-            <a:r>
-              <a:rPr lang="en-US" sz="9900" b="1" dirty="0">
-                <a:solidFill>
-                  <a:schemeClr val="bg1"/>
-                </a:solidFill>
-                <a:latin typeface="Normafixed Tryout" panose="00000409000000000000" pitchFamily="49" charset="0"/>
-              </a:rPr>
-              <a:t>2. AI-Powered Data Entry and Forecasting</a:t>
-            </a:r>
-          </a:p>
-        </p:txBody>
-      </p:sp>
-    </p:spTree>
-    <p:extLst>
-      <p:ext uri="{BB962C8B-B14F-4D97-AF65-F5344CB8AC3E}">
-        <p14:creationId xmlns:p14="http://schemas.microsoft.com/office/powerpoint/2010/main" val="3261205573"/>
-      </p:ext>
-    </p:extLst>
-  </p:cSld>
-  <p:clrMapOvr>
-    <a:masterClrMapping/>
-  </p:clrMapOvr>
-</p:sld>
-</file>
-
-<file path=ppt/slides/slide11.xml><?xml version="1.0" encoding="utf-8"?>
-<p:sld xmlns:a="http://schemas.openxmlformats.org/drawingml/2006/main" xmlns:r="http://schemas.openxmlformats.org/officeDocument/2006/relationships" xmlns:p="http://schemas.openxmlformats.org/presentationml/2006/main">
-  <p:cSld>
-    <p:spTree>
-      <p:nvGrpSpPr>
-        <p:cNvPr id="1" name=""/>
-        <p:cNvGrpSpPr/>
-        <p:nvPr/>
-      </p:nvGrpSpPr>
-      <p:grpSpPr>
-        <a:xfrm>
-          <a:off x="0" y="0"/>
-          <a:ext cx="0" cy="0"/>
-          <a:chOff x="0" y="0"/>
-          <a:chExt cx="0" cy="0"/>
-        </a:xfrm>
-      </p:grpSpPr>
-      <p:sp>
-        <p:nvSpPr>
-          <p:cNvPr id="4" name="Rectangle 3"/>
-          <p:cNvSpPr/>
-          <p:nvPr/>
-        </p:nvSpPr>
-        <p:spPr>
-          <a:xfrm>
             <a:off x="9861630" y="0"/>
             <a:ext cx="8426370" cy="10287000"/>
           </a:xfrm>
@@ -5570,7 +5549,7 @@
         <p:spPr>
           <a:xfrm>
             <a:off x="260431" y="329879"/>
-            <a:ext cx="8906720" cy="8036559"/>
+            <a:ext cx="8906720" cy="10726013"/>
           </a:xfrm>
           <a:prstGeom prst="rect">
             <a:avLst/>
@@ -5590,7 +5569,7 @@
                 </a:solidFill>
                 <a:latin typeface="Pragmatica" panose="020B0403040502020204" pitchFamily="34" charset="0"/>
               </a:rPr>
-              <a:t>AI-powered data entry and forecasting </a:t>
+              <a:t>AI-powered data manipulation EXERCISE</a:t>
             </a:r>
           </a:p>
           <a:p>
@@ -5602,7 +5581,7 @@
             </a:endParaRPr>
           </a:p>
           <a:p>
-            <a:pPr marL="685800" indent="-542925">
+            <a:pPr marL="142875">
               <a:lnSpc>
                 <a:spcPct val="115000"/>
               </a:lnSpc>
@@ -5613,8 +5592,6 @@
                 <a:srgbClr val="C00000"/>
               </a:buClr>
               <a:buSzPts val="2100"/>
-              <a:buFont typeface="Arial"/>
-              <a:buAutoNum type="arabicPeriod"/>
             </a:pPr>
             <a:r>
               <a:rPr lang="en-US" sz="3600" dirty="0">
@@ -5624,11 +5601,31 @@
                 <a:latin typeface="Pragmatica" panose="020B0403040502020204"/>
                 <a:sym typeface="Consolas"/>
               </a:rPr>
-              <a:t>Importing data from picture</a:t>
-            </a:r>
-          </a:p>
-          <a:p>
-            <a:pPr marL="685800" indent="-542925">
+              <a:t>Using either Flash Fill </a:t>
+            </a:r>
+            <a:r>
+              <a:rPr lang="en-US" sz="3600" i="1" dirty="0">
+                <a:solidFill>
+                  <a:srgbClr val="C00000"/>
+                </a:solidFill>
+                <a:latin typeface="Pragmatica" panose="020B0403040502020204"/>
+                <a:sym typeface="Consolas"/>
+              </a:rPr>
+              <a:t>or </a:t>
+            </a:r>
+            <a:r>
+              <a:rPr lang="en-US" sz="3600" dirty="0">
+                <a:solidFill>
+                  <a:srgbClr val="C00000"/>
+                </a:solidFill>
+                <a:latin typeface="Pragmatica" panose="020B0403040502020204"/>
+                <a:sym typeface="Consolas"/>
+              </a:rPr>
+              <a:t>Column from Example:</a:t>
+            </a:r>
+          </a:p>
+          <a:p>
+            <a:pPr marL="142875">
               <a:lnSpc>
                 <a:spcPct val="115000"/>
               </a:lnSpc>
@@ -5639,22 +5636,17 @@
                 <a:srgbClr val="C00000"/>
               </a:buClr>
               <a:buSzPts val="2100"/>
-              <a:buFont typeface="Arial"/>
-              <a:buAutoNum type="arabicPeriod"/>
             </a:pPr>
-            <a:r>
-              <a:rPr lang="en-US" sz="3600" dirty="0">
-                <a:solidFill>
-                  <a:srgbClr val="C00000"/>
-                </a:solidFill>
-                <a:latin typeface="Pragmatica" panose="020B0403040502020204"/>
-                <a:sym typeface="Consolas"/>
-              </a:rPr>
-              <a:t>Creating forecasts with Forecast Sheet</a:t>
-            </a:r>
-          </a:p>
-          <a:p>
-            <a:pPr marL="685800" indent="-542925">
+            <a:endParaRPr lang="en-US" sz="3600" dirty="0">
+              <a:solidFill>
+                <a:srgbClr val="C00000"/>
+              </a:solidFill>
+              <a:latin typeface="Pragmatica" panose="020B0403040502020204"/>
+              <a:sym typeface="Consolas"/>
+            </a:endParaRPr>
+          </a:p>
+          <a:p>
+            <a:pPr marL="714375" indent="-571500">
               <a:lnSpc>
                 <a:spcPct val="115000"/>
               </a:lnSpc>
@@ -5665,8 +5657,8 @@
                 <a:srgbClr val="C00000"/>
               </a:buClr>
               <a:buSzPts val="2100"/>
-              <a:buFont typeface="Arial"/>
-              <a:buAutoNum type="arabicPeriod"/>
+              <a:buFont typeface="Arial" panose="020B0604020202020204" pitchFamily="34" charset="0"/>
+              <a:buChar char="•"/>
             </a:pPr>
             <a:r>
               <a:rPr lang="en-US" sz="3600" dirty="0">
@@ -5676,7 +5668,73 @@
                 <a:latin typeface="Pragmatica" panose="020B0403040502020204"/>
                 <a:sym typeface="Consolas"/>
               </a:rPr>
-              <a:t>Enhancing insights with linked data types</a:t>
+              <a:t>Find the city name from each column (Houston, Atlanta, Los Angeles, </a:t>
+            </a:r>
+            <a:r>
+              <a:rPr lang="en-US" sz="3600" dirty="0" err="1">
+                <a:solidFill>
+                  <a:srgbClr val="C00000"/>
+                </a:solidFill>
+                <a:latin typeface="Pragmatica" panose="020B0403040502020204"/>
+                <a:sym typeface="Consolas"/>
+              </a:rPr>
+              <a:t>etc</a:t>
+            </a:r>
+            <a:r>
+              <a:rPr lang="en-US" sz="3600" dirty="0">
+                <a:solidFill>
+                  <a:srgbClr val="C00000"/>
+                </a:solidFill>
+                <a:latin typeface="Pragmatica" panose="020B0403040502020204"/>
+                <a:sym typeface="Consolas"/>
+              </a:rPr>
+              <a:t>)</a:t>
+            </a:r>
+          </a:p>
+          <a:p>
+            <a:pPr marL="714375" indent="-571500">
+              <a:lnSpc>
+                <a:spcPct val="115000"/>
+              </a:lnSpc>
+              <a:spcBef>
+                <a:spcPts val="1125"/>
+              </a:spcBef>
+              <a:buClr>
+                <a:srgbClr val="C00000"/>
+              </a:buClr>
+              <a:buSzPts val="2100"/>
+              <a:buFont typeface="Arial" panose="020B0604020202020204" pitchFamily="34" charset="0"/>
+              <a:buChar char="•"/>
+            </a:pPr>
+            <a:r>
+              <a:rPr lang="en-US" sz="3600" dirty="0">
+                <a:solidFill>
+                  <a:srgbClr val="C00000"/>
+                </a:solidFill>
+                <a:latin typeface="Pragmatica" panose="020B0403040502020204"/>
+                <a:sym typeface="Consolas"/>
+              </a:rPr>
+              <a:t>Find the initials for each time (HA, AB, LAD, </a:t>
+            </a:r>
+            <a:r>
+              <a:rPr lang="en-US" sz="3600" dirty="0" err="1">
+                <a:solidFill>
+                  <a:srgbClr val="C00000"/>
+                </a:solidFill>
+                <a:latin typeface="Pragmatica" panose="020B0403040502020204"/>
+                <a:sym typeface="Consolas"/>
+              </a:rPr>
+              <a:t>etc</a:t>
+            </a:r>
+            <a:r>
+              <a:rPr lang="en-US" sz="3600" dirty="0">
+                <a:solidFill>
+                  <a:srgbClr val="C00000"/>
+                </a:solidFill>
+                <a:latin typeface="Pragmatica" panose="020B0403040502020204"/>
+                <a:sym typeface="Consolas"/>
+              </a:rPr>
+              <a:t>)</a:t>
             </a:r>
           </a:p>
           <a:p>
@@ -5733,7 +5791,7 @@
                 <a:latin typeface="Consolas" panose="020B0609020204030204" pitchFamily="49" charset="0"/>
                 <a:sym typeface="Consolas"/>
               </a:rPr>
-              <a:t>ai-powered-data-entry-forecasting.xlsx</a:t>
+              <a:t>ai-powered-data-manipulation-exercise.xlsx</a:t>
             </a:r>
             <a:endParaRPr lang="en-US" sz="6000" dirty="0">
               <a:solidFill>
@@ -5755,7 +5813,7 @@
     </p:spTree>
     <p:extLst>
       <p:ext uri="{BB962C8B-B14F-4D97-AF65-F5344CB8AC3E}">
-        <p14:creationId xmlns:p14="http://schemas.microsoft.com/office/powerpoint/2010/main" val="3338017956"/>
+        <p14:creationId xmlns:p14="http://schemas.microsoft.com/office/powerpoint/2010/main" val="1034455944"/>
       </p:ext>
     </p:extLst>
   </p:cSld>
@@ -5765,290 +5823,7 @@
 </p:sld>
 </file>
 
-<file path=ppt/slides/slide12.xml><?xml version="1.0" encoding="utf-8"?>
-<p:sld xmlns:a="http://schemas.openxmlformats.org/drawingml/2006/main" xmlns:r="http://schemas.openxmlformats.org/officeDocument/2006/relationships" xmlns:p="http://schemas.openxmlformats.org/presentationml/2006/main">
-  <p:cSld>
-    <p:spTree>
-      <p:nvGrpSpPr>
-        <p:cNvPr id="1" name=""/>
-        <p:cNvGrpSpPr/>
-        <p:nvPr/>
-      </p:nvGrpSpPr>
-      <p:grpSpPr>
-        <a:xfrm>
-          <a:off x="0" y="0"/>
-          <a:ext cx="0" cy="0"/>
-          <a:chOff x="0" y="0"/>
-          <a:chExt cx="0" cy="0"/>
-        </a:xfrm>
-      </p:grpSpPr>
-      <p:sp>
-        <p:nvSpPr>
-          <p:cNvPr id="4" name="Rectangle 3"/>
-          <p:cNvSpPr/>
-          <p:nvPr/>
-        </p:nvSpPr>
-        <p:spPr>
-          <a:xfrm>
-            <a:off x="9861630" y="0"/>
-            <a:ext cx="8426370" cy="10287000"/>
-          </a:xfrm>
-          <a:prstGeom prst="rect">
-            <a:avLst/>
-          </a:prstGeom>
-          <a:solidFill>
-            <a:srgbClr val="CF3338"/>
-          </a:solidFill>
-          <a:ln>
-            <a:noFill/>
-          </a:ln>
-        </p:spPr>
-        <p:style>
-          <a:lnRef idx="2">
-            <a:schemeClr val="accent1">
-              <a:shade val="50000"/>
-            </a:schemeClr>
-          </a:lnRef>
-          <a:fillRef idx="1">
-            <a:schemeClr val="accent1"/>
-          </a:fillRef>
-          <a:effectRef idx="0">
-            <a:schemeClr val="accent1"/>
-          </a:effectRef>
-          <a:fontRef idx="minor">
-            <a:schemeClr val="lt1"/>
-          </a:fontRef>
-        </p:style>
-        <p:txBody>
-          <a:bodyPr rtlCol="0" anchor="ctr"/>
-          <a:lstStyle/>
-          <a:p>
-            <a:pPr algn="ctr"/>
-            <a:endParaRPr lang="en-US" sz="2700"/>
-          </a:p>
-        </p:txBody>
-      </p:sp>
-      <p:pic>
-        <p:nvPicPr>
-          <p:cNvPr id="2" name="Picture 1"/>
-          <p:cNvPicPr>
-            <a:picLocks noChangeAspect="1"/>
-          </p:cNvPicPr>
-          <p:nvPr/>
-        </p:nvPicPr>
-        <p:blipFill rotWithShape="1">
-          <a:blip r:embed="rId3">
-            <a:extLst>
-              <a:ext uri="{28A0092B-C50C-407E-A947-70E740481C1C}">
-                <a14:useLocalDpi xmlns:a14="http://schemas.microsoft.com/office/drawing/2010/main" val="0"/>
-              </a:ext>
-            </a:extLst>
-          </a:blip>
-          <a:srcRect l="69227" t="33418" r="20112" b="50548"/>
-          <a:stretch/>
-        </p:blipFill>
-        <p:spPr>
-          <a:xfrm>
-            <a:off x="15579524" y="7544693"/>
-            <a:ext cx="2708477" cy="2987579"/>
-          </a:xfrm>
-          <a:prstGeom prst="rect">
-            <a:avLst/>
-          </a:prstGeom>
-        </p:spPr>
-      </p:pic>
-      <p:sp>
-        <p:nvSpPr>
-          <p:cNvPr id="3" name="TextBox 2"/>
-          <p:cNvSpPr txBox="1"/>
-          <p:nvPr/>
-        </p:nvSpPr>
-        <p:spPr>
-          <a:xfrm>
-            <a:off x="260431" y="329879"/>
-            <a:ext cx="8906720" cy="8027326"/>
-          </a:xfrm>
-          <a:prstGeom prst="rect">
-            <a:avLst/>
-          </a:prstGeom>
-          <a:noFill/>
-        </p:spPr>
-        <p:txBody>
-          <a:bodyPr wrap="square" rtlCol="0">
-            <a:spAutoFit/>
-          </a:bodyPr>
-          <a:lstStyle/>
-          <a:p>
-            <a:r>
-              <a:rPr lang="en-US" sz="6000" b="1" dirty="0">
-                <a:solidFill>
-                  <a:srgbClr val="CF3338"/>
-                </a:solidFill>
-                <a:latin typeface="Pragmatica" panose="020B0403040502020204" pitchFamily="34" charset="0"/>
-              </a:rPr>
-              <a:t>AI-powered data entry and forecasting EXERCISE</a:t>
-            </a:r>
-          </a:p>
-          <a:p>
-            <a:pPr marL="142875">
-              <a:lnSpc>
-                <a:spcPct val="115000"/>
-              </a:lnSpc>
-              <a:spcBef>
-                <a:spcPts val="1125"/>
-              </a:spcBef>
-              <a:buClr>
-                <a:srgbClr val="C00000"/>
-              </a:buClr>
-              <a:buSzPts val="2100"/>
-            </a:pPr>
-            <a:endParaRPr lang="en-US" sz="3600" dirty="0">
-              <a:solidFill>
-                <a:srgbClr val="C00000"/>
-              </a:solidFill>
-              <a:latin typeface="Pragmatica" panose="020B0403040502020204"/>
-              <a:sym typeface="Consolas"/>
-            </a:endParaRPr>
-          </a:p>
-          <a:p>
-            <a:pPr marL="714375" indent="-571500">
-              <a:lnSpc>
-                <a:spcPct val="115000"/>
-              </a:lnSpc>
-              <a:spcBef>
-                <a:spcPts val="1125"/>
-              </a:spcBef>
-              <a:buClr>
-                <a:srgbClr val="C00000"/>
-              </a:buClr>
-              <a:buSzPts val="2100"/>
-              <a:buFont typeface="Arial" panose="020B0604020202020204" pitchFamily="34" charset="0"/>
-              <a:buChar char="•"/>
-            </a:pPr>
-            <a:r>
-              <a:rPr lang="en-US" sz="3600" dirty="0">
-                <a:solidFill>
-                  <a:srgbClr val="C00000"/>
-                </a:solidFill>
-                <a:latin typeface="Pragmatica" panose="020B0403040502020204"/>
-                <a:sym typeface="Consolas"/>
-              </a:rPr>
-              <a:t>Create a population forecast for the selected European countries</a:t>
-            </a:r>
-          </a:p>
-          <a:p>
-            <a:pPr marL="714375" indent="-571500">
-              <a:lnSpc>
-                <a:spcPct val="115000"/>
-              </a:lnSpc>
-              <a:spcBef>
-                <a:spcPts val="1125"/>
-              </a:spcBef>
-              <a:buClr>
-                <a:srgbClr val="C00000"/>
-              </a:buClr>
-              <a:buSzPts val="2100"/>
-              <a:buFont typeface="Arial" panose="020B0604020202020204" pitchFamily="34" charset="0"/>
-              <a:buChar char="•"/>
-            </a:pPr>
-            <a:r>
-              <a:rPr lang="en-US" sz="3600" dirty="0">
-                <a:solidFill>
-                  <a:srgbClr val="C00000"/>
-                </a:solidFill>
-                <a:latin typeface="Pragmatica" panose="020B0403040502020204"/>
-                <a:sym typeface="Consolas"/>
-              </a:rPr>
-              <a:t>Enhance your data with linked data types</a:t>
-            </a:r>
-          </a:p>
-          <a:p>
-            <a:pPr marL="685800" indent="-542925">
-              <a:lnSpc>
-                <a:spcPct val="115000"/>
-              </a:lnSpc>
-              <a:spcBef>
-                <a:spcPts val="1125"/>
-              </a:spcBef>
-              <a:buClr>
-                <a:srgbClr val="C00000"/>
-              </a:buClr>
-              <a:buSzPts val="2100"/>
-              <a:buFont typeface="Arial"/>
-              <a:buAutoNum type="arabicPeriod"/>
-            </a:pPr>
-            <a:endParaRPr lang="en-US" sz="3600" dirty="0">
-              <a:solidFill>
-                <a:srgbClr val="C00000"/>
-              </a:solidFill>
-              <a:latin typeface="Pragmatica" panose="020B0403040502020204"/>
-              <a:sym typeface="Consolas"/>
-            </a:endParaRPr>
-          </a:p>
-          <a:p>
-            <a:pPr marL="142875">
-              <a:lnSpc>
-                <a:spcPct val="115000"/>
-              </a:lnSpc>
-              <a:spcBef>
-                <a:spcPts val="1125"/>
-              </a:spcBef>
-              <a:buClr>
-                <a:srgbClr val="C00000"/>
-              </a:buClr>
-              <a:buSzPts val="2100"/>
-            </a:pPr>
-            <a:r>
-              <a:rPr lang="en-US" sz="3600" dirty="0">
-                <a:solidFill>
-                  <a:srgbClr val="C00000"/>
-                </a:solidFill>
-                <a:latin typeface="Pragmatica" panose="020B0403040502020204"/>
-                <a:sym typeface="Consolas"/>
-              </a:rPr>
-              <a:t>File: </a:t>
-            </a:r>
-            <a:r>
-              <a:rPr lang="en-US" sz="3600" dirty="0">
-                <a:solidFill>
-                  <a:srgbClr val="C00000"/>
-                </a:solidFill>
-                <a:latin typeface="Consolas" panose="020B0609020204030204" pitchFamily="49" charset="0"/>
-                <a:sym typeface="Consolas"/>
-              </a:rPr>
-              <a:t>ai-powered-data-manipulation-exercise.xlsx</a:t>
-            </a:r>
-            <a:endParaRPr lang="en-US" sz="6000" dirty="0">
-              <a:solidFill>
-                <a:srgbClr val="CF3338"/>
-              </a:solidFill>
-              <a:latin typeface="Consolas" panose="020B0609020204030204" pitchFamily="49" charset="0"/>
-            </a:endParaRPr>
-          </a:p>
-          <a:p>
-            <a:endParaRPr lang="en-US" sz="6000" dirty="0">
-              <a:solidFill>
-                <a:srgbClr val="CF3338"/>
-              </a:solidFill>
-              <a:latin typeface="Pragmatica" panose="020B0403040502020204" pitchFamily="34" charset="0"/>
-            </a:endParaRPr>
-          </a:p>
-        </p:txBody>
-      </p:sp>
-    </p:spTree>
-    <p:extLst>
-      <p:ext uri="{BB962C8B-B14F-4D97-AF65-F5344CB8AC3E}">
-        <p14:creationId xmlns:p14="http://schemas.microsoft.com/office/powerpoint/2010/main" val="1347479794"/>
-      </p:ext>
-    </p:extLst>
-  </p:cSld>
-  <p:clrMapOvr>
-    <a:masterClrMapping/>
-  </p:clrMapOvr>
-</p:sld>
-</file>
-
-<file path=ppt/slides/slide13.xml><?xml version="1.0" encoding="utf-8"?>
+<file path=ppt/slides/slide11.xml><?xml version="1.0" encoding="utf-8"?>
 <p:sld xmlns:a="http://schemas.openxmlformats.org/drawingml/2006/main" xmlns:r="http://schemas.openxmlformats.org/officeDocument/2006/relationships" xmlns:p="http://schemas.openxmlformats.org/presentationml/2006/main">
   <p:cSld>
     <p:spTree>
@@ -6196,7 +5971,413 @@
     </p:spTree>
     <p:extLst>
       <p:ext uri="{BB962C8B-B14F-4D97-AF65-F5344CB8AC3E}">
-        <p14:creationId xmlns:p14="http://schemas.microsoft.com/office/powerpoint/2010/main" val="661275251"/>
+        <p14:creationId xmlns:p14="http://schemas.microsoft.com/office/powerpoint/2010/main" val="2683774385"/>
+      </p:ext>
+    </p:extLst>
+  </p:cSld>
+  <p:clrMapOvr>
+    <a:masterClrMapping/>
+  </p:clrMapOvr>
+</p:sld>
+</file>
+
+<file path=ppt/slides/slide12.xml><?xml version="1.0" encoding="utf-8"?>
+<p:sld xmlns:a="http://schemas.openxmlformats.org/drawingml/2006/main" xmlns:r="http://schemas.openxmlformats.org/officeDocument/2006/relationships" xmlns:p="http://schemas.openxmlformats.org/presentationml/2006/main">
+  <p:cSld>
+    <p:spTree>
+      <p:nvGrpSpPr>
+        <p:cNvPr id="1" name=""/>
+        <p:cNvGrpSpPr/>
+        <p:nvPr/>
+      </p:nvGrpSpPr>
+      <p:grpSpPr>
+        <a:xfrm>
+          <a:off x="0" y="0"/>
+          <a:ext cx="0" cy="0"/>
+          <a:chOff x="0" y="0"/>
+          <a:chExt cx="0" cy="0"/>
+        </a:xfrm>
+      </p:grpSpPr>
+      <p:sp>
+        <p:nvSpPr>
+          <p:cNvPr id="4" name="Rectangle 3"/>
+          <p:cNvSpPr/>
+          <p:nvPr/>
+        </p:nvSpPr>
+        <p:spPr>
+          <a:xfrm>
+            <a:off x="0" y="0"/>
+            <a:ext cx="18288000" cy="10287000"/>
+          </a:xfrm>
+          <a:prstGeom prst="rect">
+            <a:avLst/>
+          </a:prstGeom>
+          <a:solidFill>
+            <a:srgbClr val="CF3338"/>
+          </a:solidFill>
+          <a:ln>
+            <a:noFill/>
+          </a:ln>
+        </p:spPr>
+        <p:style>
+          <a:lnRef idx="2">
+            <a:schemeClr val="accent1">
+              <a:shade val="50000"/>
+            </a:schemeClr>
+          </a:lnRef>
+          <a:fillRef idx="1">
+            <a:schemeClr val="accent1"/>
+          </a:fillRef>
+          <a:effectRef idx="0">
+            <a:schemeClr val="accent1"/>
+          </a:effectRef>
+          <a:fontRef idx="minor">
+            <a:schemeClr val="lt1"/>
+          </a:fontRef>
+        </p:style>
+        <p:txBody>
+          <a:bodyPr rtlCol="0" anchor="ctr"/>
+          <a:lstStyle/>
+          <a:p>
+            <a:pPr algn="ctr"/>
+            <a:endParaRPr lang="en-US" sz="2700"/>
+          </a:p>
+        </p:txBody>
+      </p:sp>
+      <p:sp>
+        <p:nvSpPr>
+          <p:cNvPr id="5" name="TextBox 4"/>
+          <p:cNvSpPr txBox="1"/>
+          <p:nvPr/>
+        </p:nvSpPr>
+        <p:spPr>
+          <a:xfrm>
+            <a:off x="781292" y="590309"/>
+            <a:ext cx="15486926" cy="3139321"/>
+          </a:xfrm>
+          <a:prstGeom prst="rect">
+            <a:avLst/>
+          </a:prstGeom>
+          <a:noFill/>
+        </p:spPr>
+        <p:txBody>
+          <a:bodyPr wrap="square" rtlCol="0">
+            <a:spAutoFit/>
+          </a:bodyPr>
+          <a:lstStyle/>
+          <a:p>
+            <a:r>
+              <a:rPr lang="en-US" sz="9900" b="1" dirty="0">
+                <a:solidFill>
+                  <a:schemeClr val="bg1"/>
+                </a:solidFill>
+                <a:latin typeface="Normafixed Tryout" panose="00000409000000000000" pitchFamily="49" charset="0"/>
+              </a:rPr>
+              <a:t>2. AI-Powered Data Entry and Forecasting</a:t>
+            </a:r>
+          </a:p>
+        </p:txBody>
+      </p:sp>
+    </p:spTree>
+    <p:extLst>
+      <p:ext uri="{BB962C8B-B14F-4D97-AF65-F5344CB8AC3E}">
+        <p14:creationId xmlns:p14="http://schemas.microsoft.com/office/powerpoint/2010/main" val="3261205573"/>
+      </p:ext>
+    </p:extLst>
+  </p:cSld>
+  <p:clrMapOvr>
+    <a:masterClrMapping/>
+  </p:clrMapOvr>
+</p:sld>
+</file>
+
+<file path=ppt/slides/slide13.xml><?xml version="1.0" encoding="utf-8"?>
+<p:sld xmlns:a="http://schemas.openxmlformats.org/drawingml/2006/main" xmlns:r="http://schemas.openxmlformats.org/officeDocument/2006/relationships" xmlns:p="http://schemas.openxmlformats.org/presentationml/2006/main">
+  <p:cSld>
+    <p:spTree>
+      <p:nvGrpSpPr>
+        <p:cNvPr id="1" name=""/>
+        <p:cNvGrpSpPr/>
+        <p:nvPr/>
+      </p:nvGrpSpPr>
+      <p:grpSpPr>
+        <a:xfrm>
+          <a:off x="0" y="0"/>
+          <a:ext cx="0" cy="0"/>
+          <a:chOff x="0" y="0"/>
+          <a:chExt cx="0" cy="0"/>
+        </a:xfrm>
+      </p:grpSpPr>
+      <p:sp>
+        <p:nvSpPr>
+          <p:cNvPr id="4" name="Rectangle 3"/>
+          <p:cNvSpPr/>
+          <p:nvPr/>
+        </p:nvSpPr>
+        <p:spPr>
+          <a:xfrm>
+            <a:off x="9861630" y="0"/>
+            <a:ext cx="8426370" cy="10287000"/>
+          </a:xfrm>
+          <a:prstGeom prst="rect">
+            <a:avLst/>
+          </a:prstGeom>
+          <a:solidFill>
+            <a:srgbClr val="CF3338"/>
+          </a:solidFill>
+          <a:ln>
+            <a:noFill/>
+          </a:ln>
+        </p:spPr>
+        <p:style>
+          <a:lnRef idx="2">
+            <a:schemeClr val="accent1">
+              <a:shade val="50000"/>
+            </a:schemeClr>
+          </a:lnRef>
+          <a:fillRef idx="1">
+            <a:schemeClr val="accent1"/>
+          </a:fillRef>
+          <a:effectRef idx="0">
+            <a:schemeClr val="accent1"/>
+          </a:effectRef>
+          <a:fontRef idx="minor">
+            <a:schemeClr val="lt1"/>
+          </a:fontRef>
+        </p:style>
+        <p:txBody>
+          <a:bodyPr rtlCol="0" anchor="ctr"/>
+          <a:lstStyle/>
+          <a:p>
+            <a:pPr algn="ctr"/>
+            <a:endParaRPr lang="en-US" sz="2700"/>
+          </a:p>
+        </p:txBody>
+      </p:sp>
+      <p:pic>
+        <p:nvPicPr>
+          <p:cNvPr id="2" name="Picture 1"/>
+          <p:cNvPicPr>
+            <a:picLocks noChangeAspect="1"/>
+          </p:cNvPicPr>
+          <p:nvPr/>
+        </p:nvPicPr>
+        <p:blipFill rotWithShape="1">
+          <a:blip r:embed="rId3">
+            <a:extLst>
+              <a:ext uri="{28A0092B-C50C-407E-A947-70E740481C1C}">
+                <a14:useLocalDpi xmlns:a14="http://schemas.microsoft.com/office/drawing/2010/main" val="0"/>
+              </a:ext>
+            </a:extLst>
+          </a:blip>
+          <a:srcRect l="69227" t="33418" r="20112" b="50548"/>
+          <a:stretch/>
+        </p:blipFill>
+        <p:spPr>
+          <a:xfrm>
+            <a:off x="15579524" y="7544693"/>
+            <a:ext cx="2708477" cy="2987579"/>
+          </a:xfrm>
+          <a:prstGeom prst="rect">
+            <a:avLst/>
+          </a:prstGeom>
+        </p:spPr>
+      </p:pic>
+      <p:sp>
+        <p:nvSpPr>
+          <p:cNvPr id="3" name="TextBox 2"/>
+          <p:cNvSpPr txBox="1"/>
+          <p:nvPr/>
+        </p:nvSpPr>
+        <p:spPr>
+          <a:xfrm>
+            <a:off x="260431" y="329879"/>
+            <a:ext cx="8906720" cy="8036559"/>
+          </a:xfrm>
+          <a:prstGeom prst="rect">
+            <a:avLst/>
+          </a:prstGeom>
+          <a:noFill/>
+        </p:spPr>
+        <p:txBody>
+          <a:bodyPr wrap="square" rtlCol="0">
+            <a:spAutoFit/>
+          </a:bodyPr>
+          <a:lstStyle/>
+          <a:p>
+            <a:r>
+              <a:rPr lang="en-US" sz="6000" b="1" dirty="0">
+                <a:solidFill>
+                  <a:srgbClr val="CF3338"/>
+                </a:solidFill>
+                <a:latin typeface="Pragmatica" panose="020B0403040502020204" pitchFamily="34" charset="0"/>
+              </a:rPr>
+              <a:t>AI-powered data entry and forecasting </a:t>
+            </a:r>
+          </a:p>
+          <a:p>
+            <a:endParaRPr lang="en-US" sz="4200" dirty="0">
+              <a:solidFill>
+                <a:srgbClr val="CF3338"/>
+              </a:solidFill>
+              <a:latin typeface="Pragmatica" panose="020B0403040502020204" pitchFamily="34" charset="0"/>
+            </a:endParaRPr>
+          </a:p>
+          <a:p>
+            <a:pPr marL="685800" indent="-542925">
+              <a:lnSpc>
+                <a:spcPct val="115000"/>
+              </a:lnSpc>
+              <a:spcBef>
+                <a:spcPts val="1125"/>
+              </a:spcBef>
+              <a:buClr>
+                <a:srgbClr val="C00000"/>
+              </a:buClr>
+              <a:buSzPts val="2100"/>
+              <a:buFont typeface="Arial"/>
+              <a:buAutoNum type="arabicPeriod"/>
+            </a:pPr>
+            <a:r>
+              <a:rPr lang="en-US" sz="3600" dirty="0">
+                <a:solidFill>
+                  <a:srgbClr val="C00000"/>
+                </a:solidFill>
+                <a:latin typeface="Pragmatica" panose="020B0403040502020204"/>
+                <a:sym typeface="Consolas"/>
+              </a:rPr>
+              <a:t>Importing data from picture</a:t>
+            </a:r>
+          </a:p>
+          <a:p>
+            <a:pPr marL="685800" indent="-542925">
+              <a:lnSpc>
+                <a:spcPct val="115000"/>
+              </a:lnSpc>
+              <a:spcBef>
+                <a:spcPts val="1125"/>
+              </a:spcBef>
+              <a:buClr>
+                <a:srgbClr val="C00000"/>
+              </a:buClr>
+              <a:buSzPts val="2100"/>
+              <a:buFont typeface="Arial"/>
+              <a:buAutoNum type="arabicPeriod"/>
+            </a:pPr>
+            <a:r>
+              <a:rPr lang="en-US" sz="3600" dirty="0">
+                <a:solidFill>
+                  <a:srgbClr val="C00000"/>
+                </a:solidFill>
+                <a:latin typeface="Pragmatica" panose="020B0403040502020204"/>
+                <a:sym typeface="Consolas"/>
+              </a:rPr>
+              <a:t>Creating forecasts with Forecast Sheet</a:t>
+            </a:r>
+          </a:p>
+          <a:p>
+            <a:pPr marL="685800" indent="-542925">
+              <a:lnSpc>
+                <a:spcPct val="115000"/>
+              </a:lnSpc>
+              <a:spcBef>
+                <a:spcPts val="1125"/>
+              </a:spcBef>
+              <a:buClr>
+                <a:srgbClr val="C00000"/>
+              </a:buClr>
+              <a:buSzPts val="2100"/>
+              <a:buFont typeface="Arial"/>
+              <a:buAutoNum type="arabicPeriod"/>
+            </a:pPr>
+            <a:r>
+              <a:rPr lang="en-US" sz="3600" dirty="0">
+                <a:solidFill>
+                  <a:srgbClr val="C00000"/>
+                </a:solidFill>
+                <a:latin typeface="Pragmatica" panose="020B0403040502020204"/>
+                <a:sym typeface="Consolas"/>
+              </a:rPr>
+              <a:t>Enhancing insights with linked data types</a:t>
+            </a:r>
+          </a:p>
+          <a:p>
+            <a:pPr marL="685800" indent="-542925">
+              <a:lnSpc>
+                <a:spcPct val="115000"/>
+              </a:lnSpc>
+              <a:spcBef>
+                <a:spcPts val="1125"/>
+              </a:spcBef>
+              <a:buClr>
+                <a:srgbClr val="C00000"/>
+              </a:buClr>
+              <a:buSzPts val="2100"/>
+              <a:buFont typeface="Arial"/>
+              <a:buAutoNum type="arabicPeriod"/>
+            </a:pPr>
+            <a:endParaRPr lang="en-US" sz="3600" dirty="0">
+              <a:solidFill>
+                <a:srgbClr val="C00000"/>
+              </a:solidFill>
+              <a:latin typeface="Pragmatica" panose="020B0403040502020204"/>
+              <a:sym typeface="Consolas"/>
+            </a:endParaRPr>
+          </a:p>
+          <a:p>
+            <a:pPr marL="142875">
+              <a:lnSpc>
+                <a:spcPct val="115000"/>
+              </a:lnSpc>
+              <a:spcBef>
+                <a:spcPts val="1125"/>
+              </a:spcBef>
+              <a:buClr>
+                <a:srgbClr val="C00000"/>
+              </a:buClr>
+              <a:buSzPts val="2100"/>
+            </a:pPr>
+            <a:r>
+              <a:rPr lang="en-US" sz="3600" dirty="0">
+                <a:solidFill>
+                  <a:srgbClr val="C00000"/>
+                </a:solidFill>
+                <a:latin typeface="Pragmatica" panose="020B0403040502020204"/>
+                <a:sym typeface="Consolas"/>
+              </a:rPr>
+              <a:t>File: </a:t>
+            </a:r>
+            <a:r>
+              <a:rPr lang="en-US" sz="3600" dirty="0">
+                <a:solidFill>
+                  <a:srgbClr val="C00000"/>
+                </a:solidFill>
+                <a:latin typeface="Consolas" panose="020B0609020204030204" pitchFamily="49" charset="0"/>
+                <a:sym typeface="Consolas"/>
+              </a:rPr>
+              <a:t>ai-powered-data-entry-forecasting.xlsx</a:t>
+            </a:r>
+            <a:endParaRPr lang="en-US" sz="6000" dirty="0">
+              <a:solidFill>
+                <a:srgbClr val="CF3338"/>
+              </a:solidFill>
+              <a:latin typeface="Consolas" panose="020B0609020204030204" pitchFamily="49" charset="0"/>
+            </a:endParaRPr>
+          </a:p>
+          <a:p>
+            <a:endParaRPr lang="en-US" sz="6000" dirty="0">
+              <a:solidFill>
+                <a:srgbClr val="CF3338"/>
+              </a:solidFill>
+              <a:latin typeface="Pragmatica" panose="020B0403040502020204" pitchFamily="34" charset="0"/>
+            </a:endParaRPr>
+          </a:p>
+        </p:txBody>
+      </p:sp>
+    </p:spTree>
+    <p:extLst>
+      <p:ext uri="{BB962C8B-B14F-4D97-AF65-F5344CB8AC3E}">
+        <p14:creationId xmlns:p14="http://schemas.microsoft.com/office/powerpoint/2010/main" val="3338017956"/>
       </p:ext>
     </p:extLst>
   </p:cSld>
@@ -6231,116 +6412,6 @@
         </p:nvSpPr>
         <p:spPr>
           <a:xfrm>
-            <a:off x="0" y="0"/>
-            <a:ext cx="18288000" cy="10287000"/>
-          </a:xfrm>
-          <a:prstGeom prst="rect">
-            <a:avLst/>
-          </a:prstGeom>
-          <a:solidFill>
-            <a:srgbClr val="CF3338"/>
-          </a:solidFill>
-          <a:ln>
-            <a:noFill/>
-          </a:ln>
-        </p:spPr>
-        <p:style>
-          <a:lnRef idx="2">
-            <a:schemeClr val="accent1">
-              <a:shade val="50000"/>
-            </a:schemeClr>
-          </a:lnRef>
-          <a:fillRef idx="1">
-            <a:schemeClr val="accent1"/>
-          </a:fillRef>
-          <a:effectRef idx="0">
-            <a:schemeClr val="accent1"/>
-          </a:effectRef>
-          <a:fontRef idx="minor">
-            <a:schemeClr val="lt1"/>
-          </a:fontRef>
-        </p:style>
-        <p:txBody>
-          <a:bodyPr rtlCol="0" anchor="ctr"/>
-          <a:lstStyle/>
-          <a:p>
-            <a:pPr algn="ctr"/>
-            <a:endParaRPr lang="en-US" sz="2700"/>
-          </a:p>
-        </p:txBody>
-      </p:sp>
-      <p:sp>
-        <p:nvSpPr>
-          <p:cNvPr id="5" name="TextBox 4"/>
-          <p:cNvSpPr txBox="1"/>
-          <p:nvPr/>
-        </p:nvSpPr>
-        <p:spPr>
-          <a:xfrm>
-            <a:off x="781292" y="590309"/>
-            <a:ext cx="15486926" cy="3139321"/>
-          </a:xfrm>
-          <a:prstGeom prst="rect">
-            <a:avLst/>
-          </a:prstGeom>
-          <a:noFill/>
-        </p:spPr>
-        <p:txBody>
-          <a:bodyPr wrap="square" rtlCol="0">
-            <a:spAutoFit/>
-          </a:bodyPr>
-          <a:lstStyle/>
-          <a:p>
-            <a:r>
-              <a:rPr lang="en-US" sz="9900" b="1" dirty="0">
-                <a:solidFill>
-                  <a:schemeClr val="bg1"/>
-                </a:solidFill>
-                <a:latin typeface="Normafixed Tryout" panose="00000409000000000000" pitchFamily="49" charset="0"/>
-              </a:rPr>
-              <a:t>3. AI-Powered Data Analysis and Visualization</a:t>
-            </a:r>
-          </a:p>
-        </p:txBody>
-      </p:sp>
-    </p:spTree>
-    <p:extLst>
-      <p:ext uri="{BB962C8B-B14F-4D97-AF65-F5344CB8AC3E}">
-        <p14:creationId xmlns:p14="http://schemas.microsoft.com/office/powerpoint/2010/main" val="2305170524"/>
-      </p:ext>
-    </p:extLst>
-  </p:cSld>
-  <p:clrMapOvr>
-    <a:masterClrMapping/>
-  </p:clrMapOvr>
-</p:sld>
-</file>
-
-<file path=ppt/slides/slide15.xml><?xml version="1.0" encoding="utf-8"?>
-<p:sld xmlns:a="http://schemas.openxmlformats.org/drawingml/2006/main" xmlns:r="http://schemas.openxmlformats.org/officeDocument/2006/relationships" xmlns:p="http://schemas.openxmlformats.org/presentationml/2006/main">
-  <p:cSld>
-    <p:spTree>
-      <p:nvGrpSpPr>
-        <p:cNvPr id="1" name=""/>
-        <p:cNvGrpSpPr/>
-        <p:nvPr/>
-      </p:nvGrpSpPr>
-      <p:grpSpPr>
-        <a:xfrm>
-          <a:off x="0" y="0"/>
-          <a:ext cx="0" cy="0"/>
-          <a:chOff x="0" y="0"/>
-          <a:chExt cx="0" cy="0"/>
-        </a:xfrm>
-      </p:grpSpPr>
-      <p:sp>
-        <p:nvSpPr>
-          <p:cNvPr id="4" name="Rectangle 3"/>
-          <p:cNvSpPr/>
-          <p:nvPr/>
-        </p:nvSpPr>
-        <p:spPr>
-          <a:xfrm>
             <a:off x="9861630" y="0"/>
             <a:ext cx="8426370" cy="10287000"/>
           </a:xfrm>
@@ -6417,7 +6488,7 @@
         <p:spPr>
           <a:xfrm>
             <a:off x="260431" y="329879"/>
-            <a:ext cx="8906720" cy="7895495"/>
+            <a:ext cx="8906720" cy="8027326"/>
           </a:xfrm>
           <a:prstGeom prst="rect">
             <a:avLst/>
@@ -6437,67 +6508,7 @@
                 </a:solidFill>
                 <a:latin typeface="Pragmatica" panose="020B0403040502020204" pitchFamily="34" charset="0"/>
               </a:rPr>
-              <a:t>AI-powered data analysis and visualization</a:t>
-            </a:r>
-          </a:p>
-          <a:p>
-            <a:endParaRPr lang="en-US" sz="4200" dirty="0">
-              <a:solidFill>
-                <a:srgbClr val="CF3338"/>
-              </a:solidFill>
-              <a:latin typeface="Pragmatica" panose="020B0403040502020204" pitchFamily="34" charset="0"/>
-            </a:endParaRPr>
-          </a:p>
-          <a:p>
-            <a:pPr marL="685800" indent="-542925">
-              <a:lnSpc>
-                <a:spcPct val="115000"/>
-              </a:lnSpc>
-              <a:spcBef>
-                <a:spcPts val="1125"/>
-              </a:spcBef>
-              <a:buClr>
-                <a:srgbClr val="C00000"/>
-              </a:buClr>
-              <a:buSzPts val="2100"/>
-              <a:buFont typeface="Arial"/>
-              <a:buAutoNum type="arabicPeriod"/>
-            </a:pPr>
-            <a:r>
-              <a:rPr lang="en-US" sz="3600" dirty="0">
-                <a:solidFill>
-                  <a:srgbClr val="C00000"/>
-                </a:solidFill>
-                <a:latin typeface="Pragmatica" panose="020B0403040502020204"/>
-                <a:sym typeface="Consolas"/>
-              </a:rPr>
-              <a:t>Preparing data for Analyze Data</a:t>
-            </a:r>
-          </a:p>
-          <a:p>
-            <a:pPr marL="685800" indent="-542925">
-              <a:lnSpc>
-                <a:spcPct val="115000"/>
-              </a:lnSpc>
-              <a:spcBef>
-                <a:spcPts val="1125"/>
-              </a:spcBef>
-              <a:buClr>
-                <a:srgbClr val="C00000"/>
-              </a:buClr>
-              <a:buSzPts val="2100"/>
-              <a:buFont typeface="Arial"/>
-              <a:buAutoNum type="arabicPeriod"/>
-            </a:pPr>
-            <a:r>
-              <a:rPr lang="en-US" sz="3600" dirty="0">
-                <a:solidFill>
-                  <a:srgbClr val="C00000"/>
-                </a:solidFill>
-                <a:latin typeface="Pragmatica" panose="020B0403040502020204"/>
-                <a:sym typeface="Consolas"/>
-              </a:rPr>
-              <a:t>Basics of natural language querying &amp; prompt engineering</a:t>
+              <a:t>AI-powered data entry and forecasting EXERCISE</a:t>
             </a:r>
           </a:p>
           <a:p>
@@ -6522,214 +6533,6 @@
             </a:endParaRPr>
           </a:p>
           <a:p>
-            <a:pPr marL="142875">
-              <a:lnSpc>
-                <a:spcPct val="115000"/>
-              </a:lnSpc>
-              <a:spcBef>
-                <a:spcPts val="1125"/>
-              </a:spcBef>
-              <a:buClr>
-                <a:srgbClr val="C00000"/>
-              </a:buClr>
-              <a:buSzPts val="2100"/>
-            </a:pPr>
-            <a:r>
-              <a:rPr lang="en-US" sz="3600" dirty="0">
-                <a:solidFill>
-                  <a:srgbClr val="C00000"/>
-                </a:solidFill>
-                <a:latin typeface="Pragmatica" panose="020B0403040502020204"/>
-                <a:sym typeface="Consolas"/>
-              </a:rPr>
-              <a:t>File: </a:t>
-            </a:r>
-            <a:r>
-              <a:rPr lang="en-US" sz="3600" dirty="0">
-                <a:solidFill>
-                  <a:srgbClr val="C00000"/>
-                </a:solidFill>
-                <a:latin typeface="Consolas" panose="020B0609020204030204" pitchFamily="49" charset="0"/>
-                <a:sym typeface="Consolas"/>
-              </a:rPr>
-              <a:t>ai-powered-data-analysis-visualization.xlsx</a:t>
-            </a:r>
-            <a:endParaRPr lang="en-US" sz="6000" dirty="0">
-              <a:solidFill>
-                <a:srgbClr val="CF3338"/>
-              </a:solidFill>
-              <a:latin typeface="Consolas" panose="020B0609020204030204" pitchFamily="49" charset="0"/>
-            </a:endParaRPr>
-          </a:p>
-          <a:p>
-            <a:endParaRPr lang="en-US" sz="6000" dirty="0">
-              <a:solidFill>
-                <a:srgbClr val="CF3338"/>
-              </a:solidFill>
-              <a:latin typeface="Pragmatica" panose="020B0403040502020204" pitchFamily="34" charset="0"/>
-            </a:endParaRPr>
-          </a:p>
-        </p:txBody>
-      </p:sp>
-    </p:spTree>
-    <p:extLst>
-      <p:ext uri="{BB962C8B-B14F-4D97-AF65-F5344CB8AC3E}">
-        <p14:creationId xmlns:p14="http://schemas.microsoft.com/office/powerpoint/2010/main" val="3717021490"/>
-      </p:ext>
-    </p:extLst>
-  </p:cSld>
-  <p:clrMapOvr>
-    <a:masterClrMapping/>
-  </p:clrMapOvr>
-</p:sld>
-</file>
-
-<file path=ppt/slides/slide16.xml><?xml version="1.0" encoding="utf-8"?>
-<p:sld xmlns:a="http://schemas.openxmlformats.org/drawingml/2006/main" xmlns:r="http://schemas.openxmlformats.org/officeDocument/2006/relationships" xmlns:p="http://schemas.openxmlformats.org/presentationml/2006/main">
-  <p:cSld>
-    <p:spTree>
-      <p:nvGrpSpPr>
-        <p:cNvPr id="1" name=""/>
-        <p:cNvGrpSpPr/>
-        <p:nvPr/>
-      </p:nvGrpSpPr>
-      <p:grpSpPr>
-        <a:xfrm>
-          <a:off x="0" y="0"/>
-          <a:ext cx="0" cy="0"/>
-          <a:chOff x="0" y="0"/>
-          <a:chExt cx="0" cy="0"/>
-        </a:xfrm>
-      </p:grpSpPr>
-      <p:sp>
-        <p:nvSpPr>
-          <p:cNvPr id="4" name="Rectangle 3"/>
-          <p:cNvSpPr/>
-          <p:nvPr/>
-        </p:nvSpPr>
-        <p:spPr>
-          <a:xfrm>
-            <a:off x="9861630" y="0"/>
-            <a:ext cx="8426370" cy="10287000"/>
-          </a:xfrm>
-          <a:prstGeom prst="rect">
-            <a:avLst/>
-          </a:prstGeom>
-          <a:solidFill>
-            <a:srgbClr val="CF3338"/>
-          </a:solidFill>
-          <a:ln>
-            <a:noFill/>
-          </a:ln>
-        </p:spPr>
-        <p:style>
-          <a:lnRef idx="2">
-            <a:schemeClr val="accent1">
-              <a:shade val="50000"/>
-            </a:schemeClr>
-          </a:lnRef>
-          <a:fillRef idx="1">
-            <a:schemeClr val="accent1"/>
-          </a:fillRef>
-          <a:effectRef idx="0">
-            <a:schemeClr val="accent1"/>
-          </a:effectRef>
-          <a:fontRef idx="minor">
-            <a:schemeClr val="lt1"/>
-          </a:fontRef>
-        </p:style>
-        <p:txBody>
-          <a:bodyPr rtlCol="0" anchor="ctr"/>
-          <a:lstStyle/>
-          <a:p>
-            <a:pPr algn="ctr"/>
-            <a:endParaRPr lang="en-US" sz="2700"/>
-          </a:p>
-        </p:txBody>
-      </p:sp>
-      <p:pic>
-        <p:nvPicPr>
-          <p:cNvPr id="2" name="Picture 1"/>
-          <p:cNvPicPr>
-            <a:picLocks noChangeAspect="1"/>
-          </p:cNvPicPr>
-          <p:nvPr/>
-        </p:nvPicPr>
-        <p:blipFill rotWithShape="1">
-          <a:blip r:embed="rId3">
-            <a:extLst>
-              <a:ext uri="{28A0092B-C50C-407E-A947-70E740481C1C}">
-                <a14:useLocalDpi xmlns:a14="http://schemas.microsoft.com/office/drawing/2010/main" val="0"/>
-              </a:ext>
-            </a:extLst>
-          </a:blip>
-          <a:srcRect l="69227" t="33418" r="20112" b="50548"/>
-          <a:stretch/>
-        </p:blipFill>
-        <p:spPr>
-          <a:xfrm>
-            <a:off x="15579524" y="7544693"/>
-            <a:ext cx="2708477" cy="2987579"/>
-          </a:xfrm>
-          <a:prstGeom prst="rect">
-            <a:avLst/>
-          </a:prstGeom>
-        </p:spPr>
-      </p:pic>
-      <p:sp>
-        <p:nvSpPr>
-          <p:cNvPr id="3" name="TextBox 2"/>
-          <p:cNvSpPr txBox="1"/>
-          <p:nvPr/>
-        </p:nvSpPr>
-        <p:spPr>
-          <a:xfrm>
-            <a:off x="260431" y="329879"/>
-            <a:ext cx="8906720" cy="7390228"/>
-          </a:xfrm>
-          <a:prstGeom prst="rect">
-            <a:avLst/>
-          </a:prstGeom>
-          <a:noFill/>
-        </p:spPr>
-        <p:txBody>
-          <a:bodyPr wrap="square" rtlCol="0">
-            <a:spAutoFit/>
-          </a:bodyPr>
-          <a:lstStyle/>
-          <a:p>
-            <a:r>
-              <a:rPr lang="en-US" sz="6000" b="1" dirty="0">
-                <a:solidFill>
-                  <a:srgbClr val="CF3338"/>
-                </a:solidFill>
-                <a:latin typeface="Pragmatica" panose="020B0403040502020204" pitchFamily="34" charset="0"/>
-              </a:rPr>
-              <a:t>AI-powered data analysis and visualization EXERCISE</a:t>
-            </a:r>
-          </a:p>
-          <a:p>
-            <a:pPr marL="142875">
-              <a:lnSpc>
-                <a:spcPct val="115000"/>
-              </a:lnSpc>
-              <a:spcBef>
-                <a:spcPts val="1125"/>
-              </a:spcBef>
-              <a:buClr>
-                <a:srgbClr val="C00000"/>
-              </a:buClr>
-              <a:buSzPts val="2100"/>
-            </a:pPr>
-            <a:endParaRPr lang="en-US" sz="3600" dirty="0">
-              <a:solidFill>
-                <a:srgbClr val="C00000"/>
-              </a:solidFill>
-              <a:latin typeface="Pragmatica" panose="020B0403040502020204"/>
-              <a:sym typeface="Consolas"/>
-            </a:endParaRPr>
-          </a:p>
-          <a:p>
             <a:pPr marL="714375" indent="-571500">
               <a:lnSpc>
                 <a:spcPct val="115000"/>
@@ -6752,7 +6555,7 @@
                 <a:latin typeface="Pragmatica" panose="020B0403040502020204"/>
                 <a:sym typeface="Consolas"/>
               </a:rPr>
-              <a:t>Prepare data for optimal Analyze Data use</a:t>
+              <a:t>Create a population forecast for the selected European countries</a:t>
             </a:r>
           </a:p>
           <a:p>
@@ -6778,7 +6581,7 @@
                 <a:latin typeface="Pragmatica" panose="020B0403040502020204"/>
                 <a:sym typeface="Consolas"/>
               </a:rPr>
-              <a:t>Visualize total state population over time</a:t>
+              <a:t>Enhance your data with linked data types</a:t>
             </a:r>
           </a:p>
           <a:p>
@@ -6835,7 +6638,7 @@
                 <a:latin typeface="Consolas" panose="020B0609020204030204" pitchFamily="49" charset="0"/>
                 <a:sym typeface="Consolas"/>
               </a:rPr>
-              <a:t>ai-powered-data-analysis-visualization-exercise.xlsx</a:t>
+              <a:t>ai-powered-data-manipulation-exercise.xlsx</a:t>
             </a:r>
             <a:endParaRPr lang="en-US" sz="6000" dirty="0">
               <a:solidFill>
@@ -6857,7 +6660,7 @@
     </p:spTree>
     <p:extLst>
       <p:ext uri="{BB962C8B-B14F-4D97-AF65-F5344CB8AC3E}">
-        <p14:creationId xmlns:p14="http://schemas.microsoft.com/office/powerpoint/2010/main" val="3601430795"/>
+        <p14:creationId xmlns:p14="http://schemas.microsoft.com/office/powerpoint/2010/main" val="1347479794"/>
       </p:ext>
     </p:extLst>
   </p:cSld>
@@ -6867,7 +6670,7 @@
 </p:sld>
 </file>
 
-<file path=ppt/slides/slide17.xml><?xml version="1.0" encoding="utf-8"?>
+<file path=ppt/slides/slide15.xml><?xml version="1.0" encoding="utf-8"?>
 <p:sld xmlns:a="http://schemas.openxmlformats.org/drawingml/2006/main" xmlns:r="http://schemas.openxmlformats.org/officeDocument/2006/relationships" xmlns:p="http://schemas.openxmlformats.org/presentationml/2006/main">
   <p:cSld>
     <p:spTree>
@@ -7015,7 +6818,385 @@
     </p:spTree>
     <p:extLst>
       <p:ext uri="{BB962C8B-B14F-4D97-AF65-F5344CB8AC3E}">
-        <p14:creationId xmlns:p14="http://schemas.microsoft.com/office/powerpoint/2010/main" val="3166451398"/>
+        <p14:creationId xmlns:p14="http://schemas.microsoft.com/office/powerpoint/2010/main" val="661275251"/>
+      </p:ext>
+    </p:extLst>
+  </p:cSld>
+  <p:clrMapOvr>
+    <a:masterClrMapping/>
+  </p:clrMapOvr>
+</p:sld>
+</file>
+
+<file path=ppt/slides/slide16.xml><?xml version="1.0" encoding="utf-8"?>
+<p:sld xmlns:a="http://schemas.openxmlformats.org/drawingml/2006/main" xmlns:r="http://schemas.openxmlformats.org/officeDocument/2006/relationships" xmlns:p="http://schemas.openxmlformats.org/presentationml/2006/main">
+  <p:cSld>
+    <p:spTree>
+      <p:nvGrpSpPr>
+        <p:cNvPr id="1" name=""/>
+        <p:cNvGrpSpPr/>
+        <p:nvPr/>
+      </p:nvGrpSpPr>
+      <p:grpSpPr>
+        <a:xfrm>
+          <a:off x="0" y="0"/>
+          <a:ext cx="0" cy="0"/>
+          <a:chOff x="0" y="0"/>
+          <a:chExt cx="0" cy="0"/>
+        </a:xfrm>
+      </p:grpSpPr>
+      <p:sp>
+        <p:nvSpPr>
+          <p:cNvPr id="4" name="Rectangle 3"/>
+          <p:cNvSpPr/>
+          <p:nvPr/>
+        </p:nvSpPr>
+        <p:spPr>
+          <a:xfrm>
+            <a:off x="0" y="0"/>
+            <a:ext cx="18288000" cy="10287000"/>
+          </a:xfrm>
+          <a:prstGeom prst="rect">
+            <a:avLst/>
+          </a:prstGeom>
+          <a:solidFill>
+            <a:srgbClr val="CF3338"/>
+          </a:solidFill>
+          <a:ln>
+            <a:noFill/>
+          </a:ln>
+        </p:spPr>
+        <p:style>
+          <a:lnRef idx="2">
+            <a:schemeClr val="accent1">
+              <a:shade val="50000"/>
+            </a:schemeClr>
+          </a:lnRef>
+          <a:fillRef idx="1">
+            <a:schemeClr val="accent1"/>
+          </a:fillRef>
+          <a:effectRef idx="0">
+            <a:schemeClr val="accent1"/>
+          </a:effectRef>
+          <a:fontRef idx="minor">
+            <a:schemeClr val="lt1"/>
+          </a:fontRef>
+        </p:style>
+        <p:txBody>
+          <a:bodyPr rtlCol="0" anchor="ctr"/>
+          <a:lstStyle/>
+          <a:p>
+            <a:pPr algn="ctr"/>
+            <a:endParaRPr lang="en-US" sz="2700"/>
+          </a:p>
+        </p:txBody>
+      </p:sp>
+      <p:sp>
+        <p:nvSpPr>
+          <p:cNvPr id="5" name="TextBox 4"/>
+          <p:cNvSpPr txBox="1"/>
+          <p:nvPr/>
+        </p:nvSpPr>
+        <p:spPr>
+          <a:xfrm>
+            <a:off x="781292" y="590309"/>
+            <a:ext cx="15486926" cy="3139321"/>
+          </a:xfrm>
+          <a:prstGeom prst="rect">
+            <a:avLst/>
+          </a:prstGeom>
+          <a:noFill/>
+        </p:spPr>
+        <p:txBody>
+          <a:bodyPr wrap="square" rtlCol="0">
+            <a:spAutoFit/>
+          </a:bodyPr>
+          <a:lstStyle/>
+          <a:p>
+            <a:r>
+              <a:rPr lang="en-US" sz="9900" b="1" dirty="0">
+                <a:solidFill>
+                  <a:schemeClr val="bg1"/>
+                </a:solidFill>
+                <a:latin typeface="Normafixed Tryout" panose="00000409000000000000" pitchFamily="49" charset="0"/>
+              </a:rPr>
+              <a:t>3. AI-Powered Data Analysis and Visualization</a:t>
+            </a:r>
+          </a:p>
+        </p:txBody>
+      </p:sp>
+    </p:spTree>
+    <p:extLst>
+      <p:ext uri="{BB962C8B-B14F-4D97-AF65-F5344CB8AC3E}">
+        <p14:creationId xmlns:p14="http://schemas.microsoft.com/office/powerpoint/2010/main" val="2305170524"/>
+      </p:ext>
+    </p:extLst>
+  </p:cSld>
+  <p:clrMapOvr>
+    <a:masterClrMapping/>
+  </p:clrMapOvr>
+</p:sld>
+</file>
+
+<file path=ppt/slides/slide17.xml><?xml version="1.0" encoding="utf-8"?>
+<p:sld xmlns:a="http://schemas.openxmlformats.org/drawingml/2006/main" xmlns:r="http://schemas.openxmlformats.org/officeDocument/2006/relationships" xmlns:p="http://schemas.openxmlformats.org/presentationml/2006/main">
+  <p:cSld>
+    <p:spTree>
+      <p:nvGrpSpPr>
+        <p:cNvPr id="1" name=""/>
+        <p:cNvGrpSpPr/>
+        <p:nvPr/>
+      </p:nvGrpSpPr>
+      <p:grpSpPr>
+        <a:xfrm>
+          <a:off x="0" y="0"/>
+          <a:ext cx="0" cy="0"/>
+          <a:chOff x="0" y="0"/>
+          <a:chExt cx="0" cy="0"/>
+        </a:xfrm>
+      </p:grpSpPr>
+      <p:sp>
+        <p:nvSpPr>
+          <p:cNvPr id="4" name="Rectangle 3"/>
+          <p:cNvSpPr/>
+          <p:nvPr/>
+        </p:nvSpPr>
+        <p:spPr>
+          <a:xfrm>
+            <a:off x="9861630" y="0"/>
+            <a:ext cx="8426370" cy="10287000"/>
+          </a:xfrm>
+          <a:prstGeom prst="rect">
+            <a:avLst/>
+          </a:prstGeom>
+          <a:solidFill>
+            <a:srgbClr val="CF3338"/>
+          </a:solidFill>
+          <a:ln>
+            <a:noFill/>
+          </a:ln>
+        </p:spPr>
+        <p:style>
+          <a:lnRef idx="2">
+            <a:schemeClr val="accent1">
+              <a:shade val="50000"/>
+            </a:schemeClr>
+          </a:lnRef>
+          <a:fillRef idx="1">
+            <a:schemeClr val="accent1"/>
+          </a:fillRef>
+          <a:effectRef idx="0">
+            <a:schemeClr val="accent1"/>
+          </a:effectRef>
+          <a:fontRef idx="minor">
+            <a:schemeClr val="lt1"/>
+          </a:fontRef>
+        </p:style>
+        <p:txBody>
+          <a:bodyPr rtlCol="0" anchor="ctr"/>
+          <a:lstStyle/>
+          <a:p>
+            <a:pPr algn="ctr"/>
+            <a:endParaRPr lang="en-US" sz="2700"/>
+          </a:p>
+        </p:txBody>
+      </p:sp>
+      <p:pic>
+        <p:nvPicPr>
+          <p:cNvPr id="2" name="Picture 1"/>
+          <p:cNvPicPr>
+            <a:picLocks noChangeAspect="1"/>
+          </p:cNvPicPr>
+          <p:nvPr/>
+        </p:nvPicPr>
+        <p:blipFill rotWithShape="1">
+          <a:blip r:embed="rId3">
+            <a:extLst>
+              <a:ext uri="{28A0092B-C50C-407E-A947-70E740481C1C}">
+                <a14:useLocalDpi xmlns:a14="http://schemas.microsoft.com/office/drawing/2010/main" val="0"/>
+              </a:ext>
+            </a:extLst>
+          </a:blip>
+          <a:srcRect l="69227" t="33418" r="20112" b="50548"/>
+          <a:stretch/>
+        </p:blipFill>
+        <p:spPr>
+          <a:xfrm>
+            <a:off x="15579524" y="7544693"/>
+            <a:ext cx="2708477" cy="2987579"/>
+          </a:xfrm>
+          <a:prstGeom prst="rect">
+            <a:avLst/>
+          </a:prstGeom>
+        </p:spPr>
+      </p:pic>
+      <p:sp>
+        <p:nvSpPr>
+          <p:cNvPr id="3" name="TextBox 2"/>
+          <p:cNvSpPr txBox="1"/>
+          <p:nvPr/>
+        </p:nvSpPr>
+        <p:spPr>
+          <a:xfrm>
+            <a:off x="260431" y="329879"/>
+            <a:ext cx="8906720" cy="7895495"/>
+          </a:xfrm>
+          <a:prstGeom prst="rect">
+            <a:avLst/>
+          </a:prstGeom>
+          <a:noFill/>
+        </p:spPr>
+        <p:txBody>
+          <a:bodyPr wrap="square" rtlCol="0">
+            <a:spAutoFit/>
+          </a:bodyPr>
+          <a:lstStyle/>
+          <a:p>
+            <a:r>
+              <a:rPr lang="en-US" sz="6000" b="1" dirty="0">
+                <a:solidFill>
+                  <a:srgbClr val="CF3338"/>
+                </a:solidFill>
+                <a:latin typeface="Pragmatica" panose="020B0403040502020204" pitchFamily="34" charset="0"/>
+              </a:rPr>
+              <a:t>AI-powered data analysis and visualization</a:t>
+            </a:r>
+          </a:p>
+          <a:p>
+            <a:endParaRPr lang="en-US" sz="4200" dirty="0">
+              <a:solidFill>
+                <a:srgbClr val="CF3338"/>
+              </a:solidFill>
+              <a:latin typeface="Pragmatica" panose="020B0403040502020204" pitchFamily="34" charset="0"/>
+            </a:endParaRPr>
+          </a:p>
+          <a:p>
+            <a:pPr marL="685800" indent="-542925">
+              <a:lnSpc>
+                <a:spcPct val="115000"/>
+              </a:lnSpc>
+              <a:spcBef>
+                <a:spcPts val="1125"/>
+              </a:spcBef>
+              <a:buClr>
+                <a:srgbClr val="C00000"/>
+              </a:buClr>
+              <a:buSzPts val="2100"/>
+              <a:buFont typeface="Arial"/>
+              <a:buAutoNum type="arabicPeriod"/>
+            </a:pPr>
+            <a:r>
+              <a:rPr lang="en-US" sz="3600" dirty="0">
+                <a:solidFill>
+                  <a:srgbClr val="C00000"/>
+                </a:solidFill>
+                <a:latin typeface="Pragmatica" panose="020B0403040502020204"/>
+                <a:sym typeface="Consolas"/>
+              </a:rPr>
+              <a:t>Preparing data for Analyze Data</a:t>
+            </a:r>
+          </a:p>
+          <a:p>
+            <a:pPr marL="685800" indent="-542925">
+              <a:lnSpc>
+                <a:spcPct val="115000"/>
+              </a:lnSpc>
+              <a:spcBef>
+                <a:spcPts val="1125"/>
+              </a:spcBef>
+              <a:buClr>
+                <a:srgbClr val="C00000"/>
+              </a:buClr>
+              <a:buSzPts val="2100"/>
+              <a:buFont typeface="Arial"/>
+              <a:buAutoNum type="arabicPeriod"/>
+            </a:pPr>
+            <a:r>
+              <a:rPr lang="en-US" sz="3600" dirty="0">
+                <a:solidFill>
+                  <a:srgbClr val="C00000"/>
+                </a:solidFill>
+                <a:latin typeface="Pragmatica" panose="020B0403040502020204"/>
+                <a:sym typeface="Consolas"/>
+              </a:rPr>
+              <a:t>Basics of natural language querying &amp; prompt engineering</a:t>
+            </a:r>
+          </a:p>
+          <a:p>
+            <a:pPr marL="142875">
+              <a:lnSpc>
+                <a:spcPct val="115000"/>
+              </a:lnSpc>
+              <a:spcBef>
+                <a:spcPts val="1125"/>
+              </a:spcBef>
+              <a:buClr>
+                <a:srgbClr val="C00000"/>
+              </a:buClr>
+              <a:buSzPts val="2100"/>
+            </a:pPr>
+            <a:endParaRPr lang="en-US" sz="3600" dirty="0">
+              <a:solidFill>
+                <a:srgbClr val="C00000"/>
+              </a:solidFill>
+              <a:latin typeface="Pragmatica" panose="020B0403040502020204"/>
+              <a:sym typeface="Consolas"/>
+            </a:endParaRPr>
+          </a:p>
+          <a:p>
+            <a:pPr marL="142875">
+              <a:lnSpc>
+                <a:spcPct val="115000"/>
+              </a:lnSpc>
+              <a:spcBef>
+                <a:spcPts val="1125"/>
+              </a:spcBef>
+              <a:buClr>
+                <a:srgbClr val="C00000"/>
+              </a:buClr>
+              <a:buSzPts val="2100"/>
+            </a:pPr>
+            <a:r>
+              <a:rPr lang="en-US" sz="3600" dirty="0">
+                <a:solidFill>
+                  <a:srgbClr val="C00000"/>
+                </a:solidFill>
+                <a:latin typeface="Pragmatica" panose="020B0403040502020204"/>
+                <a:sym typeface="Consolas"/>
+              </a:rPr>
+              <a:t>File: </a:t>
+            </a:r>
+            <a:r>
+              <a:rPr lang="en-US" sz="3600" dirty="0">
+                <a:solidFill>
+                  <a:srgbClr val="C00000"/>
+                </a:solidFill>
+                <a:latin typeface="Consolas" panose="020B0609020204030204" pitchFamily="49" charset="0"/>
+                <a:sym typeface="Consolas"/>
+              </a:rPr>
+              <a:t>ai-powered-data-analysis-visualization.xlsx</a:t>
+            </a:r>
+            <a:endParaRPr lang="en-US" sz="6000" dirty="0">
+              <a:solidFill>
+                <a:srgbClr val="CF3338"/>
+              </a:solidFill>
+              <a:latin typeface="Consolas" panose="020B0609020204030204" pitchFamily="49" charset="0"/>
+            </a:endParaRPr>
+          </a:p>
+          <a:p>
+            <a:endParaRPr lang="en-US" sz="6000" dirty="0">
+              <a:solidFill>
+                <a:srgbClr val="CF3338"/>
+              </a:solidFill>
+              <a:latin typeface="Pragmatica" panose="020B0403040502020204" pitchFamily="34" charset="0"/>
+            </a:endParaRPr>
+          </a:p>
+        </p:txBody>
+      </p:sp>
+    </p:spTree>
+    <p:extLst>
+      <p:ext uri="{BB962C8B-B14F-4D97-AF65-F5344CB8AC3E}">
+        <p14:creationId xmlns:p14="http://schemas.microsoft.com/office/powerpoint/2010/main" val="3717021490"/>
       </p:ext>
     </p:extLst>
   </p:cSld>
@@ -7057,9 +7238,7 @@
             <a:avLst/>
           </a:prstGeom>
           <a:solidFill>
-            <a:schemeClr val="bg1">
-              <a:lumMod val="50000"/>
-            </a:schemeClr>
+            <a:srgbClr val="CF3338"/>
           </a:solidFill>
           <a:ln>
             <a:noFill/>
@@ -7086,7 +7265,7 @@
           <a:lstStyle/>
           <a:p>
             <a:pPr algn="ctr"/>
-            <a:endParaRPr lang="en-US" sz="2700" dirty="0"/>
+            <a:endParaRPr lang="en-US" sz="2700"/>
           </a:p>
         </p:txBody>
       </p:sp>
@@ -7128,7 +7307,7 @@
         <p:spPr>
           <a:xfrm>
             <a:off x="260431" y="329879"/>
-            <a:ext cx="8906720" cy="5870390"/>
+            <a:ext cx="8906720" cy="7390228"/>
           </a:xfrm>
           <a:prstGeom prst="rect">
             <a:avLst/>
@@ -7143,18 +7322,16 @@
           <a:p>
             <a:r>
               <a:rPr lang="en-US" sz="6000" b="1" dirty="0">
+                <a:solidFill>
+                  <a:srgbClr val="CF3338"/>
+                </a:solidFill>
                 <a:latin typeface="Pragmatica" panose="020B0403040502020204" pitchFamily="34" charset="0"/>
               </a:rPr>
-              <a:t>AI-Powered Excel RECAP</a:t>
-            </a:r>
-          </a:p>
-          <a:p>
-            <a:endParaRPr lang="en-US" sz="4200" dirty="0">
-              <a:latin typeface="Pragmatica" panose="020B0403040502020204" pitchFamily="34" charset="0"/>
-            </a:endParaRPr>
-          </a:p>
-          <a:p>
-            <a:pPr marL="685800" indent="-542925">
+              <a:t>AI-powered data analysis and visualization EXERCISE</a:t>
+            </a:r>
+          </a:p>
+          <a:p>
+            <a:pPr marL="142875">
               <a:lnSpc>
                 <a:spcPct val="115000"/>
               </a:lnSpc>
@@ -7165,19 +7342,17 @@
                 <a:srgbClr val="C00000"/>
               </a:buClr>
               <a:buSzPts val="2100"/>
-              <a:buFont typeface="Arial"/>
-              <a:buAutoNum type="arabicPeriod"/>
             </a:pPr>
-            <a:r>
-              <a:rPr lang="en-US" sz="3600" dirty="0">
-                <a:latin typeface="Pragmatica" panose="020B0403040502020204"/>
-                <a:sym typeface="Consolas"/>
-              </a:rPr>
-              <a:t>AI in Excel learns over time – try adding more data</a:t>
-            </a:r>
-          </a:p>
-          <a:p>
-            <a:pPr marL="685800" indent="-542925">
+            <a:endParaRPr lang="en-US" sz="3600" dirty="0">
+              <a:solidFill>
+                <a:srgbClr val="C00000"/>
+              </a:solidFill>
+              <a:latin typeface="Pragmatica" panose="020B0403040502020204"/>
+              <a:sym typeface="Consolas"/>
+            </a:endParaRPr>
+          </a:p>
+          <a:p>
+            <a:pPr marL="714375" indent="-571500">
               <a:lnSpc>
                 <a:spcPct val="115000"/>
               </a:lnSpc>
@@ -7188,19 +7363,22 @@
                 <a:srgbClr val="C00000"/>
               </a:buClr>
               <a:buSzPts val="2100"/>
-              <a:buFont typeface="Arial"/>
-              <a:buAutoNum type="arabicPeriod"/>
+              <a:buFont typeface="Arial" panose="020B0604020202020204" pitchFamily="34" charset="0"/>
+              <a:buChar char="•"/>
             </a:pPr>
             <a:r>
               <a:rPr lang="en-US" sz="3600" dirty="0">
+                <a:solidFill>
+                  <a:srgbClr val="C00000"/>
+                </a:solidFill>
                 <a:latin typeface="Pragmatica" panose="020B0403040502020204"/>
                 <a:sym typeface="Consolas"/>
               </a:rPr>
-              <a:t>When one algorithm doesn’t work, try another</a:t>
-            </a:r>
-          </a:p>
-          <a:p>
-            <a:pPr marL="685800" indent="-542925">
+              <a:t>Prepare data for optimal Analyze Data use</a:t>
+            </a:r>
+          </a:p>
+          <a:p>
+            <a:pPr marL="714375" indent="-571500">
               <a:lnSpc>
                 <a:spcPct val="115000"/>
               </a:lnSpc>
@@ -7211,796 +7389,18 @@
                 <a:srgbClr val="C00000"/>
               </a:buClr>
               <a:buSzPts val="2100"/>
-              <a:buFont typeface="Arial"/>
-              <a:buAutoNum type="arabicPeriod"/>
+              <a:buFont typeface="Arial" panose="020B0604020202020204" pitchFamily="34" charset="0"/>
+              <a:buChar char="•"/>
             </a:pPr>
             <a:r>
               <a:rPr lang="en-US" sz="3600" dirty="0">
+                <a:solidFill>
+                  <a:srgbClr val="C00000"/>
+                </a:solidFill>
                 <a:latin typeface="Pragmatica" panose="020B0403040502020204"/>
                 <a:sym typeface="Consolas"/>
               </a:rPr>
-              <a:t>AI isn’t worth much without normalized, “tidy” datasets</a:t>
-            </a:r>
-          </a:p>
-        </p:txBody>
-      </p:sp>
-    </p:spTree>
-    <p:extLst>
-      <p:ext uri="{BB962C8B-B14F-4D97-AF65-F5344CB8AC3E}">
-        <p14:creationId xmlns:p14="http://schemas.microsoft.com/office/powerpoint/2010/main" val="1393172042"/>
-      </p:ext>
-    </p:extLst>
-  </p:cSld>
-  <p:clrMapOvr>
-    <a:masterClrMapping/>
-  </p:clrMapOvr>
-</p:sld>
-</file>
-
-<file path=ppt/slides/slide19.xml><?xml version="1.0" encoding="utf-8"?>
-<p:sld xmlns:a="http://schemas.openxmlformats.org/drawingml/2006/main" xmlns:r="http://schemas.openxmlformats.org/officeDocument/2006/relationships" xmlns:p="http://schemas.openxmlformats.org/presentationml/2006/main">
-  <p:cSld>
-    <p:spTree>
-      <p:nvGrpSpPr>
-        <p:cNvPr id="1" name=""/>
-        <p:cNvGrpSpPr/>
-        <p:nvPr/>
-      </p:nvGrpSpPr>
-      <p:grpSpPr>
-        <a:xfrm>
-          <a:off x="0" y="0"/>
-          <a:ext cx="0" cy="0"/>
-          <a:chOff x="0" y="0"/>
-          <a:chExt cx="0" cy="0"/>
-        </a:xfrm>
-      </p:grpSpPr>
-      <p:sp>
-        <p:nvSpPr>
-          <p:cNvPr id="4" name="Rectangle 3"/>
-          <p:cNvSpPr/>
-          <p:nvPr/>
-        </p:nvSpPr>
-        <p:spPr>
-          <a:xfrm>
-            <a:off x="0" y="0"/>
-            <a:ext cx="18288000" cy="10287000"/>
-          </a:xfrm>
-          <a:prstGeom prst="rect">
-            <a:avLst/>
-          </a:prstGeom>
-          <a:solidFill>
-            <a:schemeClr val="bg1">
-              <a:lumMod val="50000"/>
-            </a:schemeClr>
-          </a:solidFill>
-          <a:ln>
-            <a:noFill/>
-          </a:ln>
-        </p:spPr>
-        <p:style>
-          <a:lnRef idx="2">
-            <a:schemeClr val="accent1">
-              <a:shade val="50000"/>
-            </a:schemeClr>
-          </a:lnRef>
-          <a:fillRef idx="1">
-            <a:schemeClr val="accent1"/>
-          </a:fillRef>
-          <a:effectRef idx="0">
-            <a:schemeClr val="accent1"/>
-          </a:effectRef>
-          <a:fontRef idx="minor">
-            <a:schemeClr val="lt1"/>
-          </a:fontRef>
-        </p:style>
-        <p:txBody>
-          <a:bodyPr rtlCol="0" anchor="ctr"/>
-          <a:lstStyle/>
-          <a:p>
-            <a:pPr algn="ctr"/>
-            <a:endParaRPr lang="en-US" sz="2700"/>
-          </a:p>
-        </p:txBody>
-      </p:sp>
-      <p:sp>
-        <p:nvSpPr>
-          <p:cNvPr id="5" name="TextBox 4"/>
-          <p:cNvSpPr txBox="1"/>
-          <p:nvPr/>
-        </p:nvSpPr>
-        <p:spPr>
-          <a:xfrm>
-            <a:off x="781292" y="590309"/>
-            <a:ext cx="15486926" cy="1615827"/>
-          </a:xfrm>
-          <a:prstGeom prst="rect">
-            <a:avLst/>
-          </a:prstGeom>
-          <a:noFill/>
-        </p:spPr>
-        <p:txBody>
-          <a:bodyPr wrap="square" rtlCol="0">
-            <a:spAutoFit/>
-          </a:bodyPr>
-          <a:lstStyle/>
-          <a:p>
-            <a:r>
-              <a:rPr lang="en-US" sz="9900" b="1" dirty="0">
-                <a:solidFill>
-                  <a:schemeClr val="bg1"/>
-                </a:solidFill>
-                <a:latin typeface="Normafixed Tryout" panose="00000409000000000000"/>
-              </a:rPr>
-              <a:t>Python in Excel</a:t>
-            </a:r>
-          </a:p>
-        </p:txBody>
-      </p:sp>
-    </p:spTree>
-    <p:extLst>
-      <p:ext uri="{BB962C8B-B14F-4D97-AF65-F5344CB8AC3E}">
-        <p14:creationId xmlns:p14="http://schemas.microsoft.com/office/powerpoint/2010/main" val="1246066452"/>
-      </p:ext>
-    </p:extLst>
-  </p:cSld>
-  <p:clrMapOvr>
-    <a:masterClrMapping/>
-  </p:clrMapOvr>
-</p:sld>
-</file>
-
-<file path=ppt/slides/slide2.xml><?xml version="1.0" encoding="utf-8"?>
-<p:sld xmlns:a="http://schemas.openxmlformats.org/drawingml/2006/main" xmlns:r="http://schemas.openxmlformats.org/officeDocument/2006/relationships" xmlns:p="http://schemas.openxmlformats.org/presentationml/2006/main">
-  <p:cSld>
-    <p:spTree>
-      <p:nvGrpSpPr>
-        <p:cNvPr id="1" name=""/>
-        <p:cNvGrpSpPr/>
-        <p:nvPr/>
-      </p:nvGrpSpPr>
-      <p:grpSpPr>
-        <a:xfrm>
-          <a:off x="0" y="0"/>
-          <a:ext cx="0" cy="0"/>
-          <a:chOff x="0" y="0"/>
-          <a:chExt cx="0" cy="0"/>
-        </a:xfrm>
-      </p:grpSpPr>
-      <p:sp>
-        <p:nvSpPr>
-          <p:cNvPr id="4" name="Rectangle 3"/>
-          <p:cNvSpPr/>
-          <p:nvPr/>
-        </p:nvSpPr>
-        <p:spPr>
-          <a:xfrm>
-            <a:off x="0" y="0"/>
-            <a:ext cx="18288000" cy="10287000"/>
-          </a:xfrm>
-          <a:prstGeom prst="rect">
-            <a:avLst/>
-          </a:prstGeom>
-          <a:solidFill>
-            <a:srgbClr val="CF3338"/>
-          </a:solidFill>
-          <a:ln>
-            <a:noFill/>
-          </a:ln>
-        </p:spPr>
-        <p:style>
-          <a:lnRef idx="2">
-            <a:schemeClr val="accent1">
-              <a:shade val="50000"/>
-            </a:schemeClr>
-          </a:lnRef>
-          <a:fillRef idx="1">
-            <a:schemeClr val="accent1"/>
-          </a:fillRef>
-          <a:effectRef idx="0">
-            <a:schemeClr val="accent1"/>
-          </a:effectRef>
-          <a:fontRef idx="minor">
-            <a:schemeClr val="lt1"/>
-          </a:fontRef>
-        </p:style>
-        <p:txBody>
-          <a:bodyPr rtlCol="0" anchor="ctr"/>
-          <a:lstStyle/>
-          <a:p>
-            <a:pPr algn="ctr"/>
-            <a:endParaRPr lang="en-US" sz="2700"/>
-          </a:p>
-        </p:txBody>
-      </p:sp>
-      <p:sp>
-        <p:nvSpPr>
-          <p:cNvPr id="5" name="TextBox 4"/>
-          <p:cNvSpPr txBox="1"/>
-          <p:nvPr/>
-        </p:nvSpPr>
-        <p:spPr>
-          <a:xfrm>
-            <a:off x="781292" y="590309"/>
-            <a:ext cx="15486926" cy="1615827"/>
-          </a:xfrm>
-          <a:prstGeom prst="rect">
-            <a:avLst/>
-          </a:prstGeom>
-          <a:noFill/>
-        </p:spPr>
-        <p:txBody>
-          <a:bodyPr wrap="square" rtlCol="0">
-            <a:spAutoFit/>
-          </a:bodyPr>
-          <a:lstStyle/>
-          <a:p>
-            <a:r>
-              <a:rPr lang="en-US" sz="9900" b="1" dirty="0">
-                <a:solidFill>
-                  <a:schemeClr val="bg1"/>
-                </a:solidFill>
-                <a:latin typeface="Normafixed Tryout" panose="00000409000000000000" pitchFamily="49" charset="0"/>
-              </a:rPr>
-              <a:t>Hi, I’m George</a:t>
-            </a:r>
-          </a:p>
-        </p:txBody>
-      </p:sp>
-      <p:pic>
-        <p:nvPicPr>
-          <p:cNvPr id="3" name="Picture 4" descr="Advancing into Analytics Cover Image">
-            <a:extLst>
-              <a:ext uri="{FF2B5EF4-FFF2-40B4-BE49-F238E27FC236}">
-                <a16:creationId xmlns:a16="http://schemas.microsoft.com/office/drawing/2014/main" id="{588F684B-18EF-D76C-5F7B-15E4BAD60643}"/>
-              </a:ext>
-            </a:extLst>
-          </p:cNvPr>
-          <p:cNvPicPr>
-            <a:picLocks noChangeAspect="1" noChangeArrowheads="1"/>
-          </p:cNvPicPr>
-          <p:nvPr/>
-        </p:nvPicPr>
-        <p:blipFill>
-          <a:blip r:embed="rId3" cstate="print">
-            <a:extLst>
-              <a:ext uri="{28A0092B-C50C-407E-A947-70E740481C1C}">
-                <a14:useLocalDpi xmlns:a14="http://schemas.microsoft.com/office/drawing/2010/main" val="0"/>
-              </a:ext>
-            </a:extLst>
-          </a:blip>
-          <a:srcRect/>
-          <a:stretch>
-            <a:fillRect/>
-          </a:stretch>
-        </p:blipFill>
-        <p:spPr bwMode="auto">
-          <a:xfrm>
-            <a:off x="14060913" y="456356"/>
-            <a:ext cx="3646936" cy="4763344"/>
-          </a:xfrm>
-          <a:prstGeom prst="rect">
-            <a:avLst/>
-          </a:prstGeom>
-          <a:noFill/>
-          <a:extLst>
-            <a:ext uri="{909E8E84-426E-40DD-AFC4-6F175D3DCCD1}">
-              <a14:hiddenFill xmlns:a14="http://schemas.microsoft.com/office/drawing/2010/main">
-                <a:solidFill>
-                  <a:srgbClr val="FFFFFF"/>
-                </a:solidFill>
-              </a14:hiddenFill>
-            </a:ext>
-          </a:extLst>
-        </p:spPr>
-      </p:pic>
-      <p:pic>
-        <p:nvPicPr>
-          <p:cNvPr id="6" name="Picture 6" descr="Free photos of Cleveland">
-            <a:extLst>
-              <a:ext uri="{FF2B5EF4-FFF2-40B4-BE49-F238E27FC236}">
-                <a16:creationId xmlns:a16="http://schemas.microsoft.com/office/drawing/2014/main" id="{CBA53EEE-E3E1-D99E-A4DC-1C4DD2E6CE4A}"/>
-              </a:ext>
-            </a:extLst>
-          </p:cNvPr>
-          <p:cNvPicPr>
-            <a:picLocks noChangeAspect="1" noChangeArrowheads="1"/>
-          </p:cNvPicPr>
-          <p:nvPr/>
-        </p:nvPicPr>
-        <p:blipFill>
-          <a:blip r:embed="rId4" cstate="print">
-            <a:extLst>
-              <a:ext uri="{28A0092B-C50C-407E-A947-70E740481C1C}">
-                <a14:useLocalDpi xmlns:a14="http://schemas.microsoft.com/office/drawing/2010/main" val="0"/>
-              </a:ext>
-            </a:extLst>
-          </a:blip>
-          <a:srcRect/>
-          <a:stretch>
-            <a:fillRect/>
-          </a:stretch>
-        </p:blipFill>
-        <p:spPr bwMode="auto">
-          <a:xfrm>
-            <a:off x="1719601" y="2838028"/>
-            <a:ext cx="7531585" cy="5013211"/>
-          </a:xfrm>
-          <a:prstGeom prst="rect">
-            <a:avLst/>
-          </a:prstGeom>
-          <a:noFill/>
-          <a:extLst>
-            <a:ext uri="{909E8E84-426E-40DD-AFC4-6F175D3DCCD1}">
-              <a14:hiddenFill xmlns:a14="http://schemas.microsoft.com/office/drawing/2010/main">
-                <a:solidFill>
-                  <a:srgbClr val="FFFFFF"/>
-                </a:solidFill>
-              </a14:hiddenFill>
-            </a:ext>
-          </a:extLst>
-        </p:spPr>
-      </p:pic>
-      <p:pic>
-        <p:nvPicPr>
-          <p:cNvPr id="8" name="Picture 7" descr="Logo&#10;&#10;Description automatically generated">
-            <a:extLst>
-              <a:ext uri="{FF2B5EF4-FFF2-40B4-BE49-F238E27FC236}">
-                <a16:creationId xmlns:a16="http://schemas.microsoft.com/office/drawing/2014/main" id="{97E0F267-87DF-961E-1FAA-47FD4F27A5C6}"/>
-              </a:ext>
-            </a:extLst>
-          </p:cNvPr>
-          <p:cNvPicPr>
-            <a:picLocks noChangeAspect="1"/>
-          </p:cNvPicPr>
-          <p:nvPr/>
-        </p:nvPicPr>
-        <p:blipFill>
-          <a:blip r:embed="rId5" cstate="print">
-            <a:extLst>
-              <a:ext uri="{28A0092B-C50C-407E-A947-70E740481C1C}">
-                <a14:useLocalDpi xmlns:a14="http://schemas.microsoft.com/office/drawing/2010/main" val="0"/>
-              </a:ext>
-            </a:extLst>
-          </a:blip>
-          <a:stretch>
-            <a:fillRect/>
-          </a:stretch>
-        </p:blipFill>
-        <p:spPr>
-          <a:xfrm>
-            <a:off x="10336758" y="6210300"/>
-            <a:ext cx="7448309" cy="5462681"/>
-          </a:xfrm>
-          <a:prstGeom prst="rect">
-            <a:avLst/>
-          </a:prstGeom>
-        </p:spPr>
-      </p:pic>
-      <p:pic>
-        <p:nvPicPr>
-          <p:cNvPr id="1026" name="Picture 2" descr="Excel MVP Led Training - The Best Way to Learn Excel.">
-            <a:extLst>
-              <a:ext uri="{FF2B5EF4-FFF2-40B4-BE49-F238E27FC236}">
-                <a16:creationId xmlns:a16="http://schemas.microsoft.com/office/drawing/2014/main" id="{1541E3A8-702A-355A-01A5-FFB43F9DE736}"/>
-              </a:ext>
-            </a:extLst>
-          </p:cNvPr>
-          <p:cNvPicPr>
-            <a:picLocks noChangeAspect="1" noChangeArrowheads="1"/>
-          </p:cNvPicPr>
-          <p:nvPr/>
-        </p:nvPicPr>
-        <p:blipFill>
-          <a:blip r:embed="rId6">
-            <a:extLst>
-              <a:ext uri="{28A0092B-C50C-407E-A947-70E740481C1C}">
-                <a14:useLocalDpi xmlns:a14="http://schemas.microsoft.com/office/drawing/2010/main" val="0"/>
-              </a:ext>
-            </a:extLst>
-          </a:blip>
-          <a:srcRect/>
-          <a:stretch>
-            <a:fillRect/>
-          </a:stretch>
-        </p:blipFill>
-        <p:spPr bwMode="auto">
-          <a:xfrm>
-            <a:off x="1095268" y="8334375"/>
-            <a:ext cx="4028188" cy="1615827"/>
-          </a:xfrm>
-          <a:prstGeom prst="rect">
-            <a:avLst/>
-          </a:prstGeom>
-          <a:noFill/>
-          <a:extLst>
-            <a:ext uri="{909E8E84-426E-40DD-AFC4-6F175D3DCCD1}">
-              <a14:hiddenFill xmlns:a14="http://schemas.microsoft.com/office/drawing/2010/main">
-                <a:solidFill>
-                  <a:srgbClr val="FFFFFF"/>
-                </a:solidFill>
-              </a14:hiddenFill>
-            </a:ext>
-          </a:extLst>
-        </p:spPr>
-      </p:pic>
-      <p:pic>
-        <p:nvPicPr>
-          <p:cNvPr id="2" name="Picture 2" descr="Modern data analytics in Excel book cover">
-            <a:extLst>
-              <a:ext uri="{FF2B5EF4-FFF2-40B4-BE49-F238E27FC236}">
-                <a16:creationId xmlns:a16="http://schemas.microsoft.com/office/drawing/2014/main" id="{4561131B-5250-BD3D-CCD7-1AB4619C911E}"/>
-              </a:ext>
-            </a:extLst>
-          </p:cNvPr>
-          <p:cNvPicPr>
-            <a:picLocks noChangeAspect="1" noChangeArrowheads="1"/>
-          </p:cNvPicPr>
-          <p:nvPr/>
-        </p:nvPicPr>
-        <p:blipFill>
-          <a:blip r:embed="rId7">
-            <a:extLst>
-              <a:ext uri="{28A0092B-C50C-407E-A947-70E740481C1C}">
-                <a14:useLocalDpi xmlns:a14="http://schemas.microsoft.com/office/drawing/2010/main" val="0"/>
-              </a:ext>
-            </a:extLst>
-          </a:blip>
-          <a:srcRect/>
-          <a:stretch>
-            <a:fillRect/>
-          </a:stretch>
-        </p:blipFill>
-        <p:spPr bwMode="auto">
-          <a:xfrm>
-            <a:off x="10058401" y="2855703"/>
-            <a:ext cx="3513720" cy="4608272"/>
-          </a:xfrm>
-          <a:prstGeom prst="rect">
-            <a:avLst/>
-          </a:prstGeom>
-          <a:noFill/>
-          <a:extLst>
-            <a:ext uri="{909E8E84-426E-40DD-AFC4-6F175D3DCCD1}">
-              <a14:hiddenFill xmlns:a14="http://schemas.microsoft.com/office/drawing/2010/main">
-                <a:solidFill>
-                  <a:srgbClr val="FFFFFF"/>
-                </a:solidFill>
-              </a14:hiddenFill>
-            </a:ext>
-          </a:extLst>
-        </p:spPr>
-      </p:pic>
-    </p:spTree>
-    <p:extLst>
-      <p:ext uri="{BB962C8B-B14F-4D97-AF65-F5344CB8AC3E}">
-        <p14:creationId xmlns:p14="http://schemas.microsoft.com/office/powerpoint/2010/main" val="166785523"/>
-      </p:ext>
-    </p:extLst>
-  </p:cSld>
-  <p:clrMapOvr>
-    <a:masterClrMapping/>
-  </p:clrMapOvr>
-</p:sld>
-</file>
-
-<file path=ppt/slides/slide20.xml><?xml version="1.0" encoding="utf-8"?>
-<p:sld xmlns:a="http://schemas.openxmlformats.org/drawingml/2006/main" xmlns:r="http://schemas.openxmlformats.org/officeDocument/2006/relationships" xmlns:p="http://schemas.openxmlformats.org/presentationml/2006/main">
-  <p:cSld>
-    <p:spTree>
-      <p:nvGrpSpPr>
-        <p:cNvPr id="1" name=""/>
-        <p:cNvGrpSpPr/>
-        <p:nvPr/>
-      </p:nvGrpSpPr>
-      <p:grpSpPr>
-        <a:xfrm>
-          <a:off x="0" y="0"/>
-          <a:ext cx="0" cy="0"/>
-          <a:chOff x="0" y="0"/>
-          <a:chExt cx="0" cy="0"/>
-        </a:xfrm>
-      </p:grpSpPr>
-      <p:sp>
-        <p:nvSpPr>
-          <p:cNvPr id="4" name="Rectangle 3"/>
-          <p:cNvSpPr/>
-          <p:nvPr/>
-        </p:nvSpPr>
-        <p:spPr>
-          <a:xfrm>
-            <a:off x="0" y="0"/>
-            <a:ext cx="18288000" cy="10287000"/>
-          </a:xfrm>
-          <a:prstGeom prst="rect">
-            <a:avLst/>
-          </a:prstGeom>
-          <a:solidFill>
-            <a:srgbClr val="CF3338"/>
-          </a:solidFill>
-          <a:ln>
-            <a:noFill/>
-          </a:ln>
-        </p:spPr>
-        <p:style>
-          <a:lnRef idx="2">
-            <a:schemeClr val="accent1">
-              <a:shade val="50000"/>
-            </a:schemeClr>
-          </a:lnRef>
-          <a:fillRef idx="1">
-            <a:schemeClr val="accent1"/>
-          </a:fillRef>
-          <a:effectRef idx="0">
-            <a:schemeClr val="accent1"/>
-          </a:effectRef>
-          <a:fontRef idx="minor">
-            <a:schemeClr val="lt1"/>
-          </a:fontRef>
-        </p:style>
-        <p:txBody>
-          <a:bodyPr rtlCol="0" anchor="ctr"/>
-          <a:lstStyle/>
-          <a:p>
-            <a:pPr algn="ctr"/>
-            <a:endParaRPr lang="en-US" sz="2700"/>
-          </a:p>
-        </p:txBody>
-      </p:sp>
-      <p:sp>
-        <p:nvSpPr>
-          <p:cNvPr id="5" name="TextBox 4"/>
-          <p:cNvSpPr txBox="1"/>
-          <p:nvPr/>
-        </p:nvSpPr>
-        <p:spPr>
-          <a:xfrm>
-            <a:off x="781292" y="590309"/>
-            <a:ext cx="15486926" cy="1615827"/>
-          </a:xfrm>
-          <a:prstGeom prst="rect">
-            <a:avLst/>
-          </a:prstGeom>
-          <a:noFill/>
-        </p:spPr>
-        <p:txBody>
-          <a:bodyPr wrap="square" rtlCol="0">
-            <a:spAutoFit/>
-          </a:bodyPr>
-          <a:lstStyle/>
-          <a:p>
-            <a:r>
-              <a:rPr lang="en-US" sz="9900" b="1" dirty="0">
-                <a:solidFill>
-                  <a:schemeClr val="bg1"/>
-                </a:solidFill>
-                <a:latin typeface="Normafixed Tryout" panose="00000409000000000000" pitchFamily="49" charset="0"/>
-              </a:rPr>
-              <a:t>1. Python in Excel: First Steps</a:t>
-            </a:r>
-          </a:p>
-        </p:txBody>
-      </p:sp>
-    </p:spTree>
-    <p:extLst>
-      <p:ext uri="{BB962C8B-B14F-4D97-AF65-F5344CB8AC3E}">
-        <p14:creationId xmlns:p14="http://schemas.microsoft.com/office/powerpoint/2010/main" val="3953945792"/>
-      </p:ext>
-    </p:extLst>
-  </p:cSld>
-  <p:clrMapOvr>
-    <a:masterClrMapping/>
-  </p:clrMapOvr>
-</p:sld>
-</file>
-
-<file path=ppt/slides/slide21.xml><?xml version="1.0" encoding="utf-8"?>
-<p:sld xmlns:a="http://schemas.openxmlformats.org/drawingml/2006/main" xmlns:r="http://schemas.openxmlformats.org/officeDocument/2006/relationships" xmlns:p="http://schemas.openxmlformats.org/presentationml/2006/main">
-  <p:cSld>
-    <p:spTree>
-      <p:nvGrpSpPr>
-        <p:cNvPr id="1" name=""/>
-        <p:cNvGrpSpPr/>
-        <p:nvPr/>
-      </p:nvGrpSpPr>
-      <p:grpSpPr>
-        <a:xfrm>
-          <a:off x="0" y="0"/>
-          <a:ext cx="0" cy="0"/>
-          <a:chOff x="0" y="0"/>
-          <a:chExt cx="0" cy="0"/>
-        </a:xfrm>
-      </p:grpSpPr>
-      <p:sp>
-        <p:nvSpPr>
-          <p:cNvPr id="4" name="Rectangle 3"/>
-          <p:cNvSpPr/>
-          <p:nvPr/>
-        </p:nvSpPr>
-        <p:spPr>
-          <a:xfrm>
-            <a:off x="9861630" y="0"/>
-            <a:ext cx="8426370" cy="10287000"/>
-          </a:xfrm>
-          <a:prstGeom prst="rect">
-            <a:avLst/>
-          </a:prstGeom>
-          <a:solidFill>
-            <a:srgbClr val="CF3338"/>
-          </a:solidFill>
-          <a:ln>
-            <a:noFill/>
-          </a:ln>
-        </p:spPr>
-        <p:style>
-          <a:lnRef idx="2">
-            <a:schemeClr val="accent1">
-              <a:shade val="50000"/>
-            </a:schemeClr>
-          </a:lnRef>
-          <a:fillRef idx="1">
-            <a:schemeClr val="accent1"/>
-          </a:fillRef>
-          <a:effectRef idx="0">
-            <a:schemeClr val="accent1"/>
-          </a:effectRef>
-          <a:fontRef idx="minor">
-            <a:schemeClr val="lt1"/>
-          </a:fontRef>
-        </p:style>
-        <p:txBody>
-          <a:bodyPr rtlCol="0" anchor="ctr"/>
-          <a:lstStyle/>
-          <a:p>
-            <a:pPr algn="ctr"/>
-            <a:endParaRPr lang="en-US" sz="2700"/>
-          </a:p>
-        </p:txBody>
-      </p:sp>
-      <p:pic>
-        <p:nvPicPr>
-          <p:cNvPr id="2" name="Picture 1"/>
-          <p:cNvPicPr>
-            <a:picLocks noChangeAspect="1"/>
-          </p:cNvPicPr>
-          <p:nvPr/>
-        </p:nvPicPr>
-        <p:blipFill rotWithShape="1">
-          <a:blip r:embed="rId3">
-            <a:extLst>
-              <a:ext uri="{28A0092B-C50C-407E-A947-70E740481C1C}">
-                <a14:useLocalDpi xmlns:a14="http://schemas.microsoft.com/office/drawing/2010/main" val="0"/>
-              </a:ext>
-            </a:extLst>
-          </a:blip>
-          <a:srcRect l="69227" t="33418" r="20112" b="50548"/>
-          <a:stretch/>
-        </p:blipFill>
-        <p:spPr>
-          <a:xfrm>
-            <a:off x="15579524" y="7544693"/>
-            <a:ext cx="2708477" cy="2987579"/>
-          </a:xfrm>
-          <a:prstGeom prst="rect">
-            <a:avLst/>
-          </a:prstGeom>
-        </p:spPr>
-      </p:pic>
-      <p:sp>
-        <p:nvSpPr>
-          <p:cNvPr id="3" name="TextBox 2"/>
-          <p:cNvSpPr txBox="1"/>
-          <p:nvPr/>
-        </p:nvSpPr>
-        <p:spPr>
-          <a:xfrm>
-            <a:off x="260431" y="329879"/>
-            <a:ext cx="8906720" cy="7113229"/>
-          </a:xfrm>
-          <a:prstGeom prst="rect">
-            <a:avLst/>
-          </a:prstGeom>
-          <a:noFill/>
-        </p:spPr>
-        <p:txBody>
-          <a:bodyPr wrap="square" rtlCol="0">
-            <a:spAutoFit/>
-          </a:bodyPr>
-          <a:lstStyle/>
-          <a:p>
-            <a:r>
-              <a:rPr lang="en-US" sz="6000" b="1" dirty="0">
-                <a:solidFill>
-                  <a:srgbClr val="CF3338"/>
-                </a:solidFill>
-                <a:latin typeface="Pragmatica" panose="020B0403040502020204" pitchFamily="34" charset="0"/>
-              </a:rPr>
-              <a:t>Python in Excel: First steps</a:t>
-            </a:r>
-          </a:p>
-          <a:p>
-            <a:endParaRPr lang="en-US" sz="4200" dirty="0">
-              <a:solidFill>
-                <a:srgbClr val="CF3338"/>
-              </a:solidFill>
-              <a:latin typeface="Pragmatica" panose="020B0403040502020204" pitchFamily="34" charset="0"/>
-            </a:endParaRPr>
-          </a:p>
-          <a:p>
-            <a:pPr marL="685800" indent="-542925">
-              <a:lnSpc>
-                <a:spcPct val="115000"/>
-              </a:lnSpc>
-              <a:spcBef>
-                <a:spcPts val="1125"/>
-              </a:spcBef>
-              <a:buClr>
-                <a:srgbClr val="C00000"/>
-              </a:buClr>
-              <a:buSzPts val="2100"/>
-              <a:buFont typeface="Arial"/>
-              <a:buAutoNum type="arabicPeriod"/>
-            </a:pPr>
-            <a:r>
-              <a:rPr lang="en-US" sz="3600" dirty="0">
-                <a:solidFill>
-                  <a:srgbClr val="C00000"/>
-                </a:solidFill>
-                <a:latin typeface="Pragmatica" panose="020B0403040502020204"/>
-                <a:sym typeface="Consolas"/>
-              </a:rPr>
-              <a:t>Understanding the Python in Excel environment</a:t>
-            </a:r>
-          </a:p>
-          <a:p>
-            <a:pPr marL="685800" indent="-542925">
-              <a:lnSpc>
-                <a:spcPct val="115000"/>
-              </a:lnSpc>
-              <a:spcBef>
-                <a:spcPts val="1125"/>
-              </a:spcBef>
-              <a:buClr>
-                <a:srgbClr val="C00000"/>
-              </a:buClr>
-              <a:buSzPts val="2100"/>
-              <a:buFont typeface="Arial"/>
-              <a:buAutoNum type="arabicPeriod"/>
-            </a:pPr>
-            <a:r>
-              <a:rPr lang="en-US" sz="3600" dirty="0">
-                <a:solidFill>
-                  <a:srgbClr val="C00000"/>
-                </a:solidFill>
-                <a:latin typeface="Pragmatica" panose="020B0403040502020204"/>
-                <a:sym typeface="Consolas"/>
-              </a:rPr>
-              <a:t>Loading Excel data into Python</a:t>
-            </a:r>
-          </a:p>
-          <a:p>
-            <a:pPr marL="685800" indent="-542925">
-              <a:lnSpc>
-                <a:spcPct val="115000"/>
-              </a:lnSpc>
-              <a:spcBef>
-                <a:spcPts val="1125"/>
-              </a:spcBef>
-              <a:buClr>
-                <a:srgbClr val="C00000"/>
-              </a:buClr>
-              <a:buSzPts val="2100"/>
-              <a:buFont typeface="Arial"/>
-              <a:buAutoNum type="arabicPeriod"/>
-            </a:pPr>
-            <a:r>
-              <a:rPr lang="en-US" sz="3600" dirty="0">
-                <a:solidFill>
-                  <a:srgbClr val="C00000"/>
-                </a:solidFill>
-                <a:latin typeface="Pragmatica" panose="020B0403040502020204"/>
-                <a:sym typeface="Consolas"/>
-              </a:rPr>
-              <a:t>Converting Python objects to Excel values</a:t>
+              <a:t>Visualize total state population over time</a:t>
             </a:r>
           </a:p>
           <a:p>
@@ -8057,7 +7457,7 @@
                 <a:latin typeface="Consolas" panose="020B0609020204030204" pitchFamily="49" charset="0"/>
                 <a:sym typeface="Consolas"/>
               </a:rPr>
-              <a:t>python-excel-first-steps.xlsx</a:t>
+              <a:t>ai-powered-data-analysis-visualization-exercise.xlsx</a:t>
             </a:r>
             <a:endParaRPr lang="en-US" sz="6000" dirty="0">
               <a:solidFill>
@@ -8079,7 +7479,7 @@
     </p:spTree>
     <p:extLst>
       <p:ext uri="{BB962C8B-B14F-4D97-AF65-F5344CB8AC3E}">
-        <p14:creationId xmlns:p14="http://schemas.microsoft.com/office/powerpoint/2010/main" val="3871531779"/>
+        <p14:creationId xmlns:p14="http://schemas.microsoft.com/office/powerpoint/2010/main" val="3601430795"/>
       </p:ext>
     </p:extLst>
   </p:cSld>
@@ -8089,485 +7489,7 @@
 </p:sld>
 </file>
 
-<file path=ppt/slides/slide22.xml><?xml version="1.0" encoding="utf-8"?>
-<p:sld xmlns:a="http://schemas.openxmlformats.org/drawingml/2006/main" xmlns:r="http://schemas.openxmlformats.org/officeDocument/2006/relationships" xmlns:p="http://schemas.openxmlformats.org/presentationml/2006/main">
-  <p:cSld>
-    <p:spTree>
-      <p:nvGrpSpPr>
-        <p:cNvPr id="1" name="">
-          <a:extLst>
-            <a:ext uri="{FF2B5EF4-FFF2-40B4-BE49-F238E27FC236}">
-              <a16:creationId xmlns:a16="http://schemas.microsoft.com/office/drawing/2014/main" id="{41829F31-7D3D-8637-4364-EE44F333EBAD}"/>
-            </a:ext>
-          </a:extLst>
-        </p:cNvPr>
-        <p:cNvGrpSpPr/>
-        <p:nvPr/>
-      </p:nvGrpSpPr>
-      <p:grpSpPr>
-        <a:xfrm>
-          <a:off x="0" y="0"/>
-          <a:ext cx="0" cy="0"/>
-          <a:chOff x="0" y="0"/>
-          <a:chExt cx="0" cy="0"/>
-        </a:xfrm>
-      </p:grpSpPr>
-      <p:sp>
-        <p:nvSpPr>
-          <p:cNvPr id="4" name="Rectangle 3">
-            <a:extLst>
-              <a:ext uri="{FF2B5EF4-FFF2-40B4-BE49-F238E27FC236}">
-                <a16:creationId xmlns:a16="http://schemas.microsoft.com/office/drawing/2014/main" id="{D7651FB2-73C2-0D93-0184-282838D2F1A6}"/>
-              </a:ext>
-            </a:extLst>
-          </p:cNvPr>
-          <p:cNvSpPr/>
-          <p:nvPr/>
-        </p:nvSpPr>
-        <p:spPr>
-          <a:xfrm>
-            <a:off x="9861630" y="0"/>
-            <a:ext cx="8426370" cy="10287000"/>
-          </a:xfrm>
-          <a:prstGeom prst="rect">
-            <a:avLst/>
-          </a:prstGeom>
-          <a:solidFill>
-            <a:srgbClr val="CF3338"/>
-          </a:solidFill>
-          <a:ln>
-            <a:noFill/>
-          </a:ln>
-        </p:spPr>
-        <p:style>
-          <a:lnRef idx="2">
-            <a:schemeClr val="accent1">
-              <a:shade val="50000"/>
-            </a:schemeClr>
-          </a:lnRef>
-          <a:fillRef idx="1">
-            <a:schemeClr val="accent1"/>
-          </a:fillRef>
-          <a:effectRef idx="0">
-            <a:schemeClr val="accent1"/>
-          </a:effectRef>
-          <a:fontRef idx="minor">
-            <a:schemeClr val="lt1"/>
-          </a:fontRef>
-        </p:style>
-        <p:txBody>
-          <a:bodyPr rtlCol="0" anchor="ctr"/>
-          <a:lstStyle/>
-          <a:p>
-            <a:pPr algn="ctr"/>
-            <a:endParaRPr lang="en-US" sz="2700"/>
-          </a:p>
-        </p:txBody>
-      </p:sp>
-      <p:pic>
-        <p:nvPicPr>
-          <p:cNvPr id="2" name="Picture 1">
-            <a:extLst>
-              <a:ext uri="{FF2B5EF4-FFF2-40B4-BE49-F238E27FC236}">
-                <a16:creationId xmlns:a16="http://schemas.microsoft.com/office/drawing/2014/main" id="{FC2BD2E9-2ADF-A29E-F050-8566794C3873}"/>
-              </a:ext>
-            </a:extLst>
-          </p:cNvPr>
-          <p:cNvPicPr>
-            <a:picLocks noChangeAspect="1"/>
-          </p:cNvPicPr>
-          <p:nvPr/>
-        </p:nvPicPr>
-        <p:blipFill rotWithShape="1">
-          <a:blip r:embed="rId3">
-            <a:extLst>
-              <a:ext uri="{28A0092B-C50C-407E-A947-70E740481C1C}">
-                <a14:useLocalDpi xmlns:a14="http://schemas.microsoft.com/office/drawing/2010/main" val="0"/>
-              </a:ext>
-            </a:extLst>
-          </a:blip>
-          <a:srcRect l="69227" t="33418" r="20112" b="50548"/>
-          <a:stretch/>
-        </p:blipFill>
-        <p:spPr>
-          <a:xfrm>
-            <a:off x="15579524" y="7544693"/>
-            <a:ext cx="2708477" cy="2987579"/>
-          </a:xfrm>
-          <a:prstGeom prst="rect">
-            <a:avLst/>
-          </a:prstGeom>
-        </p:spPr>
-      </p:pic>
-      <p:sp>
-        <p:nvSpPr>
-          <p:cNvPr id="3" name="TextBox 2">
-            <a:extLst>
-              <a:ext uri="{FF2B5EF4-FFF2-40B4-BE49-F238E27FC236}">
-                <a16:creationId xmlns:a16="http://schemas.microsoft.com/office/drawing/2014/main" id="{A09F75D3-10EC-7243-1341-74B055CD36DD}"/>
-              </a:ext>
-            </a:extLst>
-          </p:cNvPr>
-          <p:cNvSpPr txBox="1"/>
-          <p:nvPr/>
-        </p:nvSpPr>
-        <p:spPr>
-          <a:xfrm>
-            <a:off x="260431" y="329879"/>
-            <a:ext cx="8906720" cy="10222286"/>
-          </a:xfrm>
-          <a:prstGeom prst="rect">
-            <a:avLst/>
-          </a:prstGeom>
-          <a:noFill/>
-        </p:spPr>
-        <p:txBody>
-          <a:bodyPr wrap="square" rtlCol="0">
-            <a:spAutoFit/>
-          </a:bodyPr>
-          <a:lstStyle/>
-          <a:p>
-            <a:r>
-              <a:rPr lang="en-US" sz="6000" b="1" dirty="0">
-                <a:solidFill>
-                  <a:srgbClr val="CF3338"/>
-                </a:solidFill>
-                <a:latin typeface="Pragmatica" panose="020B0403040502020204" pitchFamily="34" charset="0"/>
-              </a:rPr>
-              <a:t>Python in Excel: First </a:t>
-            </a:r>
-            <a:r>
-              <a:rPr lang="en-US" sz="6000" b="1">
-                <a:solidFill>
-                  <a:srgbClr val="CF3338"/>
-                </a:solidFill>
-                <a:latin typeface="Pragmatica" panose="020B0403040502020204" pitchFamily="34" charset="0"/>
-              </a:rPr>
-              <a:t>steps EXERCISE</a:t>
-            </a:r>
-            <a:endParaRPr lang="en-US" sz="4200" dirty="0">
-              <a:solidFill>
-                <a:srgbClr val="CF3338"/>
-              </a:solidFill>
-              <a:latin typeface="Pragmatica" panose="020B0403040502020204" pitchFamily="34" charset="0"/>
-            </a:endParaRPr>
-          </a:p>
-          <a:p>
-            <a:pPr marL="685800" indent="-542925">
-              <a:lnSpc>
-                <a:spcPct val="115000"/>
-              </a:lnSpc>
-              <a:spcBef>
-                <a:spcPts val="1125"/>
-              </a:spcBef>
-              <a:buClr>
-                <a:srgbClr val="C00000"/>
-              </a:buClr>
-              <a:buSzPts val="2100"/>
-              <a:buFont typeface="Arial"/>
-              <a:buAutoNum type="arabicPeriod"/>
-            </a:pPr>
-            <a:r>
-              <a:rPr lang="en-US" sz="3200" dirty="0">
-                <a:solidFill>
-                  <a:srgbClr val="C00000"/>
-                </a:solidFill>
-                <a:latin typeface="Pragmatica" panose="020B0403040502020204"/>
-                <a:sym typeface="Consolas"/>
-              </a:rPr>
-              <a:t>Load the penguins dataset into a </a:t>
-            </a:r>
-            <a:r>
-              <a:rPr lang="en-US" sz="3200" dirty="0" err="1">
-                <a:solidFill>
-                  <a:srgbClr val="C00000"/>
-                </a:solidFill>
-                <a:latin typeface="Pragmatica" panose="020B0403040502020204"/>
-                <a:sym typeface="Consolas"/>
-              </a:rPr>
-              <a:t>DataFrame</a:t>
-            </a:r>
-            <a:r>
-              <a:rPr lang="en-US" sz="3200" dirty="0">
-                <a:solidFill>
-                  <a:srgbClr val="C00000"/>
-                </a:solidFill>
-                <a:latin typeface="Pragmatica" panose="020B0403040502020204"/>
-                <a:sym typeface="Consolas"/>
-              </a:rPr>
-              <a:t> called </a:t>
-            </a:r>
-            <a:r>
-              <a:rPr lang="en-US" sz="3200" dirty="0" err="1">
-                <a:solidFill>
-                  <a:srgbClr val="C00000"/>
-                </a:solidFill>
-                <a:latin typeface="Consolas" panose="020B0609020204030204" pitchFamily="49" charset="0"/>
-                <a:sym typeface="Consolas"/>
-              </a:rPr>
-              <a:t>penguins_df</a:t>
-            </a:r>
-            <a:endParaRPr lang="en-US" sz="3200" dirty="0">
-              <a:solidFill>
-                <a:srgbClr val="C00000"/>
-              </a:solidFill>
-              <a:latin typeface="Consolas" panose="020B0609020204030204" pitchFamily="49" charset="0"/>
-              <a:sym typeface="Consolas"/>
-            </a:endParaRPr>
-          </a:p>
-          <a:p>
-            <a:pPr marL="685800" indent="-542925">
-              <a:lnSpc>
-                <a:spcPct val="115000"/>
-              </a:lnSpc>
-              <a:spcBef>
-                <a:spcPts val="1125"/>
-              </a:spcBef>
-              <a:buClr>
-                <a:srgbClr val="C00000"/>
-              </a:buClr>
-              <a:buSzPts val="2100"/>
-              <a:buFont typeface="Arial"/>
-              <a:buAutoNum type="arabicPeriod"/>
-            </a:pPr>
-            <a:r>
-              <a:rPr lang="en-US" sz="3200" dirty="0">
-                <a:solidFill>
-                  <a:srgbClr val="C00000"/>
-                </a:solidFill>
-                <a:latin typeface="Pragmatica" panose="020B0403040502020204"/>
-                <a:sym typeface="Consolas"/>
-              </a:rPr>
-              <a:t>Check the resulting dataset’s columns: run </a:t>
-            </a:r>
-            <a:r>
-              <a:rPr lang="en-US" sz="3200" dirty="0" err="1">
-                <a:solidFill>
-                  <a:srgbClr val="C00000"/>
-                </a:solidFill>
-                <a:latin typeface="Consolas" panose="020B0609020204030204" pitchFamily="49" charset="0"/>
-                <a:sym typeface="Consolas"/>
-              </a:rPr>
-              <a:t>penguins_df.columns</a:t>
-            </a:r>
-            <a:r>
-              <a:rPr lang="en-US" sz="3200" dirty="0">
-                <a:solidFill>
-                  <a:srgbClr val="C00000"/>
-                </a:solidFill>
-                <a:latin typeface="Consolas" panose="020B0609020204030204" pitchFamily="49" charset="0"/>
-                <a:sym typeface="Consolas"/>
-              </a:rPr>
-              <a:t>. </a:t>
-            </a:r>
-            <a:r>
-              <a:rPr lang="en-US" sz="3200" dirty="0" err="1">
-                <a:solidFill>
-                  <a:srgbClr val="C00000"/>
-                </a:solidFill>
-                <a:latin typeface="Pragmatica" panose="020B0403040502020204"/>
-                <a:sym typeface="Consolas"/>
-              </a:rPr>
-              <a:t>Swith</a:t>
-            </a:r>
-            <a:r>
-              <a:rPr lang="en-US" sz="3200" dirty="0">
-                <a:solidFill>
-                  <a:srgbClr val="C00000"/>
-                </a:solidFill>
-                <a:latin typeface="Pragmatica" panose="020B0403040502020204"/>
-                <a:sym typeface="Consolas"/>
-              </a:rPr>
-              <a:t> the output to display in Excel</a:t>
-            </a:r>
-            <a:endParaRPr lang="en-US" sz="3200" dirty="0">
-              <a:solidFill>
-                <a:srgbClr val="C00000"/>
-              </a:solidFill>
-              <a:latin typeface="Consolas" panose="020B0609020204030204" pitchFamily="49" charset="0"/>
-              <a:sym typeface="Consolas"/>
-            </a:endParaRPr>
-          </a:p>
-          <a:p>
-            <a:pPr marL="685800" indent="-542925">
-              <a:lnSpc>
-                <a:spcPct val="115000"/>
-              </a:lnSpc>
-              <a:spcBef>
-                <a:spcPts val="1125"/>
-              </a:spcBef>
-              <a:buClr>
-                <a:srgbClr val="C00000"/>
-              </a:buClr>
-              <a:buSzPts val="2100"/>
-              <a:buFont typeface="Arial"/>
-              <a:buAutoNum type="arabicPeriod"/>
-            </a:pPr>
-            <a:r>
-              <a:rPr lang="en-US" sz="3200" dirty="0">
-                <a:solidFill>
-                  <a:srgbClr val="C00000"/>
-                </a:solidFill>
-                <a:latin typeface="Pragmatica" panose="020B0403040502020204"/>
-                <a:sym typeface="Consolas"/>
-              </a:rPr>
-              <a:t>Visualize relationship b/w bill length and body mass: run </a:t>
-            </a:r>
-            <a:r>
-              <a:rPr lang="en-US" sz="3200" dirty="0" err="1">
-                <a:solidFill>
-                  <a:srgbClr val="C00000"/>
-                </a:solidFill>
-                <a:latin typeface="Consolas" panose="020B0609020204030204" pitchFamily="49" charset="0"/>
-                <a:sym typeface="Consolas"/>
-              </a:rPr>
-              <a:t>sns.scatterplot</a:t>
-            </a:r>
-            <a:r>
-              <a:rPr lang="en-US" sz="3200" dirty="0">
-                <a:solidFill>
-                  <a:srgbClr val="C00000"/>
-                </a:solidFill>
-                <a:latin typeface="Consolas" panose="020B0609020204030204" pitchFamily="49" charset="0"/>
-                <a:sym typeface="Consolas"/>
-              </a:rPr>
-              <a:t>(x='</a:t>
-            </a:r>
-            <a:r>
-              <a:rPr lang="en-US" sz="3200" dirty="0" err="1">
-                <a:solidFill>
-                  <a:srgbClr val="C00000"/>
-                </a:solidFill>
-                <a:latin typeface="Consolas" panose="020B0609020204030204" pitchFamily="49" charset="0"/>
-                <a:sym typeface="Consolas"/>
-              </a:rPr>
-              <a:t>bill_length_mm</a:t>
-            </a:r>
-            <a:r>
-              <a:rPr lang="en-US" sz="3200" dirty="0">
-                <a:solidFill>
-                  <a:srgbClr val="C00000"/>
-                </a:solidFill>
-                <a:latin typeface="Consolas" panose="020B0609020204030204" pitchFamily="49" charset="0"/>
-                <a:sym typeface="Consolas"/>
-              </a:rPr>
-              <a:t>', y='</a:t>
-            </a:r>
-            <a:r>
-              <a:rPr lang="en-US" sz="3200" dirty="0" err="1">
-                <a:solidFill>
-                  <a:srgbClr val="C00000"/>
-                </a:solidFill>
-                <a:latin typeface="Consolas" panose="020B0609020204030204" pitchFamily="49" charset="0"/>
-                <a:sym typeface="Consolas"/>
-              </a:rPr>
-              <a:t>body_mass_g</a:t>
-            </a:r>
-            <a:r>
-              <a:rPr lang="en-US" sz="3200" dirty="0">
-                <a:solidFill>
-                  <a:srgbClr val="C00000"/>
-                </a:solidFill>
-                <a:latin typeface="Consolas" panose="020B0609020204030204" pitchFamily="49" charset="0"/>
-                <a:sym typeface="Consolas"/>
-              </a:rPr>
-              <a:t>', data=</a:t>
-            </a:r>
-            <a:r>
-              <a:rPr lang="en-US" sz="3200" dirty="0" err="1">
-                <a:solidFill>
-                  <a:srgbClr val="C00000"/>
-                </a:solidFill>
-                <a:latin typeface="Consolas" panose="020B0609020204030204" pitchFamily="49" charset="0"/>
-                <a:sym typeface="Consolas"/>
-              </a:rPr>
-              <a:t>penguins_df</a:t>
-            </a:r>
-            <a:r>
-              <a:rPr lang="en-US" sz="3200" dirty="0">
-                <a:solidFill>
-                  <a:srgbClr val="C00000"/>
-                </a:solidFill>
-                <a:latin typeface="Consolas" panose="020B0609020204030204" pitchFamily="49" charset="0"/>
-                <a:sym typeface="Consolas"/>
-              </a:rPr>
-              <a:t>). </a:t>
-            </a:r>
-            <a:r>
-              <a:rPr lang="en-US" sz="3200" dirty="0">
-                <a:solidFill>
-                  <a:srgbClr val="C00000"/>
-                </a:solidFill>
-                <a:latin typeface="Pragmatica" panose="020B0403040502020204"/>
-                <a:sym typeface="Consolas"/>
-              </a:rPr>
-              <a:t>Practice resizing this plot.</a:t>
-            </a:r>
-          </a:p>
-          <a:p>
-            <a:pPr marL="142875">
-              <a:lnSpc>
-                <a:spcPct val="115000"/>
-              </a:lnSpc>
-              <a:spcBef>
-                <a:spcPts val="1125"/>
-              </a:spcBef>
-              <a:buClr>
-                <a:srgbClr val="C00000"/>
-              </a:buClr>
-              <a:buSzPts val="2100"/>
-            </a:pPr>
-            <a:r>
-              <a:rPr lang="en-US" sz="3200" dirty="0">
-                <a:solidFill>
-                  <a:srgbClr val="C00000"/>
-                </a:solidFill>
-                <a:latin typeface="Pragmatica" panose="020B0403040502020204"/>
-                <a:sym typeface="Consolas"/>
-              </a:rPr>
-              <a:t>File: </a:t>
-            </a:r>
-            <a:r>
-              <a:rPr lang="en-US" sz="3200" dirty="0">
-                <a:solidFill>
-                  <a:srgbClr val="C00000"/>
-                </a:solidFill>
-                <a:latin typeface="Consolas" panose="020B0609020204030204" pitchFamily="49" charset="0"/>
-                <a:sym typeface="Consolas"/>
-              </a:rPr>
-              <a:t>python-excel-first-steps-exercise.xlsx</a:t>
-            </a:r>
-            <a:endParaRPr lang="en-US" sz="5400" dirty="0">
-              <a:solidFill>
-                <a:srgbClr val="CF3338"/>
-              </a:solidFill>
-              <a:latin typeface="Consolas" panose="020B0609020204030204" pitchFamily="49" charset="0"/>
-            </a:endParaRPr>
-          </a:p>
-          <a:p>
-            <a:endParaRPr lang="en-US" sz="6000" dirty="0">
-              <a:solidFill>
-                <a:srgbClr val="CF3338"/>
-              </a:solidFill>
-              <a:latin typeface="Pragmatica" panose="020B0403040502020204" pitchFamily="34" charset="0"/>
-            </a:endParaRPr>
-          </a:p>
-        </p:txBody>
-      </p:sp>
-    </p:spTree>
-    <p:extLst>
-      <p:ext uri="{BB962C8B-B14F-4D97-AF65-F5344CB8AC3E}">
-        <p14:creationId xmlns:p14="http://schemas.microsoft.com/office/powerpoint/2010/main" val="1696137355"/>
-      </p:ext>
-    </p:extLst>
-  </p:cSld>
-  <p:clrMapOvr>
-    <a:masterClrMapping/>
-  </p:clrMapOvr>
-</p:sld>
-</file>
-
-<file path=ppt/slides/slide23.xml><?xml version="1.0" encoding="utf-8"?>
+<file path=ppt/slides/slide19.xml><?xml version="1.0" encoding="utf-8"?>
 <p:sld xmlns:a="http://schemas.openxmlformats.org/drawingml/2006/main" xmlns:r="http://schemas.openxmlformats.org/officeDocument/2006/relationships" xmlns:p="http://schemas.openxmlformats.org/presentationml/2006/main">
   <p:cSld>
     <p:spTree>
@@ -8715,7 +7637,7 @@
     </p:spTree>
     <p:extLst>
       <p:ext uri="{BB962C8B-B14F-4D97-AF65-F5344CB8AC3E}">
-        <p14:creationId xmlns:p14="http://schemas.microsoft.com/office/powerpoint/2010/main" val="1689860732"/>
+        <p14:creationId xmlns:p14="http://schemas.microsoft.com/office/powerpoint/2010/main" val="3166451398"/>
       </p:ext>
     </p:extLst>
   </p:cSld>
@@ -8725,7 +7647,7 @@
 </p:sld>
 </file>
 
-<file path=ppt/slides/slide24.xml><?xml version="1.0" encoding="utf-8"?>
+<file path=ppt/slides/slide2.xml><?xml version="1.0" encoding="utf-8"?>
 <p:sld xmlns:a="http://schemas.openxmlformats.org/drawingml/2006/main" xmlns:r="http://schemas.openxmlformats.org/officeDocument/2006/relationships" xmlns:p="http://schemas.openxmlformats.org/presentationml/2006/main">
   <p:cSld>
     <p:spTree>
@@ -8797,7 +7719,7 @@
         <p:spPr>
           <a:xfrm>
             <a:off x="781292" y="590309"/>
-            <a:ext cx="15486926" cy="3139321"/>
+            <a:ext cx="15486926" cy="1615827"/>
           </a:xfrm>
           <a:prstGeom prst="rect">
             <a:avLst/>
@@ -8817,15 +7739,239 @@
                 </a:solidFill>
                 <a:latin typeface="Normafixed Tryout" panose="00000409000000000000" pitchFamily="49" charset="0"/>
               </a:rPr>
-              <a:t>2. From “that’s hard in Excel” to “that’s easy in Python”</a:t>
-            </a:r>
-          </a:p>
-        </p:txBody>
-      </p:sp>
+              <a:t>Hi, I’m George</a:t>
+            </a:r>
+          </a:p>
+        </p:txBody>
+      </p:sp>
+      <p:pic>
+        <p:nvPicPr>
+          <p:cNvPr id="3" name="Picture 4" descr="Advancing into Analytics Cover Image">
+            <a:extLst>
+              <a:ext uri="{FF2B5EF4-FFF2-40B4-BE49-F238E27FC236}">
+                <a16:creationId xmlns:a16="http://schemas.microsoft.com/office/drawing/2014/main" id="{588F684B-18EF-D76C-5F7B-15E4BAD60643}"/>
+              </a:ext>
+            </a:extLst>
+          </p:cNvPr>
+          <p:cNvPicPr>
+            <a:picLocks noChangeAspect="1" noChangeArrowheads="1"/>
+          </p:cNvPicPr>
+          <p:nvPr/>
+        </p:nvPicPr>
+        <p:blipFill>
+          <a:blip r:embed="rId3" cstate="print">
+            <a:extLst>
+              <a:ext uri="{28A0092B-C50C-407E-A947-70E740481C1C}">
+                <a14:useLocalDpi xmlns:a14="http://schemas.microsoft.com/office/drawing/2010/main" val="0"/>
+              </a:ext>
+            </a:extLst>
+          </a:blip>
+          <a:srcRect/>
+          <a:stretch>
+            <a:fillRect/>
+          </a:stretch>
+        </p:blipFill>
+        <p:spPr bwMode="auto">
+          <a:xfrm>
+            <a:off x="14060913" y="456356"/>
+            <a:ext cx="3646936" cy="4763344"/>
+          </a:xfrm>
+          <a:prstGeom prst="rect">
+            <a:avLst/>
+          </a:prstGeom>
+          <a:noFill/>
+          <a:extLst>
+            <a:ext uri="{909E8E84-426E-40DD-AFC4-6F175D3DCCD1}">
+              <a14:hiddenFill xmlns:a14="http://schemas.microsoft.com/office/drawing/2010/main">
+                <a:solidFill>
+                  <a:srgbClr val="FFFFFF"/>
+                </a:solidFill>
+              </a14:hiddenFill>
+            </a:ext>
+          </a:extLst>
+        </p:spPr>
+      </p:pic>
+      <p:pic>
+        <p:nvPicPr>
+          <p:cNvPr id="6" name="Picture 6" descr="Free photos of Cleveland">
+            <a:extLst>
+              <a:ext uri="{FF2B5EF4-FFF2-40B4-BE49-F238E27FC236}">
+                <a16:creationId xmlns:a16="http://schemas.microsoft.com/office/drawing/2014/main" id="{CBA53EEE-E3E1-D99E-A4DC-1C4DD2E6CE4A}"/>
+              </a:ext>
+            </a:extLst>
+          </p:cNvPr>
+          <p:cNvPicPr>
+            <a:picLocks noChangeAspect="1" noChangeArrowheads="1"/>
+          </p:cNvPicPr>
+          <p:nvPr/>
+        </p:nvPicPr>
+        <p:blipFill>
+          <a:blip r:embed="rId4" cstate="print">
+            <a:extLst>
+              <a:ext uri="{28A0092B-C50C-407E-A947-70E740481C1C}">
+                <a14:useLocalDpi xmlns:a14="http://schemas.microsoft.com/office/drawing/2010/main" val="0"/>
+              </a:ext>
+            </a:extLst>
+          </a:blip>
+          <a:srcRect/>
+          <a:stretch>
+            <a:fillRect/>
+          </a:stretch>
+        </p:blipFill>
+        <p:spPr bwMode="auto">
+          <a:xfrm>
+            <a:off x="1719601" y="2838028"/>
+            <a:ext cx="7531585" cy="5013211"/>
+          </a:xfrm>
+          <a:prstGeom prst="rect">
+            <a:avLst/>
+          </a:prstGeom>
+          <a:noFill/>
+          <a:extLst>
+            <a:ext uri="{909E8E84-426E-40DD-AFC4-6F175D3DCCD1}">
+              <a14:hiddenFill xmlns:a14="http://schemas.microsoft.com/office/drawing/2010/main">
+                <a:solidFill>
+                  <a:srgbClr val="FFFFFF"/>
+                </a:solidFill>
+              </a14:hiddenFill>
+            </a:ext>
+          </a:extLst>
+        </p:spPr>
+      </p:pic>
+      <p:pic>
+        <p:nvPicPr>
+          <p:cNvPr id="8" name="Picture 7" descr="Logo&#10;&#10;Description automatically generated">
+            <a:extLst>
+              <a:ext uri="{FF2B5EF4-FFF2-40B4-BE49-F238E27FC236}">
+                <a16:creationId xmlns:a16="http://schemas.microsoft.com/office/drawing/2014/main" id="{97E0F267-87DF-961E-1FAA-47FD4F27A5C6}"/>
+              </a:ext>
+            </a:extLst>
+          </p:cNvPr>
+          <p:cNvPicPr>
+            <a:picLocks noChangeAspect="1"/>
+          </p:cNvPicPr>
+          <p:nvPr/>
+        </p:nvPicPr>
+        <p:blipFill>
+          <a:blip r:embed="rId5" cstate="print">
+            <a:extLst>
+              <a:ext uri="{28A0092B-C50C-407E-A947-70E740481C1C}">
+                <a14:useLocalDpi xmlns:a14="http://schemas.microsoft.com/office/drawing/2010/main" val="0"/>
+              </a:ext>
+            </a:extLst>
+          </a:blip>
+          <a:stretch>
+            <a:fillRect/>
+          </a:stretch>
+        </p:blipFill>
+        <p:spPr>
+          <a:xfrm>
+            <a:off x="10336758" y="6210300"/>
+            <a:ext cx="7448309" cy="5462681"/>
+          </a:xfrm>
+          <a:prstGeom prst="rect">
+            <a:avLst/>
+          </a:prstGeom>
+        </p:spPr>
+      </p:pic>
+      <p:pic>
+        <p:nvPicPr>
+          <p:cNvPr id="1026" name="Picture 2" descr="Excel MVP Led Training - The Best Way to Learn Excel.">
+            <a:extLst>
+              <a:ext uri="{FF2B5EF4-FFF2-40B4-BE49-F238E27FC236}">
+                <a16:creationId xmlns:a16="http://schemas.microsoft.com/office/drawing/2014/main" id="{1541E3A8-702A-355A-01A5-FFB43F9DE736}"/>
+              </a:ext>
+            </a:extLst>
+          </p:cNvPr>
+          <p:cNvPicPr>
+            <a:picLocks noChangeAspect="1" noChangeArrowheads="1"/>
+          </p:cNvPicPr>
+          <p:nvPr/>
+        </p:nvPicPr>
+        <p:blipFill>
+          <a:blip r:embed="rId6">
+            <a:extLst>
+              <a:ext uri="{28A0092B-C50C-407E-A947-70E740481C1C}">
+                <a14:useLocalDpi xmlns:a14="http://schemas.microsoft.com/office/drawing/2010/main" val="0"/>
+              </a:ext>
+            </a:extLst>
+          </a:blip>
+          <a:srcRect/>
+          <a:stretch>
+            <a:fillRect/>
+          </a:stretch>
+        </p:blipFill>
+        <p:spPr bwMode="auto">
+          <a:xfrm>
+            <a:off x="1095268" y="8334375"/>
+            <a:ext cx="4028188" cy="1615827"/>
+          </a:xfrm>
+          <a:prstGeom prst="rect">
+            <a:avLst/>
+          </a:prstGeom>
+          <a:noFill/>
+          <a:extLst>
+            <a:ext uri="{909E8E84-426E-40DD-AFC4-6F175D3DCCD1}">
+              <a14:hiddenFill xmlns:a14="http://schemas.microsoft.com/office/drawing/2010/main">
+                <a:solidFill>
+                  <a:srgbClr val="FFFFFF"/>
+                </a:solidFill>
+              </a14:hiddenFill>
+            </a:ext>
+          </a:extLst>
+        </p:spPr>
+      </p:pic>
+      <p:pic>
+        <p:nvPicPr>
+          <p:cNvPr id="2" name="Picture 2" descr="Modern data analytics in Excel book cover">
+            <a:extLst>
+              <a:ext uri="{FF2B5EF4-FFF2-40B4-BE49-F238E27FC236}">
+                <a16:creationId xmlns:a16="http://schemas.microsoft.com/office/drawing/2014/main" id="{4561131B-5250-BD3D-CCD7-1AB4619C911E}"/>
+              </a:ext>
+            </a:extLst>
+          </p:cNvPr>
+          <p:cNvPicPr>
+            <a:picLocks noChangeAspect="1" noChangeArrowheads="1"/>
+          </p:cNvPicPr>
+          <p:nvPr/>
+        </p:nvPicPr>
+        <p:blipFill>
+          <a:blip r:embed="rId7">
+            <a:extLst>
+              <a:ext uri="{28A0092B-C50C-407E-A947-70E740481C1C}">
+                <a14:useLocalDpi xmlns:a14="http://schemas.microsoft.com/office/drawing/2010/main" val="0"/>
+              </a:ext>
+            </a:extLst>
+          </a:blip>
+          <a:srcRect/>
+          <a:stretch>
+            <a:fillRect/>
+          </a:stretch>
+        </p:blipFill>
+        <p:spPr bwMode="auto">
+          <a:xfrm>
+            <a:off x="10058401" y="2855703"/>
+            <a:ext cx="3513720" cy="4608272"/>
+          </a:xfrm>
+          <a:prstGeom prst="rect">
+            <a:avLst/>
+          </a:prstGeom>
+          <a:noFill/>
+          <a:extLst>
+            <a:ext uri="{909E8E84-426E-40DD-AFC4-6F175D3DCCD1}">
+              <a14:hiddenFill xmlns:a14="http://schemas.microsoft.com/office/drawing/2010/main">
+                <a:solidFill>
+                  <a:srgbClr val="FFFFFF"/>
+                </a:solidFill>
+              </a14:hiddenFill>
+            </a:ext>
+          </a:extLst>
+        </p:spPr>
+      </p:pic>
     </p:spTree>
     <p:extLst>
       <p:ext uri="{BB962C8B-B14F-4D97-AF65-F5344CB8AC3E}">
-        <p14:creationId xmlns:p14="http://schemas.microsoft.com/office/powerpoint/2010/main" val="2491588467"/>
+        <p14:creationId xmlns:p14="http://schemas.microsoft.com/office/powerpoint/2010/main" val="166785523"/>
       </p:ext>
     </p:extLst>
   </p:cSld>
@@ -8835,7 +7981,7 @@
 </p:sld>
 </file>
 
-<file path=ppt/slides/slide25.xml><?xml version="1.0" encoding="utf-8"?>
+<file path=ppt/slides/slide20.xml><?xml version="1.0" encoding="utf-8"?>
 <p:sld xmlns:a="http://schemas.openxmlformats.org/drawingml/2006/main" xmlns:r="http://schemas.openxmlformats.org/officeDocument/2006/relationships" xmlns:p="http://schemas.openxmlformats.org/presentationml/2006/main">
   <p:cSld>
     <p:spTree>
@@ -8867,7 +8013,9 @@
             <a:avLst/>
           </a:prstGeom>
           <a:solidFill>
-            <a:srgbClr val="CF3338"/>
+            <a:schemeClr val="bg1">
+              <a:lumMod val="50000"/>
+            </a:schemeClr>
           </a:solidFill>
           <a:ln>
             <a:noFill/>
@@ -8894,7 +8042,7 @@
           <a:lstStyle/>
           <a:p>
             <a:pPr algn="ctr"/>
-            <a:endParaRPr lang="en-US" sz="2700"/>
+            <a:endParaRPr lang="en-US" sz="2700" dirty="0"/>
           </a:p>
         </p:txBody>
       </p:sp>
@@ -8936,7 +8084,7 @@
         <p:spPr>
           <a:xfrm>
             <a:off x="260431" y="329879"/>
-            <a:ext cx="8906720" cy="10234084"/>
+            <a:ext cx="8906720" cy="5870390"/>
           </a:xfrm>
           <a:prstGeom prst="rect">
             <a:avLst/>
@@ -8951,19 +8099,13 @@
           <a:p>
             <a:r>
               <a:rPr lang="en-US" sz="6000" b="1" dirty="0">
-                <a:solidFill>
-                  <a:srgbClr val="CF3338"/>
-                </a:solidFill>
                 <a:latin typeface="Pragmatica" panose="020B0403040502020204" pitchFamily="34" charset="0"/>
               </a:rPr>
-              <a:t>From “that’s hard in Excel” to “that’s easy in Python” analysis</a:t>
+              <a:t>AI-Powered Excel RECAP</a:t>
             </a:r>
           </a:p>
           <a:p>
             <a:endParaRPr lang="en-US" sz="4200" dirty="0">
-              <a:solidFill>
-                <a:srgbClr val="CF3338"/>
-              </a:solidFill>
               <a:latin typeface="Pragmatica" panose="020B0403040502020204" pitchFamily="34" charset="0"/>
             </a:endParaRPr>
           </a:p>
@@ -8984,13 +8126,10 @@
             </a:pPr>
             <a:r>
               <a:rPr lang="en-US" sz="3600" dirty="0">
-                <a:solidFill>
-                  <a:srgbClr val="C00000"/>
-                </a:solidFill>
                 <a:latin typeface="Pragmatica" panose="020B0403040502020204"/>
                 <a:sym typeface="Consolas"/>
               </a:rPr>
-              <a:t>Data profiling: What is the shape, size, completeness?</a:t>
+              <a:t>AI in Excel learns over time – try adding more data</a:t>
             </a:r>
           </a:p>
           <a:p>
@@ -9010,13 +8149,10 @@
             </a:pPr>
             <a:r>
               <a:rPr lang="en-US" sz="3600" dirty="0">
-                <a:solidFill>
-                  <a:srgbClr val="C00000"/>
-                </a:solidFill>
                 <a:latin typeface="Pragmatica" panose="020B0403040502020204"/>
                 <a:sym typeface="Consolas"/>
               </a:rPr>
-              <a:t>Time series: pandas for panel data</a:t>
+              <a:t>When one algorithm doesn’t work, try another</a:t>
             </a:r>
           </a:p>
           <a:p>
@@ -9036,13 +8172,457 @@
             </a:pPr>
             <a:r>
               <a:rPr lang="en-US" sz="3600" dirty="0">
-                <a:solidFill>
-                  <a:srgbClr val="C00000"/>
-                </a:solidFill>
                 <a:latin typeface="Pragmatica" panose="020B0403040502020204"/>
                 <a:sym typeface="Consolas"/>
               </a:rPr>
-              <a:t>Descriptive statistics/EDA: What stories might be told in this data? </a:t>
+              <a:t>AI isn’t worth much without normalized, “tidy” datasets</a:t>
+            </a:r>
+          </a:p>
+        </p:txBody>
+      </p:sp>
+    </p:spTree>
+    <p:extLst>
+      <p:ext uri="{BB962C8B-B14F-4D97-AF65-F5344CB8AC3E}">
+        <p14:creationId xmlns:p14="http://schemas.microsoft.com/office/powerpoint/2010/main" val="1393172042"/>
+      </p:ext>
+    </p:extLst>
+  </p:cSld>
+  <p:clrMapOvr>
+    <a:masterClrMapping/>
+  </p:clrMapOvr>
+</p:sld>
+</file>
+
+<file path=ppt/slides/slide21.xml><?xml version="1.0" encoding="utf-8"?>
+<p:sld xmlns:a="http://schemas.openxmlformats.org/drawingml/2006/main" xmlns:r="http://schemas.openxmlformats.org/officeDocument/2006/relationships" xmlns:p="http://schemas.openxmlformats.org/presentationml/2006/main">
+  <p:cSld>
+    <p:spTree>
+      <p:nvGrpSpPr>
+        <p:cNvPr id="1" name=""/>
+        <p:cNvGrpSpPr/>
+        <p:nvPr/>
+      </p:nvGrpSpPr>
+      <p:grpSpPr>
+        <a:xfrm>
+          <a:off x="0" y="0"/>
+          <a:ext cx="0" cy="0"/>
+          <a:chOff x="0" y="0"/>
+          <a:chExt cx="0" cy="0"/>
+        </a:xfrm>
+      </p:grpSpPr>
+      <p:sp>
+        <p:nvSpPr>
+          <p:cNvPr id="4" name="Rectangle 3"/>
+          <p:cNvSpPr/>
+          <p:nvPr/>
+        </p:nvSpPr>
+        <p:spPr>
+          <a:xfrm>
+            <a:off x="0" y="0"/>
+            <a:ext cx="18288000" cy="10287000"/>
+          </a:xfrm>
+          <a:prstGeom prst="rect">
+            <a:avLst/>
+          </a:prstGeom>
+          <a:solidFill>
+            <a:schemeClr val="bg1">
+              <a:lumMod val="50000"/>
+            </a:schemeClr>
+          </a:solidFill>
+          <a:ln>
+            <a:noFill/>
+          </a:ln>
+        </p:spPr>
+        <p:style>
+          <a:lnRef idx="2">
+            <a:schemeClr val="accent1">
+              <a:shade val="50000"/>
+            </a:schemeClr>
+          </a:lnRef>
+          <a:fillRef idx="1">
+            <a:schemeClr val="accent1"/>
+          </a:fillRef>
+          <a:effectRef idx="0">
+            <a:schemeClr val="accent1"/>
+          </a:effectRef>
+          <a:fontRef idx="minor">
+            <a:schemeClr val="lt1"/>
+          </a:fontRef>
+        </p:style>
+        <p:txBody>
+          <a:bodyPr rtlCol="0" anchor="ctr"/>
+          <a:lstStyle/>
+          <a:p>
+            <a:pPr algn="ctr"/>
+            <a:endParaRPr lang="en-US" sz="2700"/>
+          </a:p>
+        </p:txBody>
+      </p:sp>
+      <p:sp>
+        <p:nvSpPr>
+          <p:cNvPr id="5" name="TextBox 4"/>
+          <p:cNvSpPr txBox="1"/>
+          <p:nvPr/>
+        </p:nvSpPr>
+        <p:spPr>
+          <a:xfrm>
+            <a:off x="781292" y="590309"/>
+            <a:ext cx="15486926" cy="1615827"/>
+          </a:xfrm>
+          <a:prstGeom prst="rect">
+            <a:avLst/>
+          </a:prstGeom>
+          <a:noFill/>
+        </p:spPr>
+        <p:txBody>
+          <a:bodyPr wrap="square" rtlCol="0">
+            <a:spAutoFit/>
+          </a:bodyPr>
+          <a:lstStyle/>
+          <a:p>
+            <a:r>
+              <a:rPr lang="en-US" sz="9900" b="1" dirty="0">
+                <a:solidFill>
+                  <a:schemeClr val="bg1"/>
+                </a:solidFill>
+                <a:latin typeface="Normafixed Tryout" panose="00000409000000000000"/>
+              </a:rPr>
+              <a:t>Python in Excel</a:t>
+            </a:r>
+          </a:p>
+        </p:txBody>
+      </p:sp>
+    </p:spTree>
+    <p:extLst>
+      <p:ext uri="{BB962C8B-B14F-4D97-AF65-F5344CB8AC3E}">
+        <p14:creationId xmlns:p14="http://schemas.microsoft.com/office/powerpoint/2010/main" val="1246066452"/>
+      </p:ext>
+    </p:extLst>
+  </p:cSld>
+  <p:clrMapOvr>
+    <a:masterClrMapping/>
+  </p:clrMapOvr>
+</p:sld>
+</file>
+
+<file path=ppt/slides/slide22.xml><?xml version="1.0" encoding="utf-8"?>
+<p:sld xmlns:a="http://schemas.openxmlformats.org/drawingml/2006/main" xmlns:r="http://schemas.openxmlformats.org/officeDocument/2006/relationships" xmlns:p="http://schemas.openxmlformats.org/presentationml/2006/main">
+  <p:cSld>
+    <p:spTree>
+      <p:nvGrpSpPr>
+        <p:cNvPr id="1" name=""/>
+        <p:cNvGrpSpPr/>
+        <p:nvPr/>
+      </p:nvGrpSpPr>
+      <p:grpSpPr>
+        <a:xfrm>
+          <a:off x="0" y="0"/>
+          <a:ext cx="0" cy="0"/>
+          <a:chOff x="0" y="0"/>
+          <a:chExt cx="0" cy="0"/>
+        </a:xfrm>
+      </p:grpSpPr>
+      <p:sp>
+        <p:nvSpPr>
+          <p:cNvPr id="4" name="Rectangle 3"/>
+          <p:cNvSpPr/>
+          <p:nvPr/>
+        </p:nvSpPr>
+        <p:spPr>
+          <a:xfrm>
+            <a:off x="0" y="0"/>
+            <a:ext cx="18288000" cy="10287000"/>
+          </a:xfrm>
+          <a:prstGeom prst="rect">
+            <a:avLst/>
+          </a:prstGeom>
+          <a:solidFill>
+            <a:srgbClr val="CF3338"/>
+          </a:solidFill>
+          <a:ln>
+            <a:noFill/>
+          </a:ln>
+        </p:spPr>
+        <p:style>
+          <a:lnRef idx="2">
+            <a:schemeClr val="accent1">
+              <a:shade val="50000"/>
+            </a:schemeClr>
+          </a:lnRef>
+          <a:fillRef idx="1">
+            <a:schemeClr val="accent1"/>
+          </a:fillRef>
+          <a:effectRef idx="0">
+            <a:schemeClr val="accent1"/>
+          </a:effectRef>
+          <a:fontRef idx="minor">
+            <a:schemeClr val="lt1"/>
+          </a:fontRef>
+        </p:style>
+        <p:txBody>
+          <a:bodyPr rtlCol="0" anchor="ctr"/>
+          <a:lstStyle/>
+          <a:p>
+            <a:pPr algn="ctr"/>
+            <a:endParaRPr lang="en-US" sz="2700"/>
+          </a:p>
+        </p:txBody>
+      </p:sp>
+      <p:sp>
+        <p:nvSpPr>
+          <p:cNvPr id="5" name="TextBox 4"/>
+          <p:cNvSpPr txBox="1"/>
+          <p:nvPr/>
+        </p:nvSpPr>
+        <p:spPr>
+          <a:xfrm>
+            <a:off x="781292" y="590309"/>
+            <a:ext cx="15486926" cy="1615827"/>
+          </a:xfrm>
+          <a:prstGeom prst="rect">
+            <a:avLst/>
+          </a:prstGeom>
+          <a:noFill/>
+        </p:spPr>
+        <p:txBody>
+          <a:bodyPr wrap="square" rtlCol="0">
+            <a:spAutoFit/>
+          </a:bodyPr>
+          <a:lstStyle/>
+          <a:p>
+            <a:r>
+              <a:rPr lang="en-US" sz="9900" b="1" dirty="0">
+                <a:solidFill>
+                  <a:schemeClr val="bg1"/>
+                </a:solidFill>
+                <a:latin typeface="Normafixed Tryout" panose="00000409000000000000" pitchFamily="49" charset="0"/>
+              </a:rPr>
+              <a:t>1. Python in Excel: First Steps</a:t>
+            </a:r>
+          </a:p>
+        </p:txBody>
+      </p:sp>
+    </p:spTree>
+    <p:extLst>
+      <p:ext uri="{BB962C8B-B14F-4D97-AF65-F5344CB8AC3E}">
+        <p14:creationId xmlns:p14="http://schemas.microsoft.com/office/powerpoint/2010/main" val="3953945792"/>
+      </p:ext>
+    </p:extLst>
+  </p:cSld>
+  <p:clrMapOvr>
+    <a:masterClrMapping/>
+  </p:clrMapOvr>
+</p:sld>
+</file>
+
+<file path=ppt/slides/slide23.xml><?xml version="1.0" encoding="utf-8"?>
+<p:sld xmlns:a="http://schemas.openxmlformats.org/drawingml/2006/main" xmlns:r="http://schemas.openxmlformats.org/officeDocument/2006/relationships" xmlns:p="http://schemas.openxmlformats.org/presentationml/2006/main">
+  <p:cSld>
+    <p:spTree>
+      <p:nvGrpSpPr>
+        <p:cNvPr id="1" name=""/>
+        <p:cNvGrpSpPr/>
+        <p:nvPr/>
+      </p:nvGrpSpPr>
+      <p:grpSpPr>
+        <a:xfrm>
+          <a:off x="0" y="0"/>
+          <a:ext cx="0" cy="0"/>
+          <a:chOff x="0" y="0"/>
+          <a:chExt cx="0" cy="0"/>
+        </a:xfrm>
+      </p:grpSpPr>
+      <p:sp>
+        <p:nvSpPr>
+          <p:cNvPr id="4" name="Rectangle 3"/>
+          <p:cNvSpPr/>
+          <p:nvPr/>
+        </p:nvSpPr>
+        <p:spPr>
+          <a:xfrm>
+            <a:off x="9861630" y="0"/>
+            <a:ext cx="8426370" cy="10287000"/>
+          </a:xfrm>
+          <a:prstGeom prst="rect">
+            <a:avLst/>
+          </a:prstGeom>
+          <a:solidFill>
+            <a:srgbClr val="CF3338"/>
+          </a:solidFill>
+          <a:ln>
+            <a:noFill/>
+          </a:ln>
+        </p:spPr>
+        <p:style>
+          <a:lnRef idx="2">
+            <a:schemeClr val="accent1">
+              <a:shade val="50000"/>
+            </a:schemeClr>
+          </a:lnRef>
+          <a:fillRef idx="1">
+            <a:schemeClr val="accent1"/>
+          </a:fillRef>
+          <a:effectRef idx="0">
+            <a:schemeClr val="accent1"/>
+          </a:effectRef>
+          <a:fontRef idx="minor">
+            <a:schemeClr val="lt1"/>
+          </a:fontRef>
+        </p:style>
+        <p:txBody>
+          <a:bodyPr rtlCol="0" anchor="ctr"/>
+          <a:lstStyle/>
+          <a:p>
+            <a:pPr algn="ctr"/>
+            <a:endParaRPr lang="en-US" sz="2700"/>
+          </a:p>
+        </p:txBody>
+      </p:sp>
+      <p:pic>
+        <p:nvPicPr>
+          <p:cNvPr id="2" name="Picture 1"/>
+          <p:cNvPicPr>
+            <a:picLocks noChangeAspect="1"/>
+          </p:cNvPicPr>
+          <p:nvPr/>
+        </p:nvPicPr>
+        <p:blipFill rotWithShape="1">
+          <a:blip r:embed="rId3">
+            <a:extLst>
+              <a:ext uri="{28A0092B-C50C-407E-A947-70E740481C1C}">
+                <a14:useLocalDpi xmlns:a14="http://schemas.microsoft.com/office/drawing/2010/main" val="0"/>
+              </a:ext>
+            </a:extLst>
+          </a:blip>
+          <a:srcRect l="69227" t="33418" r="20112" b="50548"/>
+          <a:stretch/>
+        </p:blipFill>
+        <p:spPr>
+          <a:xfrm>
+            <a:off x="15579524" y="7544693"/>
+            <a:ext cx="2708477" cy="2987579"/>
+          </a:xfrm>
+          <a:prstGeom prst="rect">
+            <a:avLst/>
+          </a:prstGeom>
+        </p:spPr>
+      </p:pic>
+      <p:sp>
+        <p:nvSpPr>
+          <p:cNvPr id="3" name="TextBox 2"/>
+          <p:cNvSpPr txBox="1"/>
+          <p:nvPr/>
+        </p:nvSpPr>
+        <p:spPr>
+          <a:xfrm>
+            <a:off x="260431" y="329879"/>
+            <a:ext cx="8906720" cy="7113229"/>
+          </a:xfrm>
+          <a:prstGeom prst="rect">
+            <a:avLst/>
+          </a:prstGeom>
+          <a:noFill/>
+        </p:spPr>
+        <p:txBody>
+          <a:bodyPr wrap="square" rtlCol="0">
+            <a:spAutoFit/>
+          </a:bodyPr>
+          <a:lstStyle/>
+          <a:p>
+            <a:r>
+              <a:rPr lang="en-US" sz="6000" b="1" dirty="0">
+                <a:solidFill>
+                  <a:srgbClr val="CF3338"/>
+                </a:solidFill>
+                <a:latin typeface="Pragmatica" panose="020B0403040502020204" pitchFamily="34" charset="0"/>
+              </a:rPr>
+              <a:t>Python in Excel: First steps</a:t>
+            </a:r>
+          </a:p>
+          <a:p>
+            <a:endParaRPr lang="en-US" sz="4200" dirty="0">
+              <a:solidFill>
+                <a:srgbClr val="CF3338"/>
+              </a:solidFill>
+              <a:latin typeface="Pragmatica" panose="020B0403040502020204" pitchFamily="34" charset="0"/>
+            </a:endParaRPr>
+          </a:p>
+          <a:p>
+            <a:pPr marL="685800" indent="-542925">
+              <a:lnSpc>
+                <a:spcPct val="115000"/>
+              </a:lnSpc>
+              <a:spcBef>
+                <a:spcPts val="1125"/>
+              </a:spcBef>
+              <a:buClr>
+                <a:srgbClr val="C00000"/>
+              </a:buClr>
+              <a:buSzPts val="2100"/>
+              <a:buFont typeface="Arial"/>
+              <a:buAutoNum type="arabicPeriod"/>
+            </a:pPr>
+            <a:r>
+              <a:rPr lang="en-US" sz="3600" dirty="0">
+                <a:solidFill>
+                  <a:srgbClr val="C00000"/>
+                </a:solidFill>
+                <a:latin typeface="Pragmatica" panose="020B0403040502020204"/>
+                <a:sym typeface="Consolas"/>
+              </a:rPr>
+              <a:t>Understanding the Python in Excel environment</a:t>
+            </a:r>
+          </a:p>
+          <a:p>
+            <a:pPr marL="685800" indent="-542925">
+              <a:lnSpc>
+                <a:spcPct val="115000"/>
+              </a:lnSpc>
+              <a:spcBef>
+                <a:spcPts val="1125"/>
+              </a:spcBef>
+              <a:buClr>
+                <a:srgbClr val="C00000"/>
+              </a:buClr>
+              <a:buSzPts val="2100"/>
+              <a:buFont typeface="Arial"/>
+              <a:buAutoNum type="arabicPeriod"/>
+            </a:pPr>
+            <a:r>
+              <a:rPr lang="en-US" sz="3600" dirty="0">
+                <a:solidFill>
+                  <a:srgbClr val="C00000"/>
+                </a:solidFill>
+                <a:latin typeface="Pragmatica" panose="020B0403040502020204"/>
+                <a:sym typeface="Consolas"/>
+              </a:rPr>
+              <a:t>Loading Excel data into Python</a:t>
+            </a:r>
+          </a:p>
+          <a:p>
+            <a:pPr marL="685800" indent="-542925">
+              <a:lnSpc>
+                <a:spcPct val="115000"/>
+              </a:lnSpc>
+              <a:spcBef>
+                <a:spcPts val="1125"/>
+              </a:spcBef>
+              <a:buClr>
+                <a:srgbClr val="C00000"/>
+              </a:buClr>
+              <a:buSzPts val="2100"/>
+              <a:buFont typeface="Arial"/>
+              <a:buAutoNum type="arabicPeriod"/>
+            </a:pPr>
+            <a:r>
+              <a:rPr lang="en-US" sz="3600" dirty="0">
+                <a:solidFill>
+                  <a:srgbClr val="C00000"/>
+                </a:solidFill>
+                <a:latin typeface="Pragmatica" panose="020B0403040502020204"/>
+                <a:sym typeface="Consolas"/>
+              </a:rPr>
+              <a:t>Converting Python objects to Excel values</a:t>
             </a:r>
           </a:p>
           <a:p>
@@ -9099,7 +8679,7 @@
                 <a:latin typeface="Consolas" panose="020B0609020204030204" pitchFamily="49" charset="0"/>
                 <a:sym typeface="Consolas"/>
               </a:rPr>
-              <a:t>hard-excel-easy-python-analysis.xlsx</a:t>
+              <a:t>python-excel-first-steps.xlsx</a:t>
             </a:r>
             <a:endParaRPr lang="en-US" sz="6000" dirty="0">
               <a:solidFill>
@@ -9121,7 +8701,7 @@
     </p:spTree>
     <p:extLst>
       <p:ext uri="{BB962C8B-B14F-4D97-AF65-F5344CB8AC3E}">
-        <p14:creationId xmlns:p14="http://schemas.microsoft.com/office/powerpoint/2010/main" val="2505051360"/>
+        <p14:creationId xmlns:p14="http://schemas.microsoft.com/office/powerpoint/2010/main" val="3871531779"/>
       </p:ext>
     </p:extLst>
   </p:cSld>
@@ -9131,12 +8711,18 @@
 </p:sld>
 </file>
 
-<file path=ppt/slides/slide26.xml><?xml version="1.0" encoding="utf-8"?>
+<file path=ppt/slides/slide24.xml><?xml version="1.0" encoding="utf-8"?>
 <p:sld xmlns:a="http://schemas.openxmlformats.org/drawingml/2006/main" xmlns:r="http://schemas.openxmlformats.org/officeDocument/2006/relationships" xmlns:p="http://schemas.openxmlformats.org/presentationml/2006/main">
   <p:cSld>
     <p:spTree>
       <p:nvGrpSpPr>
-        <p:cNvPr id="1" name=""/>
+        <p:cNvPr id="1" name="">
+          <a:extLst>
+            <a:ext uri="{FF2B5EF4-FFF2-40B4-BE49-F238E27FC236}">
+              <a16:creationId xmlns:a16="http://schemas.microsoft.com/office/drawing/2014/main" id="{41829F31-7D3D-8637-4364-EE44F333EBAD}"/>
+            </a:ext>
+          </a:extLst>
+        </p:cNvPr>
         <p:cNvGrpSpPr/>
         <p:nvPr/>
       </p:nvGrpSpPr>
@@ -9150,7 +8736,13 @@
       </p:grpSpPr>
       <p:sp>
         <p:nvSpPr>
-          <p:cNvPr id="4" name="Rectangle 3"/>
+          <p:cNvPr id="4" name="Rectangle 3">
+            <a:extLst>
+              <a:ext uri="{FF2B5EF4-FFF2-40B4-BE49-F238E27FC236}">
+                <a16:creationId xmlns:a16="http://schemas.microsoft.com/office/drawing/2014/main" id="{D7651FB2-73C2-0D93-0184-282838D2F1A6}"/>
+              </a:ext>
+            </a:extLst>
+          </p:cNvPr>
           <p:cNvSpPr/>
           <p:nvPr/>
         </p:nvSpPr>
@@ -9196,7 +8788,13 @@
       </p:sp>
       <p:pic>
         <p:nvPicPr>
-          <p:cNvPr id="2" name="Picture 1"/>
+          <p:cNvPr id="2" name="Picture 1">
+            <a:extLst>
+              <a:ext uri="{FF2B5EF4-FFF2-40B4-BE49-F238E27FC236}">
+                <a16:creationId xmlns:a16="http://schemas.microsoft.com/office/drawing/2014/main" id="{FC2BD2E9-2ADF-A29E-F050-8566794C3873}"/>
+              </a:ext>
+            </a:extLst>
+          </p:cNvPr>
           <p:cNvPicPr>
             <a:picLocks noChangeAspect="1"/>
           </p:cNvPicPr>
@@ -9225,14 +8823,20 @@
       </p:pic>
       <p:sp>
         <p:nvSpPr>
-          <p:cNvPr id="3" name="TextBox 2"/>
+          <p:cNvPr id="3" name="TextBox 2">
+            <a:extLst>
+              <a:ext uri="{FF2B5EF4-FFF2-40B4-BE49-F238E27FC236}">
+                <a16:creationId xmlns:a16="http://schemas.microsoft.com/office/drawing/2014/main" id="{A09F75D3-10EC-7243-1341-74B055CD36DD}"/>
+              </a:ext>
+            </a:extLst>
+          </p:cNvPr>
           <p:cNvSpPr txBox="1"/>
           <p:nvPr/>
         </p:nvSpPr>
         <p:spPr>
           <a:xfrm>
             <a:off x="260431" y="329879"/>
-            <a:ext cx="8906720" cy="8950655"/>
+            <a:ext cx="8906720" cy="10222286"/>
           </a:xfrm>
           <a:prstGeom prst="rect">
             <a:avLst/>
@@ -9252,81 +8856,23 @@
                 </a:solidFill>
                 <a:latin typeface="Pragmatica" panose="020B0403040502020204" pitchFamily="34" charset="0"/>
               </a:rPr>
-              <a:t>From “that’s hard in Excel” to “that’s easy in Python” analysis EXERCISE</a:t>
-            </a:r>
-          </a:p>
-          <a:p>
-            <a:pPr marL="142875">
-              <a:lnSpc>
-                <a:spcPct val="115000"/>
-              </a:lnSpc>
-              <a:spcBef>
-                <a:spcPts val="1125"/>
-              </a:spcBef>
-              <a:buClr>
-                <a:srgbClr val="C00000"/>
-              </a:buClr>
-              <a:buSzPts val="2100"/>
-            </a:pPr>
-            <a:endParaRPr lang="en-US" sz="3600" dirty="0">
+              <a:t>Python in Excel: First </a:t>
+            </a:r>
+            <a:r>
+              <a:rPr lang="en-US" sz="6000" b="1">
+                <a:solidFill>
+                  <a:srgbClr val="CF3338"/>
+                </a:solidFill>
+                <a:latin typeface="Pragmatica" panose="020B0403040502020204" pitchFamily="34" charset="0"/>
+              </a:rPr>
+              <a:t>steps EXERCISE</a:t>
+            </a:r>
+            <a:endParaRPr lang="en-US" sz="4200" dirty="0">
               <a:solidFill>
-                <a:srgbClr val="C00000"/>
+                <a:srgbClr val="CF3338"/>
               </a:solidFill>
-              <a:latin typeface="Pragmatica" panose="020B0403040502020204"/>
-              <a:sym typeface="Consolas"/>
+              <a:latin typeface="Pragmatica" panose="020B0403040502020204" pitchFamily="34" charset="0"/>
             </a:endParaRPr>
-          </a:p>
-          <a:p>
-            <a:pPr marL="714375" indent="-571500">
-              <a:lnSpc>
-                <a:spcPct val="115000"/>
-              </a:lnSpc>
-              <a:spcBef>
-                <a:spcPts val="1125"/>
-              </a:spcBef>
-              <a:buClr>
-                <a:srgbClr val="C00000"/>
-              </a:buClr>
-              <a:buSzPts val="2100"/>
-              <a:buFont typeface="Arial" panose="020B0604020202020204" pitchFamily="34" charset="0"/>
-              <a:buChar char="•"/>
-            </a:pPr>
-            <a:r>
-              <a:rPr lang="en-US" sz="3600" dirty="0">
-                <a:solidFill>
-                  <a:srgbClr val="C00000"/>
-                </a:solidFill>
-                <a:latin typeface="Pragmatica" panose="020B0403040502020204"/>
-                <a:sym typeface="Consolas"/>
-              </a:rPr>
-              <a:t>Explore relationship between sales, temperature, customer count over time</a:t>
-            </a:r>
-          </a:p>
-          <a:p>
-            <a:pPr marL="714375" indent="-571500">
-              <a:lnSpc>
-                <a:spcPct val="115000"/>
-              </a:lnSpc>
-              <a:spcBef>
-                <a:spcPts val="1125"/>
-              </a:spcBef>
-              <a:buClr>
-                <a:srgbClr val="C00000"/>
-              </a:buClr>
-              <a:buSzPts val="2100"/>
-              <a:buFont typeface="Arial" panose="020B0604020202020204" pitchFamily="34" charset="0"/>
-              <a:buChar char="•"/>
-            </a:pPr>
-            <a:r>
-              <a:rPr lang="en-US" sz="3600" dirty="0">
-                <a:solidFill>
-                  <a:srgbClr val="C00000"/>
-                </a:solidFill>
-                <a:latin typeface="Pragmatica" panose="020B0403040502020204"/>
-                <a:sym typeface="Consolas"/>
-              </a:rPr>
-              <a:t>Fill in the blanks to complete the code</a:t>
-            </a:r>
           </a:p>
           <a:p>
             <a:pPr marL="685800" indent="-542925">
@@ -9343,13 +8889,242 @@
               <a:buFont typeface="Arial"/>
               <a:buAutoNum type="arabicPeriod"/>
             </a:pPr>
-            <a:endParaRPr lang="en-US" sz="3600" dirty="0">
+            <a:r>
+              <a:rPr lang="en-US" sz="3200" dirty="0">
+                <a:solidFill>
+                  <a:srgbClr val="C00000"/>
+                </a:solidFill>
+                <a:latin typeface="Pragmatica" panose="020B0403040502020204"/>
+                <a:sym typeface="Consolas"/>
+              </a:rPr>
+              <a:t>Load the penguins dataset into a </a:t>
+            </a:r>
+            <a:r>
+              <a:rPr lang="en-US" sz="3200" dirty="0" err="1">
+                <a:solidFill>
+                  <a:srgbClr val="C00000"/>
+                </a:solidFill>
+                <a:latin typeface="Pragmatica" panose="020B0403040502020204"/>
+                <a:sym typeface="Consolas"/>
+              </a:rPr>
+              <a:t>DataFrame</a:t>
+            </a:r>
+            <a:r>
+              <a:rPr lang="en-US" sz="3200" dirty="0">
+                <a:solidFill>
+                  <a:srgbClr val="C00000"/>
+                </a:solidFill>
+                <a:latin typeface="Pragmatica" panose="020B0403040502020204"/>
+                <a:sym typeface="Consolas"/>
+              </a:rPr>
+              <a:t> called </a:t>
+            </a:r>
+            <a:r>
+              <a:rPr lang="en-US" sz="3200" dirty="0" err="1">
+                <a:solidFill>
+                  <a:srgbClr val="C00000"/>
+                </a:solidFill>
+                <a:latin typeface="Consolas" panose="020B0609020204030204" pitchFamily="49" charset="0"/>
+                <a:sym typeface="Consolas"/>
+              </a:rPr>
+              <a:t>penguins_df</a:t>
+            </a:r>
+            <a:endParaRPr lang="en-US" sz="3200" dirty="0">
               <a:solidFill>
                 <a:srgbClr val="C00000"/>
               </a:solidFill>
-              <a:latin typeface="Pragmatica" panose="020B0403040502020204"/>
+              <a:latin typeface="Consolas" panose="020B0609020204030204" pitchFamily="49" charset="0"/>
               <a:sym typeface="Consolas"/>
             </a:endParaRPr>
+          </a:p>
+          <a:p>
+            <a:pPr marL="685800" indent="-542925">
+              <a:lnSpc>
+                <a:spcPct val="115000"/>
+              </a:lnSpc>
+              <a:spcBef>
+                <a:spcPts val="1125"/>
+              </a:spcBef>
+              <a:buClr>
+                <a:srgbClr val="C00000"/>
+              </a:buClr>
+              <a:buSzPts val="2100"/>
+              <a:buFont typeface="Arial"/>
+              <a:buAutoNum type="arabicPeriod"/>
+            </a:pPr>
+            <a:r>
+              <a:rPr lang="en-US" sz="3200" dirty="0">
+                <a:solidFill>
+                  <a:srgbClr val="C00000"/>
+                </a:solidFill>
+                <a:latin typeface="Pragmatica" panose="020B0403040502020204"/>
+                <a:sym typeface="Consolas"/>
+              </a:rPr>
+              <a:t>Check the resulting dataset’s columns: run </a:t>
+            </a:r>
+            <a:r>
+              <a:rPr lang="en-US" sz="3200" dirty="0" err="1">
+                <a:solidFill>
+                  <a:srgbClr val="C00000"/>
+                </a:solidFill>
+                <a:latin typeface="Consolas" panose="020B0609020204030204" pitchFamily="49" charset="0"/>
+                <a:sym typeface="Consolas"/>
+              </a:rPr>
+              <a:t>penguins_df.columns</a:t>
+            </a:r>
+            <a:r>
+              <a:rPr lang="en-US" sz="3200" dirty="0">
+                <a:solidFill>
+                  <a:srgbClr val="C00000"/>
+                </a:solidFill>
+                <a:latin typeface="Consolas" panose="020B0609020204030204" pitchFamily="49" charset="0"/>
+                <a:sym typeface="Consolas"/>
+              </a:rPr>
+              <a:t>. </a:t>
+            </a:r>
+            <a:r>
+              <a:rPr lang="en-US" sz="3200" dirty="0" err="1">
+                <a:solidFill>
+                  <a:srgbClr val="C00000"/>
+                </a:solidFill>
+                <a:latin typeface="Pragmatica" panose="020B0403040502020204"/>
+                <a:sym typeface="Consolas"/>
+              </a:rPr>
+              <a:t>Swith</a:t>
+            </a:r>
+            <a:r>
+              <a:rPr lang="en-US" sz="3200" dirty="0">
+                <a:solidFill>
+                  <a:srgbClr val="C00000"/>
+                </a:solidFill>
+                <a:latin typeface="Pragmatica" panose="020B0403040502020204"/>
+                <a:sym typeface="Consolas"/>
+              </a:rPr>
+              <a:t> the output to display in Excel</a:t>
+            </a:r>
+            <a:endParaRPr lang="en-US" sz="3200" dirty="0">
+              <a:solidFill>
+                <a:srgbClr val="C00000"/>
+              </a:solidFill>
+              <a:latin typeface="Consolas" panose="020B0609020204030204" pitchFamily="49" charset="0"/>
+              <a:sym typeface="Consolas"/>
+            </a:endParaRPr>
+          </a:p>
+          <a:p>
+            <a:pPr marL="685800" indent="-542925">
+              <a:lnSpc>
+                <a:spcPct val="115000"/>
+              </a:lnSpc>
+              <a:spcBef>
+                <a:spcPts val="1125"/>
+              </a:spcBef>
+              <a:buClr>
+                <a:srgbClr val="C00000"/>
+              </a:buClr>
+              <a:buSzPts val="2100"/>
+              <a:buFont typeface="Arial"/>
+              <a:buAutoNum type="arabicPeriod"/>
+            </a:pPr>
+            <a:r>
+              <a:rPr lang="en-US" sz="3200" dirty="0">
+                <a:solidFill>
+                  <a:srgbClr val="C00000"/>
+                </a:solidFill>
+                <a:latin typeface="Pragmatica" panose="020B0403040502020204"/>
+                <a:sym typeface="Consolas"/>
+              </a:rPr>
+              <a:t>Visualize relationship b/w bill length and body mass: run </a:t>
+            </a:r>
+            <a:r>
+              <a:rPr lang="en-US" sz="3200" dirty="0" err="1">
+                <a:solidFill>
+                  <a:srgbClr val="C00000"/>
+                </a:solidFill>
+                <a:latin typeface="Consolas" panose="020B0609020204030204" pitchFamily="49" charset="0"/>
+                <a:sym typeface="Consolas"/>
+              </a:rPr>
+              <a:t>sns.scatterplot</a:t>
+            </a:r>
+            <a:r>
+              <a:rPr lang="en-US" sz="3200" dirty="0">
+                <a:solidFill>
+                  <a:srgbClr val="C00000"/>
+                </a:solidFill>
+                <a:latin typeface="Consolas" panose="020B0609020204030204" pitchFamily="49" charset="0"/>
+                <a:sym typeface="Consolas"/>
+              </a:rPr>
+              <a:t>(x='</a:t>
+            </a:r>
+            <a:r>
+              <a:rPr lang="en-US" sz="3200" dirty="0" err="1">
+                <a:solidFill>
+                  <a:srgbClr val="C00000"/>
+                </a:solidFill>
+                <a:latin typeface="Consolas" panose="020B0609020204030204" pitchFamily="49" charset="0"/>
+                <a:sym typeface="Consolas"/>
+              </a:rPr>
+              <a:t>bill_length_mm</a:t>
+            </a:r>
+            <a:r>
+              <a:rPr lang="en-US" sz="3200" dirty="0">
+                <a:solidFill>
+                  <a:srgbClr val="C00000"/>
+                </a:solidFill>
+                <a:latin typeface="Consolas" panose="020B0609020204030204" pitchFamily="49" charset="0"/>
+                <a:sym typeface="Consolas"/>
+              </a:rPr>
+              <a:t>', y='</a:t>
+            </a:r>
+            <a:r>
+              <a:rPr lang="en-US" sz="3200" dirty="0" err="1">
+                <a:solidFill>
+                  <a:srgbClr val="C00000"/>
+                </a:solidFill>
+                <a:latin typeface="Consolas" panose="020B0609020204030204" pitchFamily="49" charset="0"/>
+                <a:sym typeface="Consolas"/>
+              </a:rPr>
+              <a:t>body_mass_g</a:t>
+            </a:r>
+            <a:r>
+              <a:rPr lang="en-US" sz="3200" dirty="0">
+                <a:solidFill>
+                  <a:srgbClr val="C00000"/>
+                </a:solidFill>
+                <a:latin typeface="Consolas" panose="020B0609020204030204" pitchFamily="49" charset="0"/>
+                <a:sym typeface="Consolas"/>
+              </a:rPr>
+              <a:t>', data=</a:t>
+            </a:r>
+            <a:r>
+              <a:rPr lang="en-US" sz="3200" dirty="0" err="1">
+                <a:solidFill>
+                  <a:srgbClr val="C00000"/>
+                </a:solidFill>
+                <a:latin typeface="Consolas" panose="020B0609020204030204" pitchFamily="49" charset="0"/>
+                <a:sym typeface="Consolas"/>
+              </a:rPr>
+              <a:t>penguins_df</a:t>
+            </a:r>
+            <a:r>
+              <a:rPr lang="en-US" sz="3200" dirty="0">
+                <a:solidFill>
+                  <a:srgbClr val="C00000"/>
+                </a:solidFill>
+                <a:latin typeface="Consolas" panose="020B0609020204030204" pitchFamily="49" charset="0"/>
+                <a:sym typeface="Consolas"/>
+              </a:rPr>
+              <a:t>). </a:t>
+            </a:r>
+            <a:r>
+              <a:rPr lang="en-US" sz="3200" dirty="0">
+                <a:solidFill>
+                  <a:srgbClr val="C00000"/>
+                </a:solidFill>
+                <a:latin typeface="Pragmatica" panose="020B0403040502020204"/>
+                <a:sym typeface="Consolas"/>
+              </a:rPr>
+              <a:t>Practice resizing this plot.</a:t>
+            </a:r>
           </a:p>
           <a:p>
             <a:pPr marL="142875">
@@ -9365,7 +9140,7 @@
               <a:buSzPts val="2100"/>
             </a:pPr>
             <a:r>
-              <a:rPr lang="en-US" sz="3600" dirty="0">
+              <a:rPr lang="en-US" sz="3200" dirty="0">
                 <a:solidFill>
                   <a:srgbClr val="C00000"/>
                 </a:solidFill>
@@ -9375,16 +9150,16 @@
               <a:t>File: </a:t>
             </a:r>
             <a:r>
-              <a:rPr lang="en-US" sz="3600" dirty="0">
+              <a:rPr lang="en-US" sz="3200" dirty="0">
                 <a:solidFill>
                   <a:srgbClr val="C00000"/>
                 </a:solidFill>
                 <a:latin typeface="Consolas" panose="020B0609020204030204" pitchFamily="49" charset="0"/>
                 <a:sym typeface="Consolas"/>
               </a:rPr>
-              <a:t>hard-excel-easy-python-analysis-exercise.xlsx</a:t>
-            </a:r>
-            <a:endParaRPr lang="en-US" sz="6000" dirty="0">
+              <a:t>python-excel-first-steps-exercise.xlsx</a:t>
+            </a:r>
+            <a:endParaRPr lang="en-US" sz="5400" dirty="0">
               <a:solidFill>
                 <a:srgbClr val="CF3338"/>
               </a:solidFill>
@@ -9404,7 +9179,7 @@
     </p:spTree>
     <p:extLst>
       <p:ext uri="{BB962C8B-B14F-4D97-AF65-F5344CB8AC3E}">
-        <p14:creationId xmlns:p14="http://schemas.microsoft.com/office/powerpoint/2010/main" val="4027118445"/>
+        <p14:creationId xmlns:p14="http://schemas.microsoft.com/office/powerpoint/2010/main" val="1696137355"/>
       </p:ext>
     </p:extLst>
   </p:cSld>
@@ -9414,7 +9189,7 @@
 </p:sld>
 </file>
 
-<file path=ppt/slides/slide27.xml><?xml version="1.0" encoding="utf-8"?>
+<file path=ppt/slides/slide25.xml><?xml version="1.0" encoding="utf-8"?>
 <p:sld xmlns:a="http://schemas.openxmlformats.org/drawingml/2006/main" xmlns:r="http://schemas.openxmlformats.org/officeDocument/2006/relationships" xmlns:p="http://schemas.openxmlformats.org/presentationml/2006/main">
   <p:cSld>
     <p:spTree>
@@ -9562,7 +9337,413 @@
     </p:spTree>
     <p:extLst>
       <p:ext uri="{BB962C8B-B14F-4D97-AF65-F5344CB8AC3E}">
-        <p14:creationId xmlns:p14="http://schemas.microsoft.com/office/powerpoint/2010/main" val="2899625024"/>
+        <p14:creationId xmlns:p14="http://schemas.microsoft.com/office/powerpoint/2010/main" val="1689860732"/>
+      </p:ext>
+    </p:extLst>
+  </p:cSld>
+  <p:clrMapOvr>
+    <a:masterClrMapping/>
+  </p:clrMapOvr>
+</p:sld>
+</file>
+
+<file path=ppt/slides/slide26.xml><?xml version="1.0" encoding="utf-8"?>
+<p:sld xmlns:a="http://schemas.openxmlformats.org/drawingml/2006/main" xmlns:r="http://schemas.openxmlformats.org/officeDocument/2006/relationships" xmlns:p="http://schemas.openxmlformats.org/presentationml/2006/main">
+  <p:cSld>
+    <p:spTree>
+      <p:nvGrpSpPr>
+        <p:cNvPr id="1" name=""/>
+        <p:cNvGrpSpPr/>
+        <p:nvPr/>
+      </p:nvGrpSpPr>
+      <p:grpSpPr>
+        <a:xfrm>
+          <a:off x="0" y="0"/>
+          <a:ext cx="0" cy="0"/>
+          <a:chOff x="0" y="0"/>
+          <a:chExt cx="0" cy="0"/>
+        </a:xfrm>
+      </p:grpSpPr>
+      <p:sp>
+        <p:nvSpPr>
+          <p:cNvPr id="4" name="Rectangle 3"/>
+          <p:cNvSpPr/>
+          <p:nvPr/>
+        </p:nvSpPr>
+        <p:spPr>
+          <a:xfrm>
+            <a:off x="0" y="0"/>
+            <a:ext cx="18288000" cy="10287000"/>
+          </a:xfrm>
+          <a:prstGeom prst="rect">
+            <a:avLst/>
+          </a:prstGeom>
+          <a:solidFill>
+            <a:srgbClr val="CF3338"/>
+          </a:solidFill>
+          <a:ln>
+            <a:noFill/>
+          </a:ln>
+        </p:spPr>
+        <p:style>
+          <a:lnRef idx="2">
+            <a:schemeClr val="accent1">
+              <a:shade val="50000"/>
+            </a:schemeClr>
+          </a:lnRef>
+          <a:fillRef idx="1">
+            <a:schemeClr val="accent1"/>
+          </a:fillRef>
+          <a:effectRef idx="0">
+            <a:schemeClr val="accent1"/>
+          </a:effectRef>
+          <a:fontRef idx="minor">
+            <a:schemeClr val="lt1"/>
+          </a:fontRef>
+        </p:style>
+        <p:txBody>
+          <a:bodyPr rtlCol="0" anchor="ctr"/>
+          <a:lstStyle/>
+          <a:p>
+            <a:pPr algn="ctr"/>
+            <a:endParaRPr lang="en-US" sz="2700"/>
+          </a:p>
+        </p:txBody>
+      </p:sp>
+      <p:sp>
+        <p:nvSpPr>
+          <p:cNvPr id="5" name="TextBox 4"/>
+          <p:cNvSpPr txBox="1"/>
+          <p:nvPr/>
+        </p:nvSpPr>
+        <p:spPr>
+          <a:xfrm>
+            <a:off x="781292" y="590309"/>
+            <a:ext cx="15486926" cy="3139321"/>
+          </a:xfrm>
+          <a:prstGeom prst="rect">
+            <a:avLst/>
+          </a:prstGeom>
+          <a:noFill/>
+        </p:spPr>
+        <p:txBody>
+          <a:bodyPr wrap="square" rtlCol="0">
+            <a:spAutoFit/>
+          </a:bodyPr>
+          <a:lstStyle/>
+          <a:p>
+            <a:r>
+              <a:rPr lang="en-US" sz="9900" b="1" dirty="0">
+                <a:solidFill>
+                  <a:schemeClr val="bg1"/>
+                </a:solidFill>
+                <a:latin typeface="Normafixed Tryout" panose="00000409000000000000" pitchFamily="49" charset="0"/>
+              </a:rPr>
+              <a:t>2. From “that’s hard in Excel” to “that’s easy in Python”</a:t>
+            </a:r>
+          </a:p>
+        </p:txBody>
+      </p:sp>
+    </p:spTree>
+    <p:extLst>
+      <p:ext uri="{BB962C8B-B14F-4D97-AF65-F5344CB8AC3E}">
+        <p14:creationId xmlns:p14="http://schemas.microsoft.com/office/powerpoint/2010/main" val="2491588467"/>
+      </p:ext>
+    </p:extLst>
+  </p:cSld>
+  <p:clrMapOvr>
+    <a:masterClrMapping/>
+  </p:clrMapOvr>
+</p:sld>
+</file>
+
+<file path=ppt/slides/slide27.xml><?xml version="1.0" encoding="utf-8"?>
+<p:sld xmlns:a="http://schemas.openxmlformats.org/drawingml/2006/main" xmlns:r="http://schemas.openxmlformats.org/officeDocument/2006/relationships" xmlns:p="http://schemas.openxmlformats.org/presentationml/2006/main">
+  <p:cSld>
+    <p:spTree>
+      <p:nvGrpSpPr>
+        <p:cNvPr id="1" name=""/>
+        <p:cNvGrpSpPr/>
+        <p:nvPr/>
+      </p:nvGrpSpPr>
+      <p:grpSpPr>
+        <a:xfrm>
+          <a:off x="0" y="0"/>
+          <a:ext cx="0" cy="0"/>
+          <a:chOff x="0" y="0"/>
+          <a:chExt cx="0" cy="0"/>
+        </a:xfrm>
+      </p:grpSpPr>
+      <p:sp>
+        <p:nvSpPr>
+          <p:cNvPr id="4" name="Rectangle 3"/>
+          <p:cNvSpPr/>
+          <p:nvPr/>
+        </p:nvSpPr>
+        <p:spPr>
+          <a:xfrm>
+            <a:off x="9861630" y="0"/>
+            <a:ext cx="8426370" cy="10287000"/>
+          </a:xfrm>
+          <a:prstGeom prst="rect">
+            <a:avLst/>
+          </a:prstGeom>
+          <a:solidFill>
+            <a:srgbClr val="CF3338"/>
+          </a:solidFill>
+          <a:ln>
+            <a:noFill/>
+          </a:ln>
+        </p:spPr>
+        <p:style>
+          <a:lnRef idx="2">
+            <a:schemeClr val="accent1">
+              <a:shade val="50000"/>
+            </a:schemeClr>
+          </a:lnRef>
+          <a:fillRef idx="1">
+            <a:schemeClr val="accent1"/>
+          </a:fillRef>
+          <a:effectRef idx="0">
+            <a:schemeClr val="accent1"/>
+          </a:effectRef>
+          <a:fontRef idx="minor">
+            <a:schemeClr val="lt1"/>
+          </a:fontRef>
+        </p:style>
+        <p:txBody>
+          <a:bodyPr rtlCol="0" anchor="ctr"/>
+          <a:lstStyle/>
+          <a:p>
+            <a:pPr algn="ctr"/>
+            <a:endParaRPr lang="en-US" sz="2700"/>
+          </a:p>
+        </p:txBody>
+      </p:sp>
+      <p:pic>
+        <p:nvPicPr>
+          <p:cNvPr id="2" name="Picture 1"/>
+          <p:cNvPicPr>
+            <a:picLocks noChangeAspect="1"/>
+          </p:cNvPicPr>
+          <p:nvPr/>
+        </p:nvPicPr>
+        <p:blipFill rotWithShape="1">
+          <a:blip r:embed="rId3">
+            <a:extLst>
+              <a:ext uri="{28A0092B-C50C-407E-A947-70E740481C1C}">
+                <a14:useLocalDpi xmlns:a14="http://schemas.microsoft.com/office/drawing/2010/main" val="0"/>
+              </a:ext>
+            </a:extLst>
+          </a:blip>
+          <a:srcRect l="69227" t="33418" r="20112" b="50548"/>
+          <a:stretch/>
+        </p:blipFill>
+        <p:spPr>
+          <a:xfrm>
+            <a:off x="15579524" y="7544693"/>
+            <a:ext cx="2708477" cy="2987579"/>
+          </a:xfrm>
+          <a:prstGeom prst="rect">
+            <a:avLst/>
+          </a:prstGeom>
+        </p:spPr>
+      </p:pic>
+      <p:sp>
+        <p:nvSpPr>
+          <p:cNvPr id="3" name="TextBox 2"/>
+          <p:cNvSpPr txBox="1"/>
+          <p:nvPr/>
+        </p:nvSpPr>
+        <p:spPr>
+          <a:xfrm>
+            <a:off x="260431" y="329879"/>
+            <a:ext cx="8906720" cy="10234084"/>
+          </a:xfrm>
+          <a:prstGeom prst="rect">
+            <a:avLst/>
+          </a:prstGeom>
+          <a:noFill/>
+        </p:spPr>
+        <p:txBody>
+          <a:bodyPr wrap="square" rtlCol="0">
+            <a:spAutoFit/>
+          </a:bodyPr>
+          <a:lstStyle/>
+          <a:p>
+            <a:r>
+              <a:rPr lang="en-US" sz="6000" b="1" dirty="0">
+                <a:solidFill>
+                  <a:srgbClr val="CF3338"/>
+                </a:solidFill>
+                <a:latin typeface="Pragmatica" panose="020B0403040502020204" pitchFamily="34" charset="0"/>
+              </a:rPr>
+              <a:t>From “that’s hard in Excel” to “that’s easy in Python” analysis</a:t>
+            </a:r>
+          </a:p>
+          <a:p>
+            <a:endParaRPr lang="en-US" sz="4200" dirty="0">
+              <a:solidFill>
+                <a:srgbClr val="CF3338"/>
+              </a:solidFill>
+              <a:latin typeface="Pragmatica" panose="020B0403040502020204" pitchFamily="34" charset="0"/>
+            </a:endParaRPr>
+          </a:p>
+          <a:p>
+            <a:pPr marL="685800" indent="-542925">
+              <a:lnSpc>
+                <a:spcPct val="115000"/>
+              </a:lnSpc>
+              <a:spcBef>
+                <a:spcPts val="1125"/>
+              </a:spcBef>
+              <a:buClr>
+                <a:srgbClr val="C00000"/>
+              </a:buClr>
+              <a:buSzPts val="2100"/>
+              <a:buFont typeface="Arial"/>
+              <a:buAutoNum type="arabicPeriod"/>
+            </a:pPr>
+            <a:r>
+              <a:rPr lang="en-US" sz="3600" dirty="0">
+                <a:solidFill>
+                  <a:srgbClr val="C00000"/>
+                </a:solidFill>
+                <a:latin typeface="Pragmatica" panose="020B0403040502020204"/>
+                <a:sym typeface="Consolas"/>
+              </a:rPr>
+              <a:t>Data profiling: What is the shape, size, completeness?</a:t>
+            </a:r>
+          </a:p>
+          <a:p>
+            <a:pPr marL="685800" indent="-542925">
+              <a:lnSpc>
+                <a:spcPct val="115000"/>
+              </a:lnSpc>
+              <a:spcBef>
+                <a:spcPts val="1125"/>
+              </a:spcBef>
+              <a:buClr>
+                <a:srgbClr val="C00000"/>
+              </a:buClr>
+              <a:buSzPts val="2100"/>
+              <a:buFont typeface="Arial"/>
+              <a:buAutoNum type="arabicPeriod"/>
+            </a:pPr>
+            <a:r>
+              <a:rPr lang="en-US" sz="3600" dirty="0">
+                <a:solidFill>
+                  <a:srgbClr val="C00000"/>
+                </a:solidFill>
+                <a:latin typeface="Pragmatica" panose="020B0403040502020204"/>
+                <a:sym typeface="Consolas"/>
+              </a:rPr>
+              <a:t>Time series: pandas for panel data</a:t>
+            </a:r>
+          </a:p>
+          <a:p>
+            <a:pPr marL="685800" indent="-542925">
+              <a:lnSpc>
+                <a:spcPct val="115000"/>
+              </a:lnSpc>
+              <a:spcBef>
+                <a:spcPts val="1125"/>
+              </a:spcBef>
+              <a:buClr>
+                <a:srgbClr val="C00000"/>
+              </a:buClr>
+              <a:buSzPts val="2100"/>
+              <a:buFont typeface="Arial"/>
+              <a:buAutoNum type="arabicPeriod"/>
+            </a:pPr>
+            <a:r>
+              <a:rPr lang="en-US" sz="3600" dirty="0">
+                <a:solidFill>
+                  <a:srgbClr val="C00000"/>
+                </a:solidFill>
+                <a:latin typeface="Pragmatica" panose="020B0403040502020204"/>
+                <a:sym typeface="Consolas"/>
+              </a:rPr>
+              <a:t>Descriptive statistics/EDA: What stories might be told in this data? </a:t>
+            </a:r>
+          </a:p>
+          <a:p>
+            <a:pPr marL="685800" indent="-542925">
+              <a:lnSpc>
+                <a:spcPct val="115000"/>
+              </a:lnSpc>
+              <a:spcBef>
+                <a:spcPts val="1125"/>
+              </a:spcBef>
+              <a:buClr>
+                <a:srgbClr val="C00000"/>
+              </a:buClr>
+              <a:buSzPts val="2100"/>
+              <a:buFont typeface="Arial"/>
+              <a:buAutoNum type="arabicPeriod"/>
+            </a:pPr>
+            <a:endParaRPr lang="en-US" sz="3600" dirty="0">
+              <a:solidFill>
+                <a:srgbClr val="C00000"/>
+              </a:solidFill>
+              <a:latin typeface="Pragmatica" panose="020B0403040502020204"/>
+              <a:sym typeface="Consolas"/>
+            </a:endParaRPr>
+          </a:p>
+          <a:p>
+            <a:pPr marL="142875">
+              <a:lnSpc>
+                <a:spcPct val="115000"/>
+              </a:lnSpc>
+              <a:spcBef>
+                <a:spcPts val="1125"/>
+              </a:spcBef>
+              <a:buClr>
+                <a:srgbClr val="C00000"/>
+              </a:buClr>
+              <a:buSzPts val="2100"/>
+            </a:pPr>
+            <a:r>
+              <a:rPr lang="en-US" sz="3600" dirty="0">
+                <a:solidFill>
+                  <a:srgbClr val="C00000"/>
+                </a:solidFill>
+                <a:latin typeface="Pragmatica" panose="020B0403040502020204"/>
+                <a:sym typeface="Consolas"/>
+              </a:rPr>
+              <a:t>File: </a:t>
+            </a:r>
+            <a:r>
+              <a:rPr lang="en-US" sz="3600" dirty="0">
+                <a:solidFill>
+                  <a:srgbClr val="C00000"/>
+                </a:solidFill>
+                <a:latin typeface="Consolas" panose="020B0609020204030204" pitchFamily="49" charset="0"/>
+                <a:sym typeface="Consolas"/>
+              </a:rPr>
+              <a:t>hard-excel-easy-python-analysis.xlsx</a:t>
+            </a:r>
+            <a:endParaRPr lang="en-US" sz="6000" dirty="0">
+              <a:solidFill>
+                <a:srgbClr val="CF3338"/>
+              </a:solidFill>
+              <a:latin typeface="Consolas" panose="020B0609020204030204" pitchFamily="49" charset="0"/>
+            </a:endParaRPr>
+          </a:p>
+          <a:p>
+            <a:endParaRPr lang="en-US" sz="6000" dirty="0">
+              <a:solidFill>
+                <a:srgbClr val="CF3338"/>
+              </a:solidFill>
+              <a:latin typeface="Pragmatica" panose="020B0403040502020204" pitchFamily="34" charset="0"/>
+            </a:endParaRPr>
+          </a:p>
+        </p:txBody>
+      </p:sp>
+    </p:spTree>
+    <p:extLst>
+      <p:ext uri="{BB962C8B-B14F-4D97-AF65-F5344CB8AC3E}">
+        <p14:creationId xmlns:p14="http://schemas.microsoft.com/office/powerpoint/2010/main" val="2505051360"/>
       </p:ext>
     </p:extLst>
   </p:cSld>
@@ -9597,152 +9778,6 @@
         </p:nvSpPr>
         <p:spPr>
           <a:xfrm>
-            <a:off x="0" y="0"/>
-            <a:ext cx="18288000" cy="10287000"/>
-          </a:xfrm>
-          <a:prstGeom prst="rect">
-            <a:avLst/>
-          </a:prstGeom>
-          <a:solidFill>
-            <a:srgbClr val="CF3338"/>
-          </a:solidFill>
-          <a:ln>
-            <a:noFill/>
-          </a:ln>
-        </p:spPr>
-        <p:style>
-          <a:lnRef idx="2">
-            <a:schemeClr val="accent1">
-              <a:shade val="50000"/>
-            </a:schemeClr>
-          </a:lnRef>
-          <a:fillRef idx="1">
-            <a:schemeClr val="accent1"/>
-          </a:fillRef>
-          <a:effectRef idx="0">
-            <a:schemeClr val="accent1"/>
-          </a:effectRef>
-          <a:fontRef idx="minor">
-            <a:schemeClr val="lt1"/>
-          </a:fontRef>
-        </p:style>
-        <p:txBody>
-          <a:bodyPr rtlCol="0" anchor="ctr"/>
-          <a:lstStyle/>
-          <a:p>
-            <a:pPr algn="ctr"/>
-            <a:endParaRPr lang="en-US" sz="2700"/>
-          </a:p>
-        </p:txBody>
-      </p:sp>
-      <p:sp>
-        <p:nvSpPr>
-          <p:cNvPr id="5" name="TextBox 4"/>
-          <p:cNvSpPr txBox="1"/>
-          <p:nvPr/>
-        </p:nvSpPr>
-        <p:spPr>
-          <a:xfrm>
-            <a:off x="781292" y="590309"/>
-            <a:ext cx="15486926" cy="4662815"/>
-          </a:xfrm>
-          <a:prstGeom prst="rect">
-            <a:avLst/>
-          </a:prstGeom>
-          <a:noFill/>
-        </p:spPr>
-        <p:txBody>
-          <a:bodyPr wrap="square" rtlCol="0">
-            <a:spAutoFit/>
-          </a:bodyPr>
-          <a:lstStyle/>
-          <a:p>
-            <a:r>
-              <a:rPr lang="en-US" sz="9900" b="1" dirty="0">
-                <a:solidFill>
-                  <a:schemeClr val="bg1"/>
-                </a:solidFill>
-                <a:latin typeface="Normafixed Tryout" panose="00000409000000000000" pitchFamily="49" charset="0"/>
-              </a:rPr>
-              <a:t>3. There’s more to Python </a:t>
-            </a:r>
-            <a:r>
-              <a:rPr lang="en-US" sz="9900" b="1" i="1" dirty="0">
-                <a:solidFill>
-                  <a:schemeClr val="bg1"/>
-                </a:solidFill>
-                <a:latin typeface="Normafixed Tryout" panose="00000409000000000000" pitchFamily="49" charset="0"/>
-              </a:rPr>
-              <a:t>and </a:t>
-            </a:r>
-            <a:r>
-              <a:rPr lang="en-US" sz="9900" b="1" dirty="0">
-                <a:solidFill>
-                  <a:schemeClr val="bg1"/>
-                </a:solidFill>
-                <a:latin typeface="Normafixed Tryout" panose="00000409000000000000" pitchFamily="49" charset="0"/>
-              </a:rPr>
-              <a:t>Excel than Python </a:t>
-            </a:r>
-            <a:r>
-              <a:rPr lang="en-US" sz="9900" b="1" i="1" dirty="0">
-                <a:solidFill>
-                  <a:schemeClr val="bg1"/>
-                </a:solidFill>
-                <a:latin typeface="Normafixed Tryout" panose="00000409000000000000" pitchFamily="49" charset="0"/>
-              </a:rPr>
-              <a:t>in </a:t>
-            </a:r>
-            <a:r>
-              <a:rPr lang="en-US" sz="9900" b="1" dirty="0">
-                <a:solidFill>
-                  <a:schemeClr val="bg1"/>
-                </a:solidFill>
-                <a:latin typeface="Normafixed Tryout" panose="00000409000000000000" pitchFamily="49" charset="0"/>
-              </a:rPr>
-              <a:t>Excel</a:t>
-            </a:r>
-          </a:p>
-        </p:txBody>
-      </p:sp>
-    </p:spTree>
-    <p:extLst>
-      <p:ext uri="{BB962C8B-B14F-4D97-AF65-F5344CB8AC3E}">
-        <p14:creationId xmlns:p14="http://schemas.microsoft.com/office/powerpoint/2010/main" val="1915421395"/>
-      </p:ext>
-    </p:extLst>
-  </p:cSld>
-  <p:clrMapOvr>
-    <a:masterClrMapping/>
-  </p:clrMapOvr>
-</p:sld>
-</file>
-
-<file path=ppt/slides/slide29.xml><?xml version="1.0" encoding="utf-8"?>
-<p:sld xmlns:a="http://schemas.openxmlformats.org/drawingml/2006/main" xmlns:r="http://schemas.openxmlformats.org/officeDocument/2006/relationships" xmlns:p="http://schemas.openxmlformats.org/presentationml/2006/main">
-  <p:cSld>
-    <p:spTree>
-      <p:nvGrpSpPr>
-        <p:cNvPr id="1" name=""/>
-        <p:cNvGrpSpPr/>
-        <p:nvPr/>
-      </p:nvGrpSpPr>
-      <p:grpSpPr>
-        <a:xfrm>
-          <a:off x="0" y="0"/>
-          <a:ext cx="0" cy="0"/>
-          <a:chOff x="0" y="0"/>
-          <a:chExt cx="0" cy="0"/>
-        </a:xfrm>
-      </p:grpSpPr>
-      <p:sp>
-        <p:nvSpPr>
-          <p:cNvPr id="4" name="Rectangle 3"/>
-          <p:cNvSpPr/>
-          <p:nvPr/>
-        </p:nvSpPr>
-        <p:spPr>
-          <a:xfrm>
             <a:off x="9861630" y="0"/>
             <a:ext cx="8426370" cy="10287000"/>
           </a:xfrm>
@@ -9819,7 +9854,7 @@
         <p:spPr>
           <a:xfrm>
             <a:off x="260431" y="329879"/>
-            <a:ext cx="8906720" cy="9596986"/>
+            <a:ext cx="8906720" cy="8950655"/>
           </a:xfrm>
           <a:prstGeom prst="rect">
             <a:avLst/>
@@ -9839,55 +9874,11 @@
                 </a:solidFill>
                 <a:latin typeface="Pragmatica" panose="020B0403040502020204" pitchFamily="34" charset="0"/>
               </a:rPr>
-              <a:t>There’s more to Python </a:t>
-            </a:r>
-            <a:r>
-              <a:rPr lang="en-US" sz="6000" b="1" i="1" dirty="0">
-                <a:solidFill>
-                  <a:srgbClr val="CF3338"/>
-                </a:solidFill>
-                <a:latin typeface="Pragmatica" panose="020B0403040502020204" pitchFamily="34" charset="0"/>
-              </a:rPr>
-              <a:t>and</a:t>
-            </a:r>
-            <a:r>
-              <a:rPr lang="en-US" sz="6000" b="1" dirty="0">
-                <a:solidFill>
-                  <a:srgbClr val="CF3338"/>
-                </a:solidFill>
-                <a:latin typeface="Pragmatica" panose="020B0403040502020204" pitchFamily="34" charset="0"/>
-              </a:rPr>
-              <a:t> Excel than Python </a:t>
-            </a:r>
-            <a:r>
-              <a:rPr lang="en-US" sz="6000" b="1" i="1" dirty="0">
-                <a:solidFill>
-                  <a:srgbClr val="CF3338"/>
-                </a:solidFill>
-                <a:latin typeface="Pragmatica" panose="020B0403040502020204" pitchFamily="34" charset="0"/>
-              </a:rPr>
-              <a:t>in </a:t>
-            </a:r>
-            <a:r>
-              <a:rPr lang="en-US" sz="6000" b="1" dirty="0">
-                <a:solidFill>
-                  <a:srgbClr val="CF3338"/>
-                </a:solidFill>
-                <a:latin typeface="Pragmatica" panose="020B0403040502020204" pitchFamily="34" charset="0"/>
-              </a:rPr>
-              <a:t>Excel</a:t>
-            </a:r>
-          </a:p>
-          <a:p>
-            <a:endParaRPr lang="en-US" sz="4200" dirty="0">
-              <a:solidFill>
-                <a:srgbClr val="CF3338"/>
-              </a:solidFill>
-              <a:latin typeface="Pragmatica" panose="020B0403040502020204" pitchFamily="34" charset="0"/>
-            </a:endParaRPr>
-          </a:p>
-          <a:p>
-            <a:pPr marL="685800" indent="-542925">
+              <a:t>From “that’s hard in Excel” to “that’s easy in Python” analysis EXERCISE</a:t>
+            </a:r>
+          </a:p>
+          <a:p>
+            <a:pPr marL="142875">
               <a:lnSpc>
                 <a:spcPct val="115000"/>
               </a:lnSpc>
@@ -9898,22 +9889,17 @@
                 <a:srgbClr val="C00000"/>
               </a:buClr>
               <a:buSzPts val="2100"/>
-              <a:buFont typeface="Arial"/>
-              <a:buAutoNum type="arabicPeriod"/>
             </a:pPr>
-            <a:r>
-              <a:rPr lang="en-US" sz="3600" dirty="0">
-                <a:solidFill>
-                  <a:srgbClr val="C00000"/>
-                </a:solidFill>
-                <a:latin typeface="Pragmatica" panose="020B0403040502020204"/>
-                <a:sym typeface="Consolas"/>
-              </a:rPr>
-              <a:t>Python in Excel is all about data analysis, visualization, statistics &amp; ML</a:t>
-            </a:r>
-          </a:p>
-          <a:p>
-            <a:pPr marL="685800" indent="-542925">
+            <a:endParaRPr lang="en-US" sz="3600" dirty="0">
+              <a:solidFill>
+                <a:srgbClr val="C00000"/>
+              </a:solidFill>
+              <a:latin typeface="Pragmatica" panose="020B0403040502020204"/>
+              <a:sym typeface="Consolas"/>
+            </a:endParaRPr>
+          </a:p>
+          <a:p>
+            <a:pPr marL="714375" indent="-571500">
               <a:lnSpc>
                 <a:spcPct val="115000"/>
               </a:lnSpc>
@@ -9924,8 +9910,8 @@
                 <a:srgbClr val="C00000"/>
               </a:buClr>
               <a:buSzPts val="2100"/>
-              <a:buFont typeface="Arial"/>
-              <a:buAutoNum type="arabicPeriod"/>
+              <a:buFont typeface="Arial" panose="020B0604020202020204" pitchFamily="34" charset="0"/>
+              <a:buChar char="•"/>
             </a:pPr>
             <a:r>
               <a:rPr lang="en-US" sz="3600" dirty="0">
@@ -9935,11 +9921,11 @@
                 <a:latin typeface="Pragmatica" panose="020B0403040502020204"/>
                 <a:sym typeface="Consolas"/>
               </a:rPr>
-              <a:t>It lacks Excel automation capabilities</a:t>
-            </a:r>
-          </a:p>
-          <a:p>
-            <a:pPr marL="685800" indent="-542925">
+              <a:t>Explore relationship between sales, temperature, customer count over time</a:t>
+            </a:r>
+          </a:p>
+          <a:p>
+            <a:pPr marL="714375" indent="-571500">
               <a:lnSpc>
                 <a:spcPct val="115000"/>
               </a:lnSpc>
@@ -9950,8 +9936,8 @@
                 <a:srgbClr val="C00000"/>
               </a:buClr>
               <a:buSzPts val="2100"/>
-              <a:buFont typeface="Arial"/>
-              <a:buAutoNum type="arabicPeriod"/>
+              <a:buFont typeface="Arial" panose="020B0604020202020204" pitchFamily="34" charset="0"/>
+              <a:buChar char="•"/>
             </a:pPr>
             <a:r>
               <a:rPr lang="en-US" sz="3600" dirty="0">
@@ -9961,7 +9947,7 @@
                 <a:latin typeface="Pragmatica" panose="020B0403040502020204"/>
                 <a:sym typeface="Consolas"/>
               </a:rPr>
-              <a:t>Let’s automate an entire Excel workbook from Python… without opening Excel!</a:t>
+              <a:t>Fill in the blanks to complete the code</a:t>
             </a:r>
           </a:p>
           <a:p>
@@ -10011,14 +9997,14 @@
               <a:t>File: </a:t>
             </a:r>
             <a:r>
-              <a:rPr lang="en-US" sz="3600" dirty="0" err="1">
+              <a:rPr lang="en-US" sz="3600" dirty="0">
                 <a:solidFill>
                   <a:srgbClr val="C00000"/>
                 </a:solidFill>
                 <a:latin typeface="Consolas" panose="020B0609020204030204" pitchFamily="49" charset="0"/>
                 <a:sym typeface="Consolas"/>
               </a:rPr>
-              <a:t>pae-pie.ipynb</a:t>
+              <a:t>hard-excel-easy-python-analysis-exercise.xlsx</a:t>
             </a:r>
             <a:endParaRPr lang="en-US" sz="6000" dirty="0">
               <a:solidFill>
@@ -10040,7 +10026,7 @@
     </p:spTree>
     <p:extLst>
       <p:ext uri="{BB962C8B-B14F-4D97-AF65-F5344CB8AC3E}">
-        <p14:creationId xmlns:p14="http://schemas.microsoft.com/office/powerpoint/2010/main" val="2938274525"/>
+        <p14:creationId xmlns:p14="http://schemas.microsoft.com/office/powerpoint/2010/main" val="4027118445"/>
       </p:ext>
     </p:extLst>
   </p:cSld>
@@ -10050,550 +10036,7 @@
 </p:sld>
 </file>
 
-<file path=ppt/slides/slide3.xml><?xml version="1.0" encoding="utf-8"?>
-<p:sld xmlns:a="http://schemas.openxmlformats.org/drawingml/2006/main" xmlns:r="http://schemas.openxmlformats.org/officeDocument/2006/relationships" xmlns:p="http://schemas.openxmlformats.org/presentationml/2006/main">
-  <p:cSld>
-    <p:spTree>
-      <p:nvGrpSpPr>
-        <p:cNvPr id="1" name=""/>
-        <p:cNvGrpSpPr/>
-        <p:nvPr/>
-      </p:nvGrpSpPr>
-      <p:grpSpPr>
-        <a:xfrm>
-          <a:off x="0" y="0"/>
-          <a:ext cx="0" cy="0"/>
-          <a:chOff x="0" y="0"/>
-          <a:chExt cx="0" cy="0"/>
-        </a:xfrm>
-      </p:grpSpPr>
-      <p:sp>
-        <p:nvSpPr>
-          <p:cNvPr id="11" name="TextBox 10"/>
-          <p:cNvSpPr txBox="1"/>
-          <p:nvPr/>
-        </p:nvSpPr>
-        <p:spPr>
-          <a:xfrm>
-            <a:off x="520861" y="170082"/>
-            <a:ext cx="11979797" cy="1477328"/>
-          </a:xfrm>
-          <a:prstGeom prst="rect">
-            <a:avLst/>
-          </a:prstGeom>
-          <a:noFill/>
-        </p:spPr>
-        <p:txBody>
-          <a:bodyPr wrap="square" rtlCol="0">
-            <a:spAutoFit/>
-          </a:bodyPr>
-          <a:lstStyle/>
-          <a:p>
-            <a:r>
-              <a:rPr lang="en-US" sz="9000" dirty="0">
-                <a:latin typeface="Aliens &amp; cows" panose="00000500000000000000" pitchFamily="2" charset="0"/>
-              </a:rPr>
-              <a:t>Objectives for today</a:t>
-            </a:r>
-          </a:p>
-        </p:txBody>
-      </p:sp>
-      <p:sp>
-        <p:nvSpPr>
-          <p:cNvPr id="3" name="TextBox 2"/>
-          <p:cNvSpPr txBox="1"/>
-          <p:nvPr/>
-        </p:nvSpPr>
-        <p:spPr>
-          <a:xfrm>
-            <a:off x="520861" y="3191948"/>
-            <a:ext cx="14393120" cy="4154984"/>
-          </a:xfrm>
-          <a:prstGeom prst="rect">
-            <a:avLst/>
-          </a:prstGeom>
-          <a:noFill/>
-        </p:spPr>
-        <p:txBody>
-          <a:bodyPr wrap="square" rtlCol="0">
-            <a:spAutoFit/>
-          </a:bodyPr>
-          <a:lstStyle/>
-          <a:p>
-            <a:pPr marL="685800" indent="-685800">
-              <a:buClr>
-                <a:srgbClr val="CF3338"/>
-              </a:buClr>
-              <a:buFont typeface="Arial" panose="020B0604020202020204" pitchFamily="34" charset="0"/>
-              <a:buChar char="•"/>
-            </a:pPr>
-            <a:r>
-              <a:rPr lang="en-US" sz="4400" dirty="0">
-                <a:solidFill>
-                  <a:srgbClr val="646464"/>
-                </a:solidFill>
-                <a:highlight>
-                  <a:srgbClr val="F8F8F8"/>
-                </a:highlight>
-                <a:latin typeface="Plus Jakarta Display"/>
-              </a:rPr>
-              <a:t>B</a:t>
-            </a:r>
-            <a:r>
-              <a:rPr lang="en-US" sz="4400" b="0" i="0" dirty="0">
-                <a:solidFill>
-                  <a:srgbClr val="646464"/>
-                </a:solidFill>
-                <a:effectLst/>
-                <a:highlight>
-                  <a:srgbClr val="F8F8F8"/>
-                </a:highlight>
-                <a:latin typeface="Plus Jakarta Display"/>
-              </a:rPr>
-              <a:t>uild repeatable data cleaning workflows with Power Query</a:t>
-            </a:r>
-          </a:p>
-          <a:p>
-            <a:pPr marL="685800" indent="-685800">
-              <a:buClr>
-                <a:srgbClr val="CF3338"/>
-              </a:buClr>
-              <a:buFont typeface="Arial" panose="020B0604020202020204" pitchFamily="34" charset="0"/>
-              <a:buChar char="•"/>
-            </a:pPr>
-            <a:r>
-              <a:rPr lang="en-US" sz="4400" b="0" i="0" dirty="0">
-                <a:solidFill>
-                  <a:srgbClr val="646464"/>
-                </a:solidFill>
-                <a:effectLst/>
-                <a:highlight>
-                  <a:srgbClr val="F8F8F8"/>
-                </a:highlight>
-                <a:latin typeface="Plus Jakarta Display"/>
-              </a:rPr>
-              <a:t>Build relational data models and dashboards straight from Excel with Power Pivot</a:t>
-            </a:r>
-          </a:p>
-          <a:p>
-            <a:pPr marL="685800" indent="-685800">
-              <a:buClr>
-                <a:srgbClr val="CF3338"/>
-              </a:buClr>
-              <a:buFont typeface="Arial" panose="020B0604020202020204" pitchFamily="34" charset="0"/>
-              <a:buChar char="•"/>
-            </a:pPr>
-            <a:r>
-              <a:rPr lang="en-US" sz="4400" b="0" i="0" dirty="0">
-                <a:solidFill>
-                  <a:srgbClr val="646464"/>
-                </a:solidFill>
-                <a:effectLst/>
-                <a:highlight>
-                  <a:srgbClr val="F8F8F8"/>
-                </a:highlight>
-                <a:latin typeface="Plus Jakarta Display"/>
-              </a:rPr>
-              <a:t>Use new Excel features like dynamic array functions, AI-powered insights, and Python integration</a:t>
-            </a:r>
-            <a:endParaRPr lang="en-US" sz="4200" dirty="0">
-              <a:solidFill>
-                <a:srgbClr val="707070"/>
-              </a:solidFill>
-              <a:latin typeface="Pragmatica" panose="020B0403040502020204" pitchFamily="34" charset="0"/>
-            </a:endParaRPr>
-          </a:p>
-        </p:txBody>
-      </p:sp>
-      <p:pic>
-        <p:nvPicPr>
-          <p:cNvPr id="15" name="Picture 14" descr="A close up of a sign&#10;&#10;Description automatically generated">
-            <a:extLst>
-              <a:ext uri="{FF2B5EF4-FFF2-40B4-BE49-F238E27FC236}">
-                <a16:creationId xmlns:a16="http://schemas.microsoft.com/office/drawing/2014/main" id="{29761B90-A7DE-4A60-A915-F085BD87CAB4}"/>
-              </a:ext>
-            </a:extLst>
-          </p:cNvPr>
-          <p:cNvPicPr>
-            <a:picLocks noChangeAspect="1"/>
-          </p:cNvPicPr>
-          <p:nvPr/>
-        </p:nvPicPr>
-        <p:blipFill>
-          <a:blip r:embed="rId3">
-            <a:extLst>
-              <a:ext uri="{28A0092B-C50C-407E-A947-70E740481C1C}">
-                <a14:useLocalDpi xmlns:a14="http://schemas.microsoft.com/office/drawing/2010/main" val="0"/>
-              </a:ext>
-            </a:extLst>
-          </a:blip>
-          <a:stretch>
-            <a:fillRect/>
-          </a:stretch>
-        </p:blipFill>
-        <p:spPr>
-          <a:xfrm>
-            <a:off x="16341036" y="8058429"/>
-            <a:ext cx="1942857" cy="2228571"/>
-          </a:xfrm>
-          <a:prstGeom prst="rect">
-            <a:avLst/>
-          </a:prstGeom>
-        </p:spPr>
-      </p:pic>
-    </p:spTree>
-    <p:extLst>
-      <p:ext uri="{BB962C8B-B14F-4D97-AF65-F5344CB8AC3E}">
-        <p14:creationId xmlns:p14="http://schemas.microsoft.com/office/powerpoint/2010/main" val="3830029867"/>
-      </p:ext>
-    </p:extLst>
-  </p:cSld>
-  <p:clrMapOvr>
-    <a:masterClrMapping/>
-  </p:clrMapOvr>
-</p:sld>
-</file>
-
-<file path=ppt/slides/slide30.xml><?xml version="1.0" encoding="utf-8"?>
-<p:sld xmlns:a="http://schemas.openxmlformats.org/drawingml/2006/main" xmlns:r="http://schemas.openxmlformats.org/officeDocument/2006/relationships" xmlns:p="http://schemas.openxmlformats.org/presentationml/2006/main">
-  <p:cSld>
-    <p:spTree>
-      <p:nvGrpSpPr>
-        <p:cNvPr id="1" name=""/>
-        <p:cNvGrpSpPr/>
-        <p:nvPr/>
-      </p:nvGrpSpPr>
-      <p:grpSpPr>
-        <a:xfrm>
-          <a:off x="0" y="0"/>
-          <a:ext cx="0" cy="0"/>
-          <a:chOff x="0" y="0"/>
-          <a:chExt cx="0" cy="0"/>
-        </a:xfrm>
-      </p:grpSpPr>
-      <p:sp>
-        <p:nvSpPr>
-          <p:cNvPr id="4" name="Rectangle 3"/>
-          <p:cNvSpPr/>
-          <p:nvPr/>
-        </p:nvSpPr>
-        <p:spPr>
-          <a:xfrm>
-            <a:off x="9861630" y="0"/>
-            <a:ext cx="8426370" cy="10287000"/>
-          </a:xfrm>
-          <a:prstGeom prst="rect">
-            <a:avLst/>
-          </a:prstGeom>
-          <a:solidFill>
-            <a:srgbClr val="CF3338"/>
-          </a:solidFill>
-          <a:ln>
-            <a:noFill/>
-          </a:ln>
-        </p:spPr>
-        <p:style>
-          <a:lnRef idx="2">
-            <a:schemeClr val="accent1">
-              <a:shade val="50000"/>
-            </a:schemeClr>
-          </a:lnRef>
-          <a:fillRef idx="1">
-            <a:schemeClr val="accent1"/>
-          </a:fillRef>
-          <a:effectRef idx="0">
-            <a:schemeClr val="accent1"/>
-          </a:effectRef>
-          <a:fontRef idx="minor">
-            <a:schemeClr val="lt1"/>
-          </a:fontRef>
-        </p:style>
-        <p:txBody>
-          <a:bodyPr rtlCol="0" anchor="ctr"/>
-          <a:lstStyle/>
-          <a:p>
-            <a:pPr algn="ctr"/>
-            <a:endParaRPr lang="en-US" sz="2700"/>
-          </a:p>
-        </p:txBody>
-      </p:sp>
-      <p:pic>
-        <p:nvPicPr>
-          <p:cNvPr id="2" name="Picture 1"/>
-          <p:cNvPicPr>
-            <a:picLocks noChangeAspect="1"/>
-          </p:cNvPicPr>
-          <p:nvPr/>
-        </p:nvPicPr>
-        <p:blipFill rotWithShape="1">
-          <a:blip r:embed="rId3">
-            <a:extLst>
-              <a:ext uri="{28A0092B-C50C-407E-A947-70E740481C1C}">
-                <a14:useLocalDpi xmlns:a14="http://schemas.microsoft.com/office/drawing/2010/main" val="0"/>
-              </a:ext>
-            </a:extLst>
-          </a:blip>
-          <a:srcRect l="69227" t="33418" r="20112" b="50548"/>
-          <a:stretch/>
-        </p:blipFill>
-        <p:spPr>
-          <a:xfrm>
-            <a:off x="15579524" y="7544693"/>
-            <a:ext cx="2708477" cy="2987579"/>
-          </a:xfrm>
-          <a:prstGeom prst="rect">
-            <a:avLst/>
-          </a:prstGeom>
-        </p:spPr>
-      </p:pic>
-      <p:sp>
-        <p:nvSpPr>
-          <p:cNvPr id="3" name="TextBox 2"/>
-          <p:cNvSpPr txBox="1"/>
-          <p:nvPr/>
-        </p:nvSpPr>
-        <p:spPr>
-          <a:xfrm>
-            <a:off x="260431" y="329879"/>
-            <a:ext cx="8906720" cy="8313558"/>
-          </a:xfrm>
-          <a:prstGeom prst="rect">
-            <a:avLst/>
-          </a:prstGeom>
-          <a:noFill/>
-        </p:spPr>
-        <p:txBody>
-          <a:bodyPr wrap="square" rtlCol="0">
-            <a:spAutoFit/>
-          </a:bodyPr>
-          <a:lstStyle/>
-          <a:p>
-            <a:r>
-              <a:rPr lang="en-US" sz="6000" b="1" dirty="0">
-                <a:solidFill>
-                  <a:srgbClr val="CF3338"/>
-                </a:solidFill>
-                <a:latin typeface="Pragmatica" panose="020B0403040502020204" pitchFamily="34" charset="0"/>
-              </a:rPr>
-              <a:t>There’s more to Python </a:t>
-            </a:r>
-            <a:r>
-              <a:rPr lang="en-US" sz="6000" b="1" i="1" dirty="0">
-                <a:solidFill>
-                  <a:srgbClr val="CF3338"/>
-                </a:solidFill>
-                <a:latin typeface="Pragmatica" panose="020B0403040502020204" pitchFamily="34" charset="0"/>
-              </a:rPr>
-              <a:t>and</a:t>
-            </a:r>
-            <a:r>
-              <a:rPr lang="en-US" sz="6000" b="1" dirty="0">
-                <a:solidFill>
-                  <a:srgbClr val="CF3338"/>
-                </a:solidFill>
-                <a:latin typeface="Pragmatica" panose="020B0403040502020204" pitchFamily="34" charset="0"/>
-              </a:rPr>
-              <a:t> Excel than Python </a:t>
-            </a:r>
-            <a:r>
-              <a:rPr lang="en-US" sz="6000" b="1" i="1" dirty="0">
-                <a:solidFill>
-                  <a:srgbClr val="CF3338"/>
-                </a:solidFill>
-                <a:latin typeface="Pragmatica" panose="020B0403040502020204" pitchFamily="34" charset="0"/>
-              </a:rPr>
-              <a:t>in </a:t>
-            </a:r>
-            <a:r>
-              <a:rPr lang="en-US" sz="6000" b="1" dirty="0">
-                <a:solidFill>
-                  <a:srgbClr val="CF3338"/>
-                </a:solidFill>
-                <a:latin typeface="Pragmatica" panose="020B0403040502020204" pitchFamily="34" charset="0"/>
-              </a:rPr>
-              <a:t>Excel EXERCISE</a:t>
-            </a:r>
-          </a:p>
-          <a:p>
-            <a:pPr marL="142875">
-              <a:lnSpc>
-                <a:spcPct val="115000"/>
-              </a:lnSpc>
-              <a:spcBef>
-                <a:spcPts val="1125"/>
-              </a:spcBef>
-              <a:buClr>
-                <a:srgbClr val="C00000"/>
-              </a:buClr>
-              <a:buSzPts val="2100"/>
-            </a:pPr>
-            <a:endParaRPr lang="en-US" sz="3600" dirty="0">
-              <a:solidFill>
-                <a:srgbClr val="C00000"/>
-              </a:solidFill>
-              <a:latin typeface="Pragmatica" panose="020B0403040502020204"/>
-              <a:sym typeface="Consolas"/>
-            </a:endParaRPr>
-          </a:p>
-          <a:p>
-            <a:pPr marL="714375" indent="-571500">
-              <a:lnSpc>
-                <a:spcPct val="115000"/>
-              </a:lnSpc>
-              <a:spcBef>
-                <a:spcPts val="1125"/>
-              </a:spcBef>
-              <a:buClr>
-                <a:srgbClr val="C00000"/>
-              </a:buClr>
-              <a:buSzPts val="2100"/>
-              <a:buFont typeface="Arial" panose="020B0604020202020204" pitchFamily="34" charset="0"/>
-              <a:buChar char="•"/>
-            </a:pPr>
-            <a:r>
-              <a:rPr lang="en-US" sz="3600" dirty="0">
-                <a:solidFill>
-                  <a:srgbClr val="C00000"/>
-                </a:solidFill>
-                <a:latin typeface="Pragmatica" panose="020B0403040502020204"/>
-                <a:sym typeface="Consolas"/>
-              </a:rPr>
-              <a:t>Automate production of a workbook comparing website visitors versus rating</a:t>
-            </a:r>
-          </a:p>
-          <a:p>
-            <a:pPr marL="714375" indent="-571500">
-              <a:lnSpc>
-                <a:spcPct val="115000"/>
-              </a:lnSpc>
-              <a:spcBef>
-                <a:spcPts val="1125"/>
-              </a:spcBef>
-              <a:buClr>
-                <a:srgbClr val="C00000"/>
-              </a:buClr>
-              <a:buSzPts val="2100"/>
-              <a:buFont typeface="Arial" panose="020B0604020202020204" pitchFamily="34" charset="0"/>
-              <a:buChar char="•"/>
-            </a:pPr>
-            <a:r>
-              <a:rPr lang="en-US" sz="3600" dirty="0">
-                <a:solidFill>
-                  <a:srgbClr val="C00000"/>
-                </a:solidFill>
-                <a:latin typeface="Pragmatica" panose="020B0403040502020204"/>
-                <a:sym typeface="Consolas"/>
-              </a:rPr>
-              <a:t>Fill in the blanks to create the script</a:t>
-            </a:r>
-          </a:p>
-          <a:p>
-            <a:pPr marL="685800" indent="-542925">
-              <a:lnSpc>
-                <a:spcPct val="115000"/>
-              </a:lnSpc>
-              <a:spcBef>
-                <a:spcPts val="1125"/>
-              </a:spcBef>
-              <a:buClr>
-                <a:srgbClr val="C00000"/>
-              </a:buClr>
-              <a:buSzPts val="2100"/>
-              <a:buFont typeface="Arial"/>
-              <a:buAutoNum type="arabicPeriod"/>
-            </a:pPr>
-            <a:endParaRPr lang="en-US" sz="3600" dirty="0">
-              <a:solidFill>
-                <a:srgbClr val="C00000"/>
-              </a:solidFill>
-              <a:latin typeface="Pragmatica" panose="020B0403040502020204"/>
-              <a:sym typeface="Consolas"/>
-            </a:endParaRPr>
-          </a:p>
-          <a:p>
-            <a:pPr marL="142875">
-              <a:lnSpc>
-                <a:spcPct val="115000"/>
-              </a:lnSpc>
-              <a:spcBef>
-                <a:spcPts val="1125"/>
-              </a:spcBef>
-              <a:buClr>
-                <a:srgbClr val="C00000"/>
-              </a:buClr>
-              <a:buSzPts val="2100"/>
-            </a:pPr>
-            <a:r>
-              <a:rPr lang="en-US" sz="3600" dirty="0">
-                <a:solidFill>
-                  <a:srgbClr val="C00000"/>
-                </a:solidFill>
-                <a:latin typeface="Pragmatica" panose="020B0403040502020204"/>
-                <a:sym typeface="Consolas"/>
-              </a:rPr>
-              <a:t>File: </a:t>
-            </a:r>
-            <a:r>
-              <a:rPr lang="en-US" sz="3600" dirty="0" err="1">
-                <a:solidFill>
-                  <a:srgbClr val="C00000"/>
-                </a:solidFill>
-                <a:latin typeface="Consolas" panose="020B0609020204030204" pitchFamily="49" charset="0"/>
-                <a:sym typeface="Consolas"/>
-              </a:rPr>
-              <a:t>pae</a:t>
-            </a:r>
-            <a:r>
-              <a:rPr lang="en-US" sz="3600" dirty="0">
-                <a:solidFill>
-                  <a:srgbClr val="C00000"/>
-                </a:solidFill>
-                <a:latin typeface="Consolas" panose="020B0609020204030204" pitchFamily="49" charset="0"/>
-                <a:sym typeface="Consolas"/>
-              </a:rPr>
-              <a:t>-pie-</a:t>
-            </a:r>
-            <a:r>
-              <a:rPr lang="en-US" sz="3600" dirty="0" err="1">
-                <a:solidFill>
-                  <a:srgbClr val="C00000"/>
-                </a:solidFill>
-                <a:latin typeface="Consolas" panose="020B0609020204030204" pitchFamily="49" charset="0"/>
-                <a:sym typeface="Consolas"/>
-              </a:rPr>
-              <a:t>exercise.ipynb</a:t>
-            </a:r>
-            <a:endParaRPr lang="en-US" sz="6000" dirty="0">
-              <a:solidFill>
-                <a:srgbClr val="CF3338"/>
-              </a:solidFill>
-              <a:latin typeface="Consolas" panose="020B0609020204030204" pitchFamily="49" charset="0"/>
-            </a:endParaRPr>
-          </a:p>
-          <a:p>
-            <a:endParaRPr lang="en-US" sz="6000" dirty="0">
-              <a:solidFill>
-                <a:srgbClr val="CF3338"/>
-              </a:solidFill>
-              <a:latin typeface="Pragmatica" panose="020B0403040502020204" pitchFamily="34" charset="0"/>
-            </a:endParaRPr>
-          </a:p>
-        </p:txBody>
-      </p:sp>
-    </p:spTree>
-    <p:extLst>
-      <p:ext uri="{BB962C8B-B14F-4D97-AF65-F5344CB8AC3E}">
-        <p14:creationId xmlns:p14="http://schemas.microsoft.com/office/powerpoint/2010/main" val="2531284725"/>
-      </p:ext>
-    </p:extLst>
-  </p:cSld>
-  <p:clrMapOvr>
-    <a:masterClrMapping/>
-  </p:clrMapOvr>
-</p:sld>
-</file>
-
-<file path=ppt/slides/slide31.xml><?xml version="1.0" encoding="utf-8"?>
+<file path=ppt/slides/slide29.xml><?xml version="1.0" encoding="utf-8"?>
 <p:sld xmlns:a="http://schemas.openxmlformats.org/drawingml/2006/main" xmlns:r="http://schemas.openxmlformats.org/officeDocument/2006/relationships" xmlns:p="http://schemas.openxmlformats.org/presentationml/2006/main">
   <p:cSld>
     <p:spTree>
@@ -10741,7 +10184,689 @@
     </p:spTree>
     <p:extLst>
       <p:ext uri="{BB962C8B-B14F-4D97-AF65-F5344CB8AC3E}">
-        <p14:creationId xmlns:p14="http://schemas.microsoft.com/office/powerpoint/2010/main" val="59831101"/>
+        <p14:creationId xmlns:p14="http://schemas.microsoft.com/office/powerpoint/2010/main" val="2899625024"/>
+      </p:ext>
+    </p:extLst>
+  </p:cSld>
+  <p:clrMapOvr>
+    <a:masterClrMapping/>
+  </p:clrMapOvr>
+</p:sld>
+</file>
+
+<file path=ppt/slides/slide3.xml><?xml version="1.0" encoding="utf-8"?>
+<p:sld xmlns:a="http://schemas.openxmlformats.org/drawingml/2006/main" xmlns:r="http://schemas.openxmlformats.org/officeDocument/2006/relationships" xmlns:p="http://schemas.openxmlformats.org/presentationml/2006/main">
+  <p:cSld>
+    <p:spTree>
+      <p:nvGrpSpPr>
+        <p:cNvPr id="1" name=""/>
+        <p:cNvGrpSpPr/>
+        <p:nvPr/>
+      </p:nvGrpSpPr>
+      <p:grpSpPr>
+        <a:xfrm>
+          <a:off x="0" y="0"/>
+          <a:ext cx="0" cy="0"/>
+          <a:chOff x="0" y="0"/>
+          <a:chExt cx="0" cy="0"/>
+        </a:xfrm>
+      </p:grpSpPr>
+      <p:sp>
+        <p:nvSpPr>
+          <p:cNvPr id="11" name="TextBox 10"/>
+          <p:cNvSpPr txBox="1"/>
+          <p:nvPr/>
+        </p:nvSpPr>
+        <p:spPr>
+          <a:xfrm>
+            <a:off x="520861" y="170082"/>
+            <a:ext cx="11979797" cy="1477328"/>
+          </a:xfrm>
+          <a:prstGeom prst="rect">
+            <a:avLst/>
+          </a:prstGeom>
+          <a:noFill/>
+        </p:spPr>
+        <p:txBody>
+          <a:bodyPr wrap="square" rtlCol="0">
+            <a:spAutoFit/>
+          </a:bodyPr>
+          <a:lstStyle/>
+          <a:p>
+            <a:r>
+              <a:rPr lang="en-US" sz="9000" dirty="0">
+                <a:latin typeface="Aliens &amp; cows" panose="00000500000000000000" pitchFamily="2" charset="0"/>
+              </a:rPr>
+              <a:t>Objectives for today</a:t>
+            </a:r>
+          </a:p>
+        </p:txBody>
+      </p:sp>
+      <p:sp>
+        <p:nvSpPr>
+          <p:cNvPr id="3" name="TextBox 2"/>
+          <p:cNvSpPr txBox="1"/>
+          <p:nvPr/>
+        </p:nvSpPr>
+        <p:spPr>
+          <a:xfrm>
+            <a:off x="520861" y="3191948"/>
+            <a:ext cx="14393120" cy="4154984"/>
+          </a:xfrm>
+          <a:prstGeom prst="rect">
+            <a:avLst/>
+          </a:prstGeom>
+          <a:noFill/>
+        </p:spPr>
+        <p:txBody>
+          <a:bodyPr wrap="square" rtlCol="0">
+            <a:spAutoFit/>
+          </a:bodyPr>
+          <a:lstStyle/>
+          <a:p>
+            <a:pPr marL="685800" indent="-685800">
+              <a:buClr>
+                <a:srgbClr val="CF3338"/>
+              </a:buClr>
+              <a:buFont typeface="Arial" panose="020B0604020202020204" pitchFamily="34" charset="0"/>
+              <a:buChar char="•"/>
+            </a:pPr>
+            <a:r>
+              <a:rPr lang="en-US" sz="4400" dirty="0">
+                <a:solidFill>
+                  <a:srgbClr val="646464"/>
+                </a:solidFill>
+                <a:highlight>
+                  <a:srgbClr val="F8F8F8"/>
+                </a:highlight>
+                <a:latin typeface="Plus Jakarta Display"/>
+              </a:rPr>
+              <a:t>B</a:t>
+            </a:r>
+            <a:r>
+              <a:rPr lang="en-US" sz="4400" b="0" i="0" dirty="0">
+                <a:solidFill>
+                  <a:srgbClr val="646464"/>
+                </a:solidFill>
+                <a:effectLst/>
+                <a:highlight>
+                  <a:srgbClr val="F8F8F8"/>
+                </a:highlight>
+                <a:latin typeface="Plus Jakarta Display"/>
+              </a:rPr>
+              <a:t>uild repeatable data cleaning workflows with Power Query</a:t>
+            </a:r>
+          </a:p>
+          <a:p>
+            <a:pPr marL="685800" indent="-685800">
+              <a:buClr>
+                <a:srgbClr val="CF3338"/>
+              </a:buClr>
+              <a:buFont typeface="Arial" panose="020B0604020202020204" pitchFamily="34" charset="0"/>
+              <a:buChar char="•"/>
+            </a:pPr>
+            <a:r>
+              <a:rPr lang="en-US" sz="4400" b="0" i="0" dirty="0">
+                <a:solidFill>
+                  <a:srgbClr val="646464"/>
+                </a:solidFill>
+                <a:effectLst/>
+                <a:highlight>
+                  <a:srgbClr val="F8F8F8"/>
+                </a:highlight>
+                <a:latin typeface="Plus Jakarta Display"/>
+              </a:rPr>
+              <a:t>Build relational data models and dashboards straight from Excel with Power Pivot</a:t>
+            </a:r>
+          </a:p>
+          <a:p>
+            <a:pPr marL="685800" indent="-685800">
+              <a:buClr>
+                <a:srgbClr val="CF3338"/>
+              </a:buClr>
+              <a:buFont typeface="Arial" panose="020B0604020202020204" pitchFamily="34" charset="0"/>
+              <a:buChar char="•"/>
+            </a:pPr>
+            <a:r>
+              <a:rPr lang="en-US" sz="4400" b="0" i="0" dirty="0">
+                <a:solidFill>
+                  <a:srgbClr val="646464"/>
+                </a:solidFill>
+                <a:effectLst/>
+                <a:highlight>
+                  <a:srgbClr val="F8F8F8"/>
+                </a:highlight>
+                <a:latin typeface="Plus Jakarta Display"/>
+              </a:rPr>
+              <a:t>Use new Excel features like dynamic array functions, AI-powered insights, and Python integration</a:t>
+            </a:r>
+            <a:endParaRPr lang="en-US" sz="4200" dirty="0">
+              <a:solidFill>
+                <a:srgbClr val="707070"/>
+              </a:solidFill>
+              <a:latin typeface="Pragmatica" panose="020B0403040502020204" pitchFamily="34" charset="0"/>
+            </a:endParaRPr>
+          </a:p>
+        </p:txBody>
+      </p:sp>
+      <p:pic>
+        <p:nvPicPr>
+          <p:cNvPr id="15" name="Picture 14" descr="A close up of a sign&#10;&#10;Description automatically generated">
+            <a:extLst>
+              <a:ext uri="{FF2B5EF4-FFF2-40B4-BE49-F238E27FC236}">
+                <a16:creationId xmlns:a16="http://schemas.microsoft.com/office/drawing/2014/main" id="{29761B90-A7DE-4A60-A915-F085BD87CAB4}"/>
+              </a:ext>
+            </a:extLst>
+          </p:cNvPr>
+          <p:cNvPicPr>
+            <a:picLocks noChangeAspect="1"/>
+          </p:cNvPicPr>
+          <p:nvPr/>
+        </p:nvPicPr>
+        <p:blipFill>
+          <a:blip r:embed="rId3">
+            <a:extLst>
+              <a:ext uri="{28A0092B-C50C-407E-A947-70E740481C1C}">
+                <a14:useLocalDpi xmlns:a14="http://schemas.microsoft.com/office/drawing/2010/main" val="0"/>
+              </a:ext>
+            </a:extLst>
+          </a:blip>
+          <a:stretch>
+            <a:fillRect/>
+          </a:stretch>
+        </p:blipFill>
+        <p:spPr>
+          <a:xfrm>
+            <a:off x="16341036" y="8058429"/>
+            <a:ext cx="1942857" cy="2228571"/>
+          </a:xfrm>
+          <a:prstGeom prst="rect">
+            <a:avLst/>
+          </a:prstGeom>
+        </p:spPr>
+      </p:pic>
+    </p:spTree>
+    <p:extLst>
+      <p:ext uri="{BB962C8B-B14F-4D97-AF65-F5344CB8AC3E}">
+        <p14:creationId xmlns:p14="http://schemas.microsoft.com/office/powerpoint/2010/main" val="3830029867"/>
+      </p:ext>
+    </p:extLst>
+  </p:cSld>
+  <p:clrMapOvr>
+    <a:masterClrMapping/>
+  </p:clrMapOvr>
+</p:sld>
+</file>
+
+<file path=ppt/slides/slide30.xml><?xml version="1.0" encoding="utf-8"?>
+<p:sld xmlns:a="http://schemas.openxmlformats.org/drawingml/2006/main" xmlns:r="http://schemas.openxmlformats.org/officeDocument/2006/relationships" xmlns:p="http://schemas.openxmlformats.org/presentationml/2006/main">
+  <p:cSld>
+    <p:spTree>
+      <p:nvGrpSpPr>
+        <p:cNvPr id="1" name=""/>
+        <p:cNvGrpSpPr/>
+        <p:nvPr/>
+      </p:nvGrpSpPr>
+      <p:grpSpPr>
+        <a:xfrm>
+          <a:off x="0" y="0"/>
+          <a:ext cx="0" cy="0"/>
+          <a:chOff x="0" y="0"/>
+          <a:chExt cx="0" cy="0"/>
+        </a:xfrm>
+      </p:grpSpPr>
+      <p:sp>
+        <p:nvSpPr>
+          <p:cNvPr id="4" name="Rectangle 3"/>
+          <p:cNvSpPr/>
+          <p:nvPr/>
+        </p:nvSpPr>
+        <p:spPr>
+          <a:xfrm>
+            <a:off x="0" y="0"/>
+            <a:ext cx="18288000" cy="10287000"/>
+          </a:xfrm>
+          <a:prstGeom prst="rect">
+            <a:avLst/>
+          </a:prstGeom>
+          <a:solidFill>
+            <a:srgbClr val="CF3338"/>
+          </a:solidFill>
+          <a:ln>
+            <a:noFill/>
+          </a:ln>
+        </p:spPr>
+        <p:style>
+          <a:lnRef idx="2">
+            <a:schemeClr val="accent1">
+              <a:shade val="50000"/>
+            </a:schemeClr>
+          </a:lnRef>
+          <a:fillRef idx="1">
+            <a:schemeClr val="accent1"/>
+          </a:fillRef>
+          <a:effectRef idx="0">
+            <a:schemeClr val="accent1"/>
+          </a:effectRef>
+          <a:fontRef idx="minor">
+            <a:schemeClr val="lt1"/>
+          </a:fontRef>
+        </p:style>
+        <p:txBody>
+          <a:bodyPr rtlCol="0" anchor="ctr"/>
+          <a:lstStyle/>
+          <a:p>
+            <a:pPr algn="ctr"/>
+            <a:endParaRPr lang="en-US" sz="2700"/>
+          </a:p>
+        </p:txBody>
+      </p:sp>
+      <p:sp>
+        <p:nvSpPr>
+          <p:cNvPr id="5" name="TextBox 4"/>
+          <p:cNvSpPr txBox="1"/>
+          <p:nvPr/>
+        </p:nvSpPr>
+        <p:spPr>
+          <a:xfrm>
+            <a:off x="781292" y="590309"/>
+            <a:ext cx="15486926" cy="4662815"/>
+          </a:xfrm>
+          <a:prstGeom prst="rect">
+            <a:avLst/>
+          </a:prstGeom>
+          <a:noFill/>
+        </p:spPr>
+        <p:txBody>
+          <a:bodyPr wrap="square" rtlCol="0">
+            <a:spAutoFit/>
+          </a:bodyPr>
+          <a:lstStyle/>
+          <a:p>
+            <a:r>
+              <a:rPr lang="en-US" sz="9900" b="1" dirty="0">
+                <a:solidFill>
+                  <a:schemeClr val="bg1"/>
+                </a:solidFill>
+                <a:latin typeface="Normafixed Tryout" panose="00000409000000000000" pitchFamily="49" charset="0"/>
+              </a:rPr>
+              <a:t>3. There’s more to Python </a:t>
+            </a:r>
+            <a:r>
+              <a:rPr lang="en-US" sz="9900" b="1" i="1" dirty="0">
+                <a:solidFill>
+                  <a:schemeClr val="bg1"/>
+                </a:solidFill>
+                <a:latin typeface="Normafixed Tryout" panose="00000409000000000000" pitchFamily="49" charset="0"/>
+              </a:rPr>
+              <a:t>and </a:t>
+            </a:r>
+            <a:r>
+              <a:rPr lang="en-US" sz="9900" b="1" dirty="0">
+                <a:solidFill>
+                  <a:schemeClr val="bg1"/>
+                </a:solidFill>
+                <a:latin typeface="Normafixed Tryout" panose="00000409000000000000" pitchFamily="49" charset="0"/>
+              </a:rPr>
+              <a:t>Excel than Python </a:t>
+            </a:r>
+            <a:r>
+              <a:rPr lang="en-US" sz="9900" b="1" i="1" dirty="0">
+                <a:solidFill>
+                  <a:schemeClr val="bg1"/>
+                </a:solidFill>
+                <a:latin typeface="Normafixed Tryout" panose="00000409000000000000" pitchFamily="49" charset="0"/>
+              </a:rPr>
+              <a:t>in </a:t>
+            </a:r>
+            <a:r>
+              <a:rPr lang="en-US" sz="9900" b="1" dirty="0">
+                <a:solidFill>
+                  <a:schemeClr val="bg1"/>
+                </a:solidFill>
+                <a:latin typeface="Normafixed Tryout" panose="00000409000000000000" pitchFamily="49" charset="0"/>
+              </a:rPr>
+              <a:t>Excel</a:t>
+            </a:r>
+          </a:p>
+        </p:txBody>
+      </p:sp>
+    </p:spTree>
+    <p:extLst>
+      <p:ext uri="{BB962C8B-B14F-4D97-AF65-F5344CB8AC3E}">
+        <p14:creationId xmlns:p14="http://schemas.microsoft.com/office/powerpoint/2010/main" val="1915421395"/>
+      </p:ext>
+    </p:extLst>
+  </p:cSld>
+  <p:clrMapOvr>
+    <a:masterClrMapping/>
+  </p:clrMapOvr>
+</p:sld>
+</file>
+
+<file path=ppt/slides/slide31.xml><?xml version="1.0" encoding="utf-8"?>
+<p:sld xmlns:a="http://schemas.openxmlformats.org/drawingml/2006/main" xmlns:r="http://schemas.openxmlformats.org/officeDocument/2006/relationships" xmlns:p="http://schemas.openxmlformats.org/presentationml/2006/main">
+  <p:cSld>
+    <p:spTree>
+      <p:nvGrpSpPr>
+        <p:cNvPr id="1" name=""/>
+        <p:cNvGrpSpPr/>
+        <p:nvPr/>
+      </p:nvGrpSpPr>
+      <p:grpSpPr>
+        <a:xfrm>
+          <a:off x="0" y="0"/>
+          <a:ext cx="0" cy="0"/>
+          <a:chOff x="0" y="0"/>
+          <a:chExt cx="0" cy="0"/>
+        </a:xfrm>
+      </p:grpSpPr>
+      <p:sp>
+        <p:nvSpPr>
+          <p:cNvPr id="4" name="Rectangle 3"/>
+          <p:cNvSpPr/>
+          <p:nvPr/>
+        </p:nvSpPr>
+        <p:spPr>
+          <a:xfrm>
+            <a:off x="9861630" y="0"/>
+            <a:ext cx="8426370" cy="10287000"/>
+          </a:xfrm>
+          <a:prstGeom prst="rect">
+            <a:avLst/>
+          </a:prstGeom>
+          <a:solidFill>
+            <a:srgbClr val="CF3338"/>
+          </a:solidFill>
+          <a:ln>
+            <a:noFill/>
+          </a:ln>
+        </p:spPr>
+        <p:style>
+          <a:lnRef idx="2">
+            <a:schemeClr val="accent1">
+              <a:shade val="50000"/>
+            </a:schemeClr>
+          </a:lnRef>
+          <a:fillRef idx="1">
+            <a:schemeClr val="accent1"/>
+          </a:fillRef>
+          <a:effectRef idx="0">
+            <a:schemeClr val="accent1"/>
+          </a:effectRef>
+          <a:fontRef idx="minor">
+            <a:schemeClr val="lt1"/>
+          </a:fontRef>
+        </p:style>
+        <p:txBody>
+          <a:bodyPr rtlCol="0" anchor="ctr"/>
+          <a:lstStyle/>
+          <a:p>
+            <a:pPr algn="ctr"/>
+            <a:endParaRPr lang="en-US" sz="2700"/>
+          </a:p>
+        </p:txBody>
+      </p:sp>
+      <p:pic>
+        <p:nvPicPr>
+          <p:cNvPr id="2" name="Picture 1"/>
+          <p:cNvPicPr>
+            <a:picLocks noChangeAspect="1"/>
+          </p:cNvPicPr>
+          <p:nvPr/>
+        </p:nvPicPr>
+        <p:blipFill rotWithShape="1">
+          <a:blip r:embed="rId3">
+            <a:extLst>
+              <a:ext uri="{28A0092B-C50C-407E-A947-70E740481C1C}">
+                <a14:useLocalDpi xmlns:a14="http://schemas.microsoft.com/office/drawing/2010/main" val="0"/>
+              </a:ext>
+            </a:extLst>
+          </a:blip>
+          <a:srcRect l="69227" t="33418" r="20112" b="50548"/>
+          <a:stretch/>
+        </p:blipFill>
+        <p:spPr>
+          <a:xfrm>
+            <a:off x="15579524" y="7544693"/>
+            <a:ext cx="2708477" cy="2987579"/>
+          </a:xfrm>
+          <a:prstGeom prst="rect">
+            <a:avLst/>
+          </a:prstGeom>
+        </p:spPr>
+      </p:pic>
+      <p:sp>
+        <p:nvSpPr>
+          <p:cNvPr id="3" name="TextBox 2"/>
+          <p:cNvSpPr txBox="1"/>
+          <p:nvPr/>
+        </p:nvSpPr>
+        <p:spPr>
+          <a:xfrm>
+            <a:off x="260431" y="329879"/>
+            <a:ext cx="8906720" cy="9596986"/>
+          </a:xfrm>
+          <a:prstGeom prst="rect">
+            <a:avLst/>
+          </a:prstGeom>
+          <a:noFill/>
+        </p:spPr>
+        <p:txBody>
+          <a:bodyPr wrap="square" rtlCol="0">
+            <a:spAutoFit/>
+          </a:bodyPr>
+          <a:lstStyle/>
+          <a:p>
+            <a:r>
+              <a:rPr lang="en-US" sz="6000" b="1" dirty="0">
+                <a:solidFill>
+                  <a:srgbClr val="CF3338"/>
+                </a:solidFill>
+                <a:latin typeface="Pragmatica" panose="020B0403040502020204" pitchFamily="34" charset="0"/>
+              </a:rPr>
+              <a:t>There’s more to Python </a:t>
+            </a:r>
+            <a:r>
+              <a:rPr lang="en-US" sz="6000" b="1" i="1" dirty="0">
+                <a:solidFill>
+                  <a:srgbClr val="CF3338"/>
+                </a:solidFill>
+                <a:latin typeface="Pragmatica" panose="020B0403040502020204" pitchFamily="34" charset="0"/>
+              </a:rPr>
+              <a:t>and</a:t>
+            </a:r>
+            <a:r>
+              <a:rPr lang="en-US" sz="6000" b="1" dirty="0">
+                <a:solidFill>
+                  <a:srgbClr val="CF3338"/>
+                </a:solidFill>
+                <a:latin typeface="Pragmatica" panose="020B0403040502020204" pitchFamily="34" charset="0"/>
+              </a:rPr>
+              <a:t> Excel than Python </a:t>
+            </a:r>
+            <a:r>
+              <a:rPr lang="en-US" sz="6000" b="1" i="1" dirty="0">
+                <a:solidFill>
+                  <a:srgbClr val="CF3338"/>
+                </a:solidFill>
+                <a:latin typeface="Pragmatica" panose="020B0403040502020204" pitchFamily="34" charset="0"/>
+              </a:rPr>
+              <a:t>in </a:t>
+            </a:r>
+            <a:r>
+              <a:rPr lang="en-US" sz="6000" b="1" dirty="0">
+                <a:solidFill>
+                  <a:srgbClr val="CF3338"/>
+                </a:solidFill>
+                <a:latin typeface="Pragmatica" panose="020B0403040502020204" pitchFamily="34" charset="0"/>
+              </a:rPr>
+              <a:t>Excel</a:t>
+            </a:r>
+          </a:p>
+          <a:p>
+            <a:endParaRPr lang="en-US" sz="4200" dirty="0">
+              <a:solidFill>
+                <a:srgbClr val="CF3338"/>
+              </a:solidFill>
+              <a:latin typeface="Pragmatica" panose="020B0403040502020204" pitchFamily="34" charset="0"/>
+            </a:endParaRPr>
+          </a:p>
+          <a:p>
+            <a:pPr marL="685800" indent="-542925">
+              <a:lnSpc>
+                <a:spcPct val="115000"/>
+              </a:lnSpc>
+              <a:spcBef>
+                <a:spcPts val="1125"/>
+              </a:spcBef>
+              <a:buClr>
+                <a:srgbClr val="C00000"/>
+              </a:buClr>
+              <a:buSzPts val="2100"/>
+              <a:buFont typeface="Arial"/>
+              <a:buAutoNum type="arabicPeriod"/>
+            </a:pPr>
+            <a:r>
+              <a:rPr lang="en-US" sz="3600" dirty="0">
+                <a:solidFill>
+                  <a:srgbClr val="C00000"/>
+                </a:solidFill>
+                <a:latin typeface="Pragmatica" panose="020B0403040502020204"/>
+                <a:sym typeface="Consolas"/>
+              </a:rPr>
+              <a:t>Python in Excel is all about data analysis, visualization, statistics &amp; ML</a:t>
+            </a:r>
+          </a:p>
+          <a:p>
+            <a:pPr marL="685800" indent="-542925">
+              <a:lnSpc>
+                <a:spcPct val="115000"/>
+              </a:lnSpc>
+              <a:spcBef>
+                <a:spcPts val="1125"/>
+              </a:spcBef>
+              <a:buClr>
+                <a:srgbClr val="C00000"/>
+              </a:buClr>
+              <a:buSzPts val="2100"/>
+              <a:buFont typeface="Arial"/>
+              <a:buAutoNum type="arabicPeriod"/>
+            </a:pPr>
+            <a:r>
+              <a:rPr lang="en-US" sz="3600" dirty="0">
+                <a:solidFill>
+                  <a:srgbClr val="C00000"/>
+                </a:solidFill>
+                <a:latin typeface="Pragmatica" panose="020B0403040502020204"/>
+                <a:sym typeface="Consolas"/>
+              </a:rPr>
+              <a:t>It lacks Excel automation capabilities</a:t>
+            </a:r>
+          </a:p>
+          <a:p>
+            <a:pPr marL="685800" indent="-542925">
+              <a:lnSpc>
+                <a:spcPct val="115000"/>
+              </a:lnSpc>
+              <a:spcBef>
+                <a:spcPts val="1125"/>
+              </a:spcBef>
+              <a:buClr>
+                <a:srgbClr val="C00000"/>
+              </a:buClr>
+              <a:buSzPts val="2100"/>
+              <a:buFont typeface="Arial"/>
+              <a:buAutoNum type="arabicPeriod"/>
+            </a:pPr>
+            <a:r>
+              <a:rPr lang="en-US" sz="3600" dirty="0">
+                <a:solidFill>
+                  <a:srgbClr val="C00000"/>
+                </a:solidFill>
+                <a:latin typeface="Pragmatica" panose="020B0403040502020204"/>
+                <a:sym typeface="Consolas"/>
+              </a:rPr>
+              <a:t>Let’s automate an entire Excel workbook from Python… without opening Excel!</a:t>
+            </a:r>
+          </a:p>
+          <a:p>
+            <a:pPr marL="685800" indent="-542925">
+              <a:lnSpc>
+                <a:spcPct val="115000"/>
+              </a:lnSpc>
+              <a:spcBef>
+                <a:spcPts val="1125"/>
+              </a:spcBef>
+              <a:buClr>
+                <a:srgbClr val="C00000"/>
+              </a:buClr>
+              <a:buSzPts val="2100"/>
+              <a:buFont typeface="Arial"/>
+              <a:buAutoNum type="arabicPeriod"/>
+            </a:pPr>
+            <a:endParaRPr lang="en-US" sz="3600" dirty="0">
+              <a:solidFill>
+                <a:srgbClr val="C00000"/>
+              </a:solidFill>
+              <a:latin typeface="Pragmatica" panose="020B0403040502020204"/>
+              <a:sym typeface="Consolas"/>
+            </a:endParaRPr>
+          </a:p>
+          <a:p>
+            <a:pPr marL="142875">
+              <a:lnSpc>
+                <a:spcPct val="115000"/>
+              </a:lnSpc>
+              <a:spcBef>
+                <a:spcPts val="1125"/>
+              </a:spcBef>
+              <a:buClr>
+                <a:srgbClr val="C00000"/>
+              </a:buClr>
+              <a:buSzPts val="2100"/>
+            </a:pPr>
+            <a:r>
+              <a:rPr lang="en-US" sz="3600" dirty="0">
+                <a:solidFill>
+                  <a:srgbClr val="C00000"/>
+                </a:solidFill>
+                <a:latin typeface="Pragmatica" panose="020B0403040502020204"/>
+                <a:sym typeface="Consolas"/>
+              </a:rPr>
+              <a:t>File: </a:t>
+            </a:r>
+            <a:r>
+              <a:rPr lang="en-US" sz="3600" dirty="0" err="1">
+                <a:solidFill>
+                  <a:srgbClr val="C00000"/>
+                </a:solidFill>
+                <a:latin typeface="Consolas" panose="020B0609020204030204" pitchFamily="49" charset="0"/>
+                <a:sym typeface="Consolas"/>
+              </a:rPr>
+              <a:t>pae-pie.ipynb</a:t>
+            </a:r>
+            <a:endParaRPr lang="en-US" sz="6000" dirty="0">
+              <a:solidFill>
+                <a:srgbClr val="CF3338"/>
+              </a:solidFill>
+              <a:latin typeface="Consolas" panose="020B0609020204030204" pitchFamily="49" charset="0"/>
+            </a:endParaRPr>
+          </a:p>
+          <a:p>
+            <a:endParaRPr lang="en-US" sz="6000" dirty="0">
+              <a:solidFill>
+                <a:srgbClr val="CF3338"/>
+              </a:solidFill>
+              <a:latin typeface="Pragmatica" panose="020B0403040502020204" pitchFamily="34" charset="0"/>
+            </a:endParaRPr>
+          </a:p>
+        </p:txBody>
+      </p:sp>
+    </p:spTree>
+    <p:extLst>
+      <p:ext uri="{BB962C8B-B14F-4D97-AF65-F5344CB8AC3E}">
+        <p14:creationId xmlns:p14="http://schemas.microsoft.com/office/powerpoint/2010/main" val="2938274525"/>
       </p:ext>
     </p:extLst>
   </p:cSld>
@@ -10783,9 +10908,7 @@
             <a:avLst/>
           </a:prstGeom>
           <a:solidFill>
-            <a:schemeClr val="bg1">
-              <a:lumMod val="50000"/>
-            </a:schemeClr>
+            <a:srgbClr val="CF3338"/>
           </a:solidFill>
           <a:ln>
             <a:noFill/>
@@ -10812,7 +10935,7 @@
           <a:lstStyle/>
           <a:p>
             <a:pPr algn="ctr"/>
-            <a:endParaRPr lang="en-US" sz="2700" dirty="0"/>
+            <a:endParaRPr lang="en-US" sz="2700"/>
           </a:p>
         </p:txBody>
       </p:sp>
@@ -10854,7 +10977,7 @@
         <p:spPr>
           <a:xfrm>
             <a:off x="260431" y="329879"/>
-            <a:ext cx="8906720" cy="5870390"/>
+            <a:ext cx="8906720" cy="8313558"/>
           </a:xfrm>
           <a:prstGeom prst="rect">
             <a:avLst/>
@@ -10869,15 +10992,122 @@
           <a:p>
             <a:r>
               <a:rPr lang="en-US" sz="6000" b="1" dirty="0">
+                <a:solidFill>
+                  <a:srgbClr val="CF3338"/>
+                </a:solidFill>
                 <a:latin typeface="Pragmatica" panose="020B0403040502020204" pitchFamily="34" charset="0"/>
               </a:rPr>
-              <a:t>Python in Excel RECAP</a:t>
-            </a:r>
-          </a:p>
-          <a:p>
-            <a:endParaRPr lang="en-US" sz="4200" dirty="0">
-              <a:latin typeface="Pragmatica" panose="020B0403040502020204" pitchFamily="34" charset="0"/>
+              <a:t>There’s more to Python </a:t>
+            </a:r>
+            <a:r>
+              <a:rPr lang="en-US" sz="6000" b="1" i="1" dirty="0">
+                <a:solidFill>
+                  <a:srgbClr val="CF3338"/>
+                </a:solidFill>
+                <a:latin typeface="Pragmatica" panose="020B0403040502020204" pitchFamily="34" charset="0"/>
+              </a:rPr>
+              <a:t>and</a:t>
+            </a:r>
+            <a:r>
+              <a:rPr lang="en-US" sz="6000" b="1" dirty="0">
+                <a:solidFill>
+                  <a:srgbClr val="CF3338"/>
+                </a:solidFill>
+                <a:latin typeface="Pragmatica" panose="020B0403040502020204" pitchFamily="34" charset="0"/>
+              </a:rPr>
+              <a:t> Excel than Python </a:t>
+            </a:r>
+            <a:r>
+              <a:rPr lang="en-US" sz="6000" b="1" i="1" dirty="0">
+                <a:solidFill>
+                  <a:srgbClr val="CF3338"/>
+                </a:solidFill>
+                <a:latin typeface="Pragmatica" panose="020B0403040502020204" pitchFamily="34" charset="0"/>
+              </a:rPr>
+              <a:t>in </a:t>
+            </a:r>
+            <a:r>
+              <a:rPr lang="en-US" sz="6000" b="1" dirty="0">
+                <a:solidFill>
+                  <a:srgbClr val="CF3338"/>
+                </a:solidFill>
+                <a:latin typeface="Pragmatica" panose="020B0403040502020204" pitchFamily="34" charset="0"/>
+              </a:rPr>
+              <a:t>Excel EXERCISE</a:t>
+            </a:r>
+          </a:p>
+          <a:p>
+            <a:pPr marL="142875">
+              <a:lnSpc>
+                <a:spcPct val="115000"/>
+              </a:lnSpc>
+              <a:spcBef>
+                <a:spcPts val="1125"/>
+              </a:spcBef>
+              <a:buClr>
+                <a:srgbClr val="C00000"/>
+              </a:buClr>
+              <a:buSzPts val="2100"/>
+            </a:pPr>
+            <a:endParaRPr lang="en-US" sz="3600" dirty="0">
+              <a:solidFill>
+                <a:srgbClr val="C00000"/>
+              </a:solidFill>
+              <a:latin typeface="Pragmatica" panose="020B0403040502020204"/>
+              <a:sym typeface="Consolas"/>
             </a:endParaRPr>
+          </a:p>
+          <a:p>
+            <a:pPr marL="714375" indent="-571500">
+              <a:lnSpc>
+                <a:spcPct val="115000"/>
+              </a:lnSpc>
+              <a:spcBef>
+                <a:spcPts val="1125"/>
+              </a:spcBef>
+              <a:buClr>
+                <a:srgbClr val="C00000"/>
+              </a:buClr>
+              <a:buSzPts val="2100"/>
+              <a:buFont typeface="Arial" panose="020B0604020202020204" pitchFamily="34" charset="0"/>
+              <a:buChar char="•"/>
+            </a:pPr>
+            <a:r>
+              <a:rPr lang="en-US" sz="3600" dirty="0">
+                <a:solidFill>
+                  <a:srgbClr val="C00000"/>
+                </a:solidFill>
+                <a:latin typeface="Pragmatica" panose="020B0403040502020204"/>
+                <a:sym typeface="Consolas"/>
+              </a:rPr>
+              <a:t>Automate production of a workbook comparing website visitors versus rating</a:t>
+            </a:r>
+          </a:p>
+          <a:p>
+            <a:pPr marL="714375" indent="-571500">
+              <a:lnSpc>
+                <a:spcPct val="115000"/>
+              </a:lnSpc>
+              <a:spcBef>
+                <a:spcPts val="1125"/>
+              </a:spcBef>
+              <a:buClr>
+                <a:srgbClr val="C00000"/>
+              </a:buClr>
+              <a:buSzPts val="2100"/>
+              <a:buFont typeface="Arial" panose="020B0604020202020204" pitchFamily="34" charset="0"/>
+              <a:buChar char="•"/>
+            </a:pPr>
+            <a:r>
+              <a:rPr lang="en-US" sz="3600" dirty="0">
+                <a:solidFill>
+                  <a:srgbClr val="C00000"/>
+                </a:solidFill>
+                <a:latin typeface="Pragmatica" panose="020B0403040502020204"/>
+                <a:sym typeface="Consolas"/>
+              </a:rPr>
+              <a:t>Fill in the blanks to create the script</a:t>
+            </a:r>
           </a:p>
           <a:p>
             <a:pPr marL="685800" indent="-542925">
@@ -10894,13 +11124,382 @@
               <a:buFont typeface="Arial"/>
               <a:buAutoNum type="arabicPeriod"/>
             </a:pPr>
+            <a:endParaRPr lang="en-US" sz="3600" dirty="0">
+              <a:solidFill>
+                <a:srgbClr val="C00000"/>
+              </a:solidFill>
+              <a:latin typeface="Pragmatica" panose="020B0403040502020204"/>
+              <a:sym typeface="Consolas"/>
+            </a:endParaRPr>
+          </a:p>
+          <a:p>
+            <a:pPr marL="142875">
+              <a:lnSpc>
+                <a:spcPct val="115000"/>
+              </a:lnSpc>
+              <a:spcBef>
+                <a:spcPts val="1125"/>
+              </a:spcBef>
+              <a:buClr>
+                <a:srgbClr val="C00000"/>
+              </a:buClr>
+              <a:buSzPts val="2100"/>
+            </a:pPr>
             <a:r>
               <a:rPr lang="en-US" sz="3600" dirty="0">
+                <a:solidFill>
+                  <a:srgbClr val="C00000"/>
+                </a:solidFill>
                 <a:latin typeface="Pragmatica" panose="020B0403040502020204"/>
                 <a:sym typeface="Consolas"/>
               </a:rPr>
-              <a:t>Python can do some things easier – there’s a reason it’s in Excel now! </a:t>
-            </a:r>
+              <a:t>File: </a:t>
+            </a:r>
+            <a:r>
+              <a:rPr lang="en-US" sz="3600" dirty="0" err="1">
+                <a:solidFill>
+                  <a:srgbClr val="C00000"/>
+                </a:solidFill>
+                <a:latin typeface="Consolas" panose="020B0609020204030204" pitchFamily="49" charset="0"/>
+                <a:sym typeface="Consolas"/>
+              </a:rPr>
+              <a:t>pae</a:t>
+            </a:r>
+            <a:r>
+              <a:rPr lang="en-US" sz="3600" dirty="0">
+                <a:solidFill>
+                  <a:srgbClr val="C00000"/>
+                </a:solidFill>
+                <a:latin typeface="Consolas" panose="020B0609020204030204" pitchFamily="49" charset="0"/>
+                <a:sym typeface="Consolas"/>
+              </a:rPr>
+              <a:t>-pie-</a:t>
+            </a:r>
+            <a:r>
+              <a:rPr lang="en-US" sz="3600" dirty="0" err="1">
+                <a:solidFill>
+                  <a:srgbClr val="C00000"/>
+                </a:solidFill>
+                <a:latin typeface="Consolas" panose="020B0609020204030204" pitchFamily="49" charset="0"/>
+                <a:sym typeface="Consolas"/>
+              </a:rPr>
+              <a:t>exercise.ipynb</a:t>
+            </a:r>
+            <a:endParaRPr lang="en-US" sz="6000" dirty="0">
+              <a:solidFill>
+                <a:srgbClr val="CF3338"/>
+              </a:solidFill>
+              <a:latin typeface="Consolas" panose="020B0609020204030204" pitchFamily="49" charset="0"/>
+            </a:endParaRPr>
+          </a:p>
+          <a:p>
+            <a:endParaRPr lang="en-US" sz="6000" dirty="0">
+              <a:solidFill>
+                <a:srgbClr val="CF3338"/>
+              </a:solidFill>
+              <a:latin typeface="Pragmatica" panose="020B0403040502020204" pitchFamily="34" charset="0"/>
+            </a:endParaRPr>
+          </a:p>
+        </p:txBody>
+      </p:sp>
+    </p:spTree>
+    <p:extLst>
+      <p:ext uri="{BB962C8B-B14F-4D97-AF65-F5344CB8AC3E}">
+        <p14:creationId xmlns:p14="http://schemas.microsoft.com/office/powerpoint/2010/main" val="2531284725"/>
+      </p:ext>
+    </p:extLst>
+  </p:cSld>
+  <p:clrMapOvr>
+    <a:masterClrMapping/>
+  </p:clrMapOvr>
+</p:sld>
+</file>
+
+<file path=ppt/slides/slide33.xml><?xml version="1.0" encoding="utf-8"?>
+<p:sld xmlns:a="http://schemas.openxmlformats.org/drawingml/2006/main" xmlns:r="http://schemas.openxmlformats.org/officeDocument/2006/relationships" xmlns:p="http://schemas.openxmlformats.org/presentationml/2006/main">
+  <p:cSld>
+    <p:spTree>
+      <p:nvGrpSpPr>
+        <p:cNvPr id="1" name=""/>
+        <p:cNvGrpSpPr/>
+        <p:nvPr/>
+      </p:nvGrpSpPr>
+      <p:grpSpPr>
+        <a:xfrm>
+          <a:off x="0" y="0"/>
+          <a:ext cx="0" cy="0"/>
+          <a:chOff x="0" y="0"/>
+          <a:chExt cx="0" cy="0"/>
+        </a:xfrm>
+      </p:grpSpPr>
+      <p:pic>
+        <p:nvPicPr>
+          <p:cNvPr id="10" name="Picture 9"/>
+          <p:cNvPicPr>
+            <a:picLocks noChangeAspect="1"/>
+          </p:cNvPicPr>
+          <p:nvPr/>
+        </p:nvPicPr>
+        <p:blipFill rotWithShape="1">
+          <a:blip r:embed="rId2">
+            <a:extLst>
+              <a:ext uri="{28A0092B-C50C-407E-A947-70E740481C1C}">
+                <a14:useLocalDpi xmlns:a14="http://schemas.microsoft.com/office/drawing/2010/main" val="0"/>
+              </a:ext>
+            </a:extLst>
+          </a:blip>
+          <a:srcRect l="50728" t="56371"/>
+          <a:stretch/>
+        </p:blipFill>
+        <p:spPr>
+          <a:xfrm>
+            <a:off x="12204691" y="3316148"/>
+            <a:ext cx="6083309" cy="6970854"/>
+          </a:xfrm>
+          <a:prstGeom prst="rect">
+            <a:avLst/>
+          </a:prstGeom>
+        </p:spPr>
+      </p:pic>
+      <p:pic>
+        <p:nvPicPr>
+          <p:cNvPr id="4" name="Picture 3"/>
+          <p:cNvPicPr>
+            <a:picLocks noChangeAspect="1"/>
+          </p:cNvPicPr>
+          <p:nvPr/>
+        </p:nvPicPr>
+        <p:blipFill>
+          <a:blip r:embed="rId3">
+            <a:extLst>
+              <a:ext uri="{28A0092B-C50C-407E-A947-70E740481C1C}">
+                <a14:useLocalDpi xmlns:a14="http://schemas.microsoft.com/office/drawing/2010/main" val="0"/>
+              </a:ext>
+            </a:extLst>
+          </a:blip>
+          <a:stretch>
+            <a:fillRect/>
+          </a:stretch>
+        </p:blipFill>
+        <p:spPr>
+          <a:xfrm>
+            <a:off x="-807744" y="-3724155"/>
+            <a:ext cx="15257208" cy="11189825"/>
+          </a:xfrm>
+          <a:prstGeom prst="rect">
+            <a:avLst/>
+          </a:prstGeom>
+        </p:spPr>
+      </p:pic>
+      <p:sp>
+        <p:nvSpPr>
+          <p:cNvPr id="11" name="TextBox 10"/>
+          <p:cNvSpPr txBox="1"/>
+          <p:nvPr/>
+        </p:nvSpPr>
+        <p:spPr>
+          <a:xfrm>
+            <a:off x="486137" y="2531318"/>
+            <a:ext cx="11979797" cy="923330"/>
+          </a:xfrm>
+          <a:prstGeom prst="rect">
+            <a:avLst/>
+          </a:prstGeom>
+          <a:noFill/>
+        </p:spPr>
+        <p:txBody>
+          <a:bodyPr wrap="square" rtlCol="0">
+            <a:spAutoFit/>
+          </a:bodyPr>
+          <a:lstStyle/>
+          <a:p>
+            <a:r>
+              <a:rPr lang="en-US" sz="5400" b="1" dirty="0">
+                <a:solidFill>
+                  <a:srgbClr val="CF3338"/>
+                </a:solidFill>
+                <a:latin typeface="Pragmatica" panose="020B0403040502020204" pitchFamily="34" charset="0"/>
+              </a:rPr>
+              <a:t>Questions?</a:t>
+            </a:r>
+          </a:p>
+        </p:txBody>
+      </p:sp>
+      <p:pic>
+        <p:nvPicPr>
+          <p:cNvPr id="5" name="Picture 4">
+            <a:extLst>
+              <a:ext uri="{FF2B5EF4-FFF2-40B4-BE49-F238E27FC236}">
+                <a16:creationId xmlns:a16="http://schemas.microsoft.com/office/drawing/2014/main" id="{54A06221-5316-4BCF-9FDA-BDB95FF4A778}"/>
+              </a:ext>
+            </a:extLst>
+          </p:cNvPr>
+          <p:cNvPicPr>
+            <a:picLocks noChangeAspect="1"/>
+          </p:cNvPicPr>
+          <p:nvPr/>
+        </p:nvPicPr>
+        <p:blipFill>
+          <a:blip r:embed="rId4">
+            <a:extLst>
+              <a:ext uri="{28A0092B-C50C-407E-A947-70E740481C1C}">
+                <a14:useLocalDpi xmlns:a14="http://schemas.microsoft.com/office/drawing/2010/main" val="0"/>
+              </a:ext>
+            </a:extLst>
+          </a:blip>
+          <a:srcRect/>
+          <a:stretch/>
+        </p:blipFill>
+        <p:spPr>
+          <a:xfrm>
+            <a:off x="12204691" y="3317239"/>
+            <a:ext cx="6083309" cy="6968672"/>
+          </a:xfrm>
+          <a:prstGeom prst="rect">
+            <a:avLst/>
+          </a:prstGeom>
+        </p:spPr>
+      </p:pic>
+    </p:spTree>
+    <p:extLst>
+      <p:ext uri="{BB962C8B-B14F-4D97-AF65-F5344CB8AC3E}">
+        <p14:creationId xmlns:p14="http://schemas.microsoft.com/office/powerpoint/2010/main" val="59831101"/>
+      </p:ext>
+    </p:extLst>
+  </p:cSld>
+  <p:clrMapOvr>
+    <a:masterClrMapping/>
+  </p:clrMapOvr>
+</p:sld>
+</file>
+
+<file path=ppt/slides/slide34.xml><?xml version="1.0" encoding="utf-8"?>
+<p:sld xmlns:a="http://schemas.openxmlformats.org/drawingml/2006/main" xmlns:r="http://schemas.openxmlformats.org/officeDocument/2006/relationships" xmlns:p="http://schemas.openxmlformats.org/presentationml/2006/main">
+  <p:cSld>
+    <p:spTree>
+      <p:nvGrpSpPr>
+        <p:cNvPr id="1" name=""/>
+        <p:cNvGrpSpPr/>
+        <p:nvPr/>
+      </p:nvGrpSpPr>
+      <p:grpSpPr>
+        <a:xfrm>
+          <a:off x="0" y="0"/>
+          <a:ext cx="0" cy="0"/>
+          <a:chOff x="0" y="0"/>
+          <a:chExt cx="0" cy="0"/>
+        </a:xfrm>
+      </p:grpSpPr>
+      <p:sp>
+        <p:nvSpPr>
+          <p:cNvPr id="4" name="Rectangle 3"/>
+          <p:cNvSpPr/>
+          <p:nvPr/>
+        </p:nvSpPr>
+        <p:spPr>
+          <a:xfrm>
+            <a:off x="9861630" y="0"/>
+            <a:ext cx="8426370" cy="10287000"/>
+          </a:xfrm>
+          <a:prstGeom prst="rect">
+            <a:avLst/>
+          </a:prstGeom>
+          <a:solidFill>
+            <a:schemeClr val="bg1">
+              <a:lumMod val="50000"/>
+            </a:schemeClr>
+          </a:solidFill>
+          <a:ln>
+            <a:noFill/>
+          </a:ln>
+        </p:spPr>
+        <p:style>
+          <a:lnRef idx="2">
+            <a:schemeClr val="accent1">
+              <a:shade val="50000"/>
+            </a:schemeClr>
+          </a:lnRef>
+          <a:fillRef idx="1">
+            <a:schemeClr val="accent1"/>
+          </a:fillRef>
+          <a:effectRef idx="0">
+            <a:schemeClr val="accent1"/>
+          </a:effectRef>
+          <a:fontRef idx="minor">
+            <a:schemeClr val="lt1"/>
+          </a:fontRef>
+        </p:style>
+        <p:txBody>
+          <a:bodyPr rtlCol="0" anchor="ctr"/>
+          <a:lstStyle/>
+          <a:p>
+            <a:pPr algn="ctr"/>
+            <a:endParaRPr lang="en-US" sz="2700" dirty="0"/>
+          </a:p>
+        </p:txBody>
+      </p:sp>
+      <p:pic>
+        <p:nvPicPr>
+          <p:cNvPr id="2" name="Picture 1"/>
+          <p:cNvPicPr>
+            <a:picLocks noChangeAspect="1"/>
+          </p:cNvPicPr>
+          <p:nvPr/>
+        </p:nvPicPr>
+        <p:blipFill rotWithShape="1">
+          <a:blip r:embed="rId3">
+            <a:extLst>
+              <a:ext uri="{28A0092B-C50C-407E-A947-70E740481C1C}">
+                <a14:useLocalDpi xmlns:a14="http://schemas.microsoft.com/office/drawing/2010/main" val="0"/>
+              </a:ext>
+            </a:extLst>
+          </a:blip>
+          <a:srcRect l="69227" t="33418" r="20112" b="50548"/>
+          <a:stretch/>
+        </p:blipFill>
+        <p:spPr>
+          <a:xfrm>
+            <a:off x="15579524" y="7544693"/>
+            <a:ext cx="2708477" cy="2987579"/>
+          </a:xfrm>
+          <a:prstGeom prst="rect">
+            <a:avLst/>
+          </a:prstGeom>
+        </p:spPr>
+      </p:pic>
+      <p:sp>
+        <p:nvSpPr>
+          <p:cNvPr id="3" name="TextBox 2"/>
+          <p:cNvSpPr txBox="1"/>
+          <p:nvPr/>
+        </p:nvSpPr>
+        <p:spPr>
+          <a:xfrm>
+            <a:off x="260431" y="329879"/>
+            <a:ext cx="8906720" cy="5870390"/>
+          </a:xfrm>
+          <a:prstGeom prst="rect">
+            <a:avLst/>
+          </a:prstGeom>
+          <a:noFill/>
+        </p:spPr>
+        <p:txBody>
+          <a:bodyPr wrap="square" rtlCol="0">
+            <a:spAutoFit/>
+          </a:bodyPr>
+          <a:lstStyle/>
+          <a:p>
+            <a:r>
+              <a:rPr lang="en-US" sz="6000" b="1" dirty="0">
+                <a:latin typeface="Pragmatica" panose="020B0403040502020204" pitchFamily="34" charset="0"/>
+              </a:rPr>
+              <a:t>Python in Excel RECAP</a:t>
+            </a:r>
+          </a:p>
+          <a:p>
+            <a:endParaRPr lang="en-US" sz="4200" dirty="0">
+              <a:latin typeface="Pragmatica" panose="020B0403040502020204" pitchFamily="34" charset="0"/>
+            </a:endParaRPr>
           </a:p>
           <a:p>
             <a:pPr marL="685800" indent="-542925">
@@ -10922,21 +11521,7 @@
                 <a:latin typeface="Pragmatica" panose="020B0403040502020204"/>
                 <a:sym typeface="Consolas"/>
               </a:rPr>
-              <a:t>Python in Excel for analysis &amp; visualization; </a:t>
-            </a:r>
-            <a:r>
-              <a:rPr lang="en-US" sz="3600" dirty="0" err="1">
-                <a:latin typeface="Pragmatica" panose="020B0403040502020204"/>
-                <a:sym typeface="Consolas"/>
-              </a:rPr>
-              <a:t>openpyxl</a:t>
-            </a:r>
-            <a:r>
-              <a:rPr lang="en-US" sz="3600" dirty="0">
-                <a:latin typeface="Pragmatica" panose="020B0403040502020204"/>
-                <a:sym typeface="Consolas"/>
-              </a:rPr>
-              <a:t> for everything else </a:t>
+              <a:t>Python can do some things easier – there’s a reason it’s in Excel now! </a:t>
             </a:r>
           </a:p>
           <a:p>
@@ -10959,6 +11544,43 @@
                 <a:latin typeface="Pragmatica" panose="020B0403040502020204"/>
                 <a:sym typeface="Consolas"/>
               </a:rPr>
+              <a:t>Python in Excel for analysis &amp; visualization; </a:t>
+            </a:r>
+            <a:r>
+              <a:rPr lang="en-US" sz="3600" dirty="0" err="1">
+                <a:latin typeface="Pragmatica" panose="020B0403040502020204"/>
+                <a:sym typeface="Consolas"/>
+              </a:rPr>
+              <a:t>openpyxl</a:t>
+            </a:r>
+            <a:r>
+              <a:rPr lang="en-US" sz="3600" dirty="0">
+                <a:latin typeface="Pragmatica" panose="020B0403040502020204"/>
+                <a:sym typeface="Consolas"/>
+              </a:rPr>
+              <a:t> for everything else </a:t>
+            </a:r>
+          </a:p>
+          <a:p>
+            <a:pPr marL="685800" indent="-542925">
+              <a:lnSpc>
+                <a:spcPct val="115000"/>
+              </a:lnSpc>
+              <a:spcBef>
+                <a:spcPts val="1125"/>
+              </a:spcBef>
+              <a:buClr>
+                <a:srgbClr val="C00000"/>
+              </a:buClr>
+              <a:buSzPts val="2100"/>
+              <a:buFont typeface="Arial"/>
+              <a:buAutoNum type="arabicPeriod"/>
+            </a:pPr>
+            <a:r>
+              <a:rPr lang="en-US" sz="3600" dirty="0">
+                <a:latin typeface="Pragmatica" panose="020B0403040502020204"/>
+                <a:sym typeface="Consolas"/>
+              </a:rPr>
               <a:t>What about AI-powered, Python-powered Excel? Try Anaconda Toolbox </a:t>
             </a:r>
           </a:p>
@@ -10977,7 +11599,7 @@
 </p:sld>
 </file>
 
-<file path=ppt/slides/slide33.xml><?xml version="1.0" encoding="utf-8"?>
+<file path=ppt/slides/slide35.xml><?xml version="1.0" encoding="utf-8"?>
 <p:sld xmlns:a="http://schemas.openxmlformats.org/drawingml/2006/main" xmlns:r="http://schemas.openxmlformats.org/officeDocument/2006/relationships" xmlns:p="http://schemas.openxmlformats.org/presentationml/2006/main">
   <p:cSld>
     <p:spTree>
@@ -11809,7 +12431,7 @@
         <p:spPr>
           <a:xfrm>
             <a:off x="781292" y="590309"/>
-            <a:ext cx="15486926" cy="1615827"/>
+            <a:ext cx="15486926" cy="3139321"/>
           </a:xfrm>
           <a:prstGeom prst="rect">
             <a:avLst/>
@@ -11829,7 +12451,7 @@
                 </a:solidFill>
                 <a:latin typeface="Normafixed Tryout" panose="00000409000000000000"/>
               </a:rPr>
-              <a:t>AI-Powered Excel</a:t>
+              <a:t>Data Cleaning with Power Query</a:t>
             </a:r>
           </a:p>
         </p:txBody>
@@ -11866,60 +12488,14 @@
       </p:grpSpPr>
       <p:sp>
         <p:nvSpPr>
-          <p:cNvPr id="4" name="Rectangle 3"/>
-          <p:cNvSpPr/>
-          <p:nvPr/>
-        </p:nvSpPr>
-        <p:spPr>
-          <a:xfrm>
-            <a:off x="0" y="0"/>
-            <a:ext cx="18288000" cy="10287000"/>
-          </a:xfrm>
-          <a:prstGeom prst="rect">
-            <a:avLst/>
-          </a:prstGeom>
-          <a:solidFill>
-            <a:srgbClr val="CF3338"/>
-          </a:solidFill>
-          <a:ln>
-            <a:noFill/>
-          </a:ln>
-        </p:spPr>
-        <p:style>
-          <a:lnRef idx="2">
-            <a:schemeClr val="accent1">
-              <a:shade val="50000"/>
-            </a:schemeClr>
-          </a:lnRef>
-          <a:fillRef idx="1">
-            <a:schemeClr val="accent1"/>
-          </a:fillRef>
-          <a:effectRef idx="0">
-            <a:schemeClr val="accent1"/>
-          </a:effectRef>
-          <a:fontRef idx="minor">
-            <a:schemeClr val="lt1"/>
-          </a:fontRef>
-        </p:style>
-        <p:txBody>
-          <a:bodyPr rtlCol="0" anchor="ctr"/>
-          <a:lstStyle/>
-          <a:p>
-            <a:pPr algn="ctr"/>
-            <a:endParaRPr lang="en-US" sz="2700"/>
-          </a:p>
-        </p:txBody>
-      </p:sp>
-      <p:sp>
-        <p:nvSpPr>
-          <p:cNvPr id="5" name="TextBox 4"/>
+          <p:cNvPr id="11" name="TextBox 10"/>
           <p:cNvSpPr txBox="1"/>
           <p:nvPr/>
         </p:nvSpPr>
         <p:spPr>
           <a:xfrm>
-            <a:off x="781292" y="590309"/>
-            <a:ext cx="15486926" cy="3139321"/>
+            <a:off x="520861" y="170082"/>
+            <a:ext cx="11979797" cy="1477328"/>
           </a:xfrm>
           <a:prstGeom prst="rect">
             <a:avLst/>
@@ -11933,21 +12509,164 @@
           <a:lstStyle/>
           <a:p>
             <a:r>
-              <a:rPr lang="en-US" sz="9900" b="1" dirty="0">
-                <a:solidFill>
-                  <a:schemeClr val="bg1"/>
-                </a:solidFill>
-                <a:latin typeface="Normafixed Tryout" panose="00000409000000000000" pitchFamily="49" charset="0"/>
-              </a:rPr>
-              <a:t>1. AI-Powered Data Manipulation</a:t>
-            </a:r>
-          </a:p>
-        </p:txBody>
-      </p:sp>
+              <a:rPr lang="en-US" sz="9000">
+                <a:latin typeface="Aliens &amp; cows" panose="00000500000000000000" pitchFamily="2" charset="0"/>
+              </a:rPr>
+              <a:t>1. </a:t>
+            </a:r>
+            <a:endParaRPr lang="en-US" sz="9000" dirty="0">
+              <a:latin typeface="Aliens &amp; cows" panose="00000500000000000000" pitchFamily="2" charset="0"/>
+            </a:endParaRPr>
+          </a:p>
+        </p:txBody>
+      </p:sp>
+      <p:sp>
+        <p:nvSpPr>
+          <p:cNvPr id="3" name="TextBox 2"/>
+          <p:cNvSpPr txBox="1"/>
+          <p:nvPr/>
+        </p:nvSpPr>
+        <p:spPr>
+          <a:xfrm>
+            <a:off x="520861" y="3191948"/>
+            <a:ext cx="14393120" cy="4154984"/>
+          </a:xfrm>
+          <a:prstGeom prst="rect">
+            <a:avLst/>
+          </a:prstGeom>
+          <a:noFill/>
+        </p:spPr>
+        <p:txBody>
+          <a:bodyPr wrap="square" rtlCol="0">
+            <a:spAutoFit/>
+          </a:bodyPr>
+          <a:lstStyle/>
+          <a:p>
+            <a:pPr marL="685800" indent="-685800">
+              <a:buClr>
+                <a:srgbClr val="CF3338"/>
+              </a:buClr>
+              <a:buFont typeface="Arial" panose="020B0604020202020204" pitchFamily="34" charset="0"/>
+              <a:buChar char="•"/>
+            </a:pPr>
+            <a:r>
+              <a:rPr lang="en-US" sz="4400" dirty="0">
+                <a:solidFill>
+                  <a:srgbClr val="646464"/>
+                </a:solidFill>
+                <a:highlight>
+                  <a:srgbClr val="F8F8F8"/>
+                </a:highlight>
+                <a:latin typeface="Plus Jakarta Display"/>
+              </a:rPr>
+              <a:t>B</a:t>
+            </a:r>
+            <a:r>
+              <a:rPr lang="en-US" sz="4400" b="0" i="0" dirty="0">
+                <a:solidFill>
+                  <a:srgbClr val="646464"/>
+                </a:solidFill>
+                <a:effectLst/>
+                <a:highlight>
+                  <a:srgbClr val="F8F8F8"/>
+                </a:highlight>
+                <a:latin typeface="Plus Jakarta Display"/>
+              </a:rPr>
+              <a:t>uild repeatable data cleaning workflows with Power Query</a:t>
+            </a:r>
+          </a:p>
+          <a:p>
+            <a:pPr marL="685800" indent="-685800">
+              <a:buClr>
+                <a:srgbClr val="CF3338"/>
+              </a:buClr>
+              <a:buFont typeface="Arial" panose="020B0604020202020204" pitchFamily="34" charset="0"/>
+              <a:buChar char="•"/>
+            </a:pPr>
+            <a:r>
+              <a:rPr lang="en-US" sz="4400" b="0" i="0" dirty="0">
+                <a:solidFill>
+                  <a:srgbClr val="646464"/>
+                </a:solidFill>
+                <a:effectLst/>
+                <a:highlight>
+                  <a:srgbClr val="F8F8F8"/>
+                </a:highlight>
+                <a:latin typeface="Plus Jakarta Display"/>
+              </a:rPr>
+              <a:t>Build relational data models and dashboards straight from Excel with Power Pivot</a:t>
+            </a:r>
+          </a:p>
+          <a:p>
+            <a:pPr marL="685800" indent="-685800">
+              <a:buClr>
+                <a:srgbClr val="CF3338"/>
+              </a:buClr>
+              <a:buFont typeface="Arial" panose="020B0604020202020204" pitchFamily="34" charset="0"/>
+              <a:buChar char="•"/>
+            </a:pPr>
+            <a:r>
+              <a:rPr lang="en-US" sz="4400" b="0" i="0" dirty="0">
+                <a:solidFill>
+                  <a:srgbClr val="646464"/>
+                </a:solidFill>
+                <a:effectLst/>
+                <a:highlight>
+                  <a:srgbClr val="F8F8F8"/>
+                </a:highlight>
+                <a:latin typeface="Plus Jakarta Display"/>
+              </a:rPr>
+              <a:t>Use new Excel features like dynamic array functions, AI-powered insights, and Python integration</a:t>
+            </a:r>
+            <a:endParaRPr lang="en-US" sz="4200" dirty="0">
+              <a:solidFill>
+                <a:srgbClr val="707070"/>
+              </a:solidFill>
+              <a:latin typeface="Pragmatica" panose="020B0403040502020204" pitchFamily="34" charset="0"/>
+            </a:endParaRPr>
+          </a:p>
+        </p:txBody>
+      </p:sp>
+      <p:pic>
+        <p:nvPicPr>
+          <p:cNvPr id="15" name="Picture 14" descr="A close up of a sign&#10;&#10;Description automatically generated">
+            <a:extLst>
+              <a:ext uri="{FF2B5EF4-FFF2-40B4-BE49-F238E27FC236}">
+                <a16:creationId xmlns:a16="http://schemas.microsoft.com/office/drawing/2014/main" id="{29761B90-A7DE-4A60-A915-F085BD87CAB4}"/>
+              </a:ext>
+            </a:extLst>
+          </p:cNvPr>
+          <p:cNvPicPr>
+            <a:picLocks noChangeAspect="1"/>
+          </p:cNvPicPr>
+          <p:nvPr/>
+        </p:nvPicPr>
+        <p:blipFill>
+          <a:blip r:embed="rId3">
+            <a:extLst>
+              <a:ext uri="{28A0092B-C50C-407E-A947-70E740481C1C}">
+                <a14:useLocalDpi xmlns:a14="http://schemas.microsoft.com/office/drawing/2010/main" val="0"/>
+              </a:ext>
+            </a:extLst>
+          </a:blip>
+          <a:stretch>
+            <a:fillRect/>
+          </a:stretch>
+        </p:blipFill>
+        <p:spPr>
+          <a:xfrm>
+            <a:off x="16341036" y="8058429"/>
+            <a:ext cx="1942857" cy="2228571"/>
+          </a:xfrm>
+          <a:prstGeom prst="rect">
+            <a:avLst/>
+          </a:prstGeom>
+        </p:spPr>
+      </p:pic>
     </p:spTree>
     <p:extLst>
       <p:ext uri="{BB962C8B-B14F-4D97-AF65-F5344CB8AC3E}">
-        <p14:creationId xmlns:p14="http://schemas.microsoft.com/office/powerpoint/2010/main" val="499476257"/>
+        <p14:creationId xmlns:p14="http://schemas.microsoft.com/office/powerpoint/2010/main" val="2245453"/>
       </p:ext>
     </p:extLst>
   </p:cSld>
@@ -11982,14 +12701,16 @@
         </p:nvSpPr>
         <p:spPr>
           <a:xfrm>
-            <a:off x="9861630" y="0"/>
-            <a:ext cx="8426370" cy="10287000"/>
+            <a:off x="0" y="0"/>
+            <a:ext cx="18288000" cy="10287000"/>
           </a:xfrm>
           <a:prstGeom prst="rect">
             <a:avLst/>
           </a:prstGeom>
           <a:solidFill>
-            <a:srgbClr val="CF3338"/>
+            <a:schemeClr val="bg1">
+              <a:lumMod val="50000"/>
+            </a:schemeClr>
           </a:solidFill>
           <a:ln>
             <a:noFill/>
@@ -12020,45 +12741,16 @@
           </a:p>
         </p:txBody>
       </p:sp>
-      <p:pic>
-        <p:nvPicPr>
-          <p:cNvPr id="2" name="Picture 1"/>
-          <p:cNvPicPr>
-            <a:picLocks noChangeAspect="1"/>
-          </p:cNvPicPr>
-          <p:nvPr/>
-        </p:nvPicPr>
-        <p:blipFill rotWithShape="1">
-          <a:blip r:embed="rId3">
-            <a:extLst>
-              <a:ext uri="{28A0092B-C50C-407E-A947-70E740481C1C}">
-                <a14:useLocalDpi xmlns:a14="http://schemas.microsoft.com/office/drawing/2010/main" val="0"/>
-              </a:ext>
-            </a:extLst>
-          </a:blip>
-          <a:srcRect l="69227" t="33418" r="20112" b="50548"/>
-          <a:stretch/>
-        </p:blipFill>
-        <p:spPr>
-          <a:xfrm>
-            <a:off x="15579524" y="7544693"/>
-            <a:ext cx="2708477" cy="2987579"/>
-          </a:xfrm>
-          <a:prstGeom prst="rect">
-            <a:avLst/>
-          </a:prstGeom>
-        </p:spPr>
-      </p:pic>
-      <p:sp>
-        <p:nvSpPr>
-          <p:cNvPr id="3" name="TextBox 2"/>
+      <p:sp>
+        <p:nvSpPr>
+          <p:cNvPr id="5" name="TextBox 4"/>
           <p:cNvSpPr txBox="1"/>
           <p:nvPr/>
         </p:nvSpPr>
         <p:spPr>
           <a:xfrm>
-            <a:off x="260431" y="329879"/>
-            <a:ext cx="8906720" cy="10088916"/>
+            <a:off x="781292" y="590309"/>
+            <a:ext cx="15486926" cy="1615827"/>
           </a:xfrm>
           <a:prstGeom prst="rect">
             <a:avLst/>
@@ -12072,204 +12764,21 @@
           <a:lstStyle/>
           <a:p>
             <a:r>
-              <a:rPr lang="en-US" sz="6000" b="1" dirty="0">
-                <a:solidFill>
-                  <a:srgbClr val="CF3338"/>
-                </a:solidFill>
-                <a:latin typeface="Pragmatica" panose="020B0403040502020204" pitchFamily="34" charset="0"/>
-              </a:rPr>
-              <a:t>AI-powered data manipulation</a:t>
-            </a:r>
-          </a:p>
-          <a:p>
-            <a:endParaRPr lang="en-US" sz="4200" dirty="0">
-              <a:solidFill>
-                <a:srgbClr val="CF3338"/>
-              </a:solidFill>
-              <a:latin typeface="Pragmatica" panose="020B0403040502020204" pitchFamily="34" charset="0"/>
-            </a:endParaRPr>
-          </a:p>
-          <a:p>
-            <a:pPr marL="685800" indent="-542925">
-              <a:lnSpc>
-                <a:spcPct val="115000"/>
-              </a:lnSpc>
-              <a:spcBef>
-                <a:spcPts val="1125"/>
-              </a:spcBef>
-              <a:buClr>
-                <a:srgbClr val="C00000"/>
-              </a:buClr>
-              <a:buSzPts val="2100"/>
-              <a:buFont typeface="Arial"/>
-              <a:buAutoNum type="arabicPeriod"/>
-            </a:pPr>
-            <a:r>
-              <a:rPr lang="en-US" sz="3600" dirty="0">
-                <a:solidFill>
-                  <a:srgbClr val="C00000"/>
-                </a:solidFill>
-                <a:latin typeface="Pragmatica" panose="020B0403040502020204"/>
-                <a:sym typeface="Consolas"/>
-              </a:rPr>
-              <a:t>Automating data entry with Flash Fill</a:t>
-            </a:r>
-          </a:p>
-          <a:p>
-            <a:pPr marL="685800" indent="-542925">
-              <a:lnSpc>
-                <a:spcPct val="115000"/>
-              </a:lnSpc>
-              <a:spcBef>
-                <a:spcPts val="1125"/>
-              </a:spcBef>
-              <a:buClr>
-                <a:srgbClr val="C00000"/>
-              </a:buClr>
-              <a:buSzPts val="2100"/>
-              <a:buFont typeface="Arial"/>
-              <a:buAutoNum type="arabicPeriod"/>
-            </a:pPr>
-            <a:r>
-              <a:rPr lang="en-US" sz="3600" dirty="0">
-                <a:solidFill>
-                  <a:srgbClr val="C00000"/>
-                </a:solidFill>
-                <a:latin typeface="Pragmatica" panose="020B0403040502020204"/>
-                <a:sym typeface="Consolas"/>
-              </a:rPr>
-              <a:t>Creating a Column by Example in Power Query</a:t>
-            </a:r>
-          </a:p>
-          <a:p>
-            <a:pPr marL="685800" indent="-542925">
-              <a:lnSpc>
-                <a:spcPct val="115000"/>
-              </a:lnSpc>
-              <a:spcBef>
-                <a:spcPts val="1125"/>
-              </a:spcBef>
-              <a:buClr>
-                <a:srgbClr val="C00000"/>
-              </a:buClr>
-              <a:buSzPts val="2100"/>
-              <a:buFont typeface="Arial"/>
-              <a:buAutoNum type="arabicPeriod"/>
-            </a:pPr>
-            <a:r>
-              <a:rPr lang="en-US" sz="3600" dirty="0">
-                <a:solidFill>
-                  <a:srgbClr val="C00000"/>
-                </a:solidFill>
-                <a:latin typeface="Pragmatica" panose="020B0403040502020204"/>
-                <a:sym typeface="Consolas"/>
-              </a:rPr>
-              <a:t>Creating a Formula by Example in Excel Online</a:t>
-            </a:r>
-          </a:p>
-          <a:p>
-            <a:pPr marL="685800" indent="-542925">
-              <a:lnSpc>
-                <a:spcPct val="115000"/>
-              </a:lnSpc>
-              <a:spcBef>
-                <a:spcPts val="1125"/>
-              </a:spcBef>
-              <a:buClr>
-                <a:srgbClr val="C00000"/>
-              </a:buClr>
-              <a:buSzPts val="2100"/>
-              <a:buFont typeface="Arial"/>
-              <a:buAutoNum type="arabicPeriod"/>
-            </a:pPr>
-            <a:r>
-              <a:rPr lang="en-US" sz="3600" dirty="0">
-                <a:solidFill>
-                  <a:srgbClr val="C00000"/>
-                </a:solidFill>
-                <a:latin typeface="Pragmatica" panose="020B0403040502020204"/>
-                <a:sym typeface="Consolas"/>
-              </a:rPr>
-              <a:t>Joining tables with Fuzzy Matching</a:t>
-            </a:r>
-          </a:p>
-          <a:p>
-            <a:pPr marL="685800" indent="-542925">
-              <a:lnSpc>
-                <a:spcPct val="115000"/>
-              </a:lnSpc>
-              <a:spcBef>
-                <a:spcPts val="1125"/>
-              </a:spcBef>
-              <a:buClr>
-                <a:srgbClr val="C00000"/>
-              </a:buClr>
-              <a:buSzPts val="2100"/>
-              <a:buFont typeface="Arial"/>
-              <a:buAutoNum type="arabicPeriod"/>
-            </a:pPr>
-            <a:endParaRPr lang="en-US" sz="3600" dirty="0">
-              <a:solidFill>
-                <a:srgbClr val="C00000"/>
-              </a:solidFill>
-              <a:latin typeface="Pragmatica" panose="020B0403040502020204"/>
-              <a:sym typeface="Consolas"/>
-            </a:endParaRPr>
-          </a:p>
-          <a:p>
-            <a:pPr marL="142875">
-              <a:lnSpc>
-                <a:spcPct val="115000"/>
-              </a:lnSpc>
-              <a:spcBef>
-                <a:spcPts val="1125"/>
-              </a:spcBef>
-              <a:buClr>
-                <a:srgbClr val="C00000"/>
-              </a:buClr>
-              <a:buSzPts val="2100"/>
-            </a:pPr>
-            <a:r>
-              <a:rPr lang="en-US" sz="3600" dirty="0">
-                <a:solidFill>
-                  <a:srgbClr val="C00000"/>
-                </a:solidFill>
-                <a:latin typeface="Pragmatica" panose="020B0403040502020204"/>
-                <a:sym typeface="Consolas"/>
-              </a:rPr>
-              <a:t>File: </a:t>
-            </a:r>
-            <a:r>
-              <a:rPr lang="en-US" sz="3600" dirty="0">
-                <a:solidFill>
-                  <a:srgbClr val="C00000"/>
-                </a:solidFill>
-                <a:latin typeface="Consolas" panose="020B0609020204030204" pitchFamily="49" charset="0"/>
-                <a:sym typeface="Consolas"/>
-              </a:rPr>
-              <a:t>ai-powered-data-manipulation.xlsx</a:t>
-            </a:r>
-            <a:endParaRPr lang="en-US" sz="6000" dirty="0">
-              <a:solidFill>
-                <a:srgbClr val="CF3338"/>
-              </a:solidFill>
-              <a:latin typeface="Consolas" panose="020B0609020204030204" pitchFamily="49" charset="0"/>
-            </a:endParaRPr>
-          </a:p>
-          <a:p>
-            <a:endParaRPr lang="en-US" sz="6000" dirty="0">
-              <a:solidFill>
-                <a:srgbClr val="CF3338"/>
-              </a:solidFill>
-              <a:latin typeface="Pragmatica" panose="020B0403040502020204" pitchFamily="34" charset="0"/>
-            </a:endParaRPr>
+              <a:rPr lang="en-US" sz="9900" b="1" dirty="0">
+                <a:solidFill>
+                  <a:schemeClr val="bg1"/>
+                </a:solidFill>
+                <a:latin typeface="Normafixed Tryout" panose="00000409000000000000"/>
+              </a:rPr>
+              <a:t>AI-Powered Excel</a:t>
+            </a:r>
           </a:p>
         </p:txBody>
       </p:sp>
     </p:spTree>
     <p:extLst>
       <p:ext uri="{BB962C8B-B14F-4D97-AF65-F5344CB8AC3E}">
-        <p14:creationId xmlns:p14="http://schemas.microsoft.com/office/powerpoint/2010/main" val="2797489597"/>
+        <p14:creationId xmlns:p14="http://schemas.microsoft.com/office/powerpoint/2010/main" val="1843591933"/>
       </p:ext>
     </p:extLst>
   </p:cSld>
@@ -12304,8 +12813,8 @@
         </p:nvSpPr>
         <p:spPr>
           <a:xfrm>
-            <a:off x="9861630" y="0"/>
-            <a:ext cx="8426370" cy="10287000"/>
+            <a:off x="0" y="0"/>
+            <a:ext cx="18288000" cy="10287000"/>
           </a:xfrm>
           <a:prstGeom prst="rect">
             <a:avLst/>
@@ -12342,45 +12851,16 @@
           </a:p>
         </p:txBody>
       </p:sp>
-      <p:pic>
-        <p:nvPicPr>
-          <p:cNvPr id="2" name="Picture 1"/>
-          <p:cNvPicPr>
-            <a:picLocks noChangeAspect="1"/>
-          </p:cNvPicPr>
-          <p:nvPr/>
-        </p:nvPicPr>
-        <p:blipFill rotWithShape="1">
-          <a:blip r:embed="rId3">
-            <a:extLst>
-              <a:ext uri="{28A0092B-C50C-407E-A947-70E740481C1C}">
-                <a14:useLocalDpi xmlns:a14="http://schemas.microsoft.com/office/drawing/2010/main" val="0"/>
-              </a:ext>
-            </a:extLst>
-          </a:blip>
-          <a:srcRect l="69227" t="33418" r="20112" b="50548"/>
-          <a:stretch/>
-        </p:blipFill>
-        <p:spPr>
-          <a:xfrm>
-            <a:off x="15579524" y="7544693"/>
-            <a:ext cx="2708477" cy="2987579"/>
-          </a:xfrm>
-          <a:prstGeom prst="rect">
-            <a:avLst/>
-          </a:prstGeom>
-        </p:spPr>
-      </p:pic>
-      <p:sp>
-        <p:nvSpPr>
-          <p:cNvPr id="3" name="TextBox 2"/>
+      <p:sp>
+        <p:nvSpPr>
+          <p:cNvPr id="5" name="TextBox 4"/>
           <p:cNvSpPr txBox="1"/>
           <p:nvPr/>
         </p:nvSpPr>
         <p:spPr>
           <a:xfrm>
-            <a:off x="260431" y="329879"/>
-            <a:ext cx="8906720" cy="10726013"/>
+            <a:off x="781292" y="590309"/>
+            <a:ext cx="15486926" cy="3139321"/>
           </a:xfrm>
           <a:prstGeom prst="rect">
             <a:avLst/>
@@ -12394,257 +12874,21 @@
           <a:lstStyle/>
           <a:p>
             <a:r>
-              <a:rPr lang="en-US" sz="6000" b="1" dirty="0">
-                <a:solidFill>
-                  <a:srgbClr val="CF3338"/>
-                </a:solidFill>
-                <a:latin typeface="Pragmatica" panose="020B0403040502020204" pitchFamily="34" charset="0"/>
-              </a:rPr>
-              <a:t>AI-powered data manipulation EXERCISE</a:t>
-            </a:r>
-          </a:p>
-          <a:p>
-            <a:endParaRPr lang="en-US" sz="4200" dirty="0">
-              <a:solidFill>
-                <a:srgbClr val="CF3338"/>
-              </a:solidFill>
-              <a:latin typeface="Pragmatica" panose="020B0403040502020204" pitchFamily="34" charset="0"/>
-            </a:endParaRPr>
-          </a:p>
-          <a:p>
-            <a:pPr marL="142875">
-              <a:lnSpc>
-                <a:spcPct val="115000"/>
-              </a:lnSpc>
-              <a:spcBef>
-                <a:spcPts val="1125"/>
-              </a:spcBef>
-              <a:buClr>
-                <a:srgbClr val="C00000"/>
-              </a:buClr>
-              <a:buSzPts val="2100"/>
-            </a:pPr>
-            <a:r>
-              <a:rPr lang="en-US" sz="3600" dirty="0">
-                <a:solidFill>
-                  <a:srgbClr val="C00000"/>
-                </a:solidFill>
-                <a:latin typeface="Pragmatica" panose="020B0403040502020204"/>
-                <a:sym typeface="Consolas"/>
-              </a:rPr>
-              <a:t>Using either Flash Fill </a:t>
-            </a:r>
-            <a:r>
-              <a:rPr lang="en-US" sz="3600" i="1" dirty="0">
-                <a:solidFill>
-                  <a:srgbClr val="C00000"/>
-                </a:solidFill>
-                <a:latin typeface="Pragmatica" panose="020B0403040502020204"/>
-                <a:sym typeface="Consolas"/>
-              </a:rPr>
-              <a:t>or </a:t>
-            </a:r>
-            <a:r>
-              <a:rPr lang="en-US" sz="3600" dirty="0">
-                <a:solidFill>
-                  <a:srgbClr val="C00000"/>
-                </a:solidFill>
-                <a:latin typeface="Pragmatica" panose="020B0403040502020204"/>
-                <a:sym typeface="Consolas"/>
-              </a:rPr>
-              <a:t>Column from Example:</a:t>
-            </a:r>
-          </a:p>
-          <a:p>
-            <a:pPr marL="142875">
-              <a:lnSpc>
-                <a:spcPct val="115000"/>
-              </a:lnSpc>
-              <a:spcBef>
-                <a:spcPts val="1125"/>
-              </a:spcBef>
-              <a:buClr>
-                <a:srgbClr val="C00000"/>
-              </a:buClr>
-              <a:buSzPts val="2100"/>
-            </a:pPr>
-            <a:endParaRPr lang="en-US" sz="3600" dirty="0">
-              <a:solidFill>
-                <a:srgbClr val="C00000"/>
-              </a:solidFill>
-              <a:latin typeface="Pragmatica" panose="020B0403040502020204"/>
-              <a:sym typeface="Consolas"/>
-            </a:endParaRPr>
-          </a:p>
-          <a:p>
-            <a:pPr marL="714375" indent="-571500">
-              <a:lnSpc>
-                <a:spcPct val="115000"/>
-              </a:lnSpc>
-              <a:spcBef>
-                <a:spcPts val="1125"/>
-              </a:spcBef>
-              <a:buClr>
-                <a:srgbClr val="C00000"/>
-              </a:buClr>
-              <a:buSzPts val="2100"/>
-              <a:buFont typeface="Arial" panose="020B0604020202020204" pitchFamily="34" charset="0"/>
-              <a:buChar char="•"/>
-            </a:pPr>
-            <a:r>
-              <a:rPr lang="en-US" sz="3600" dirty="0">
-                <a:solidFill>
-                  <a:srgbClr val="C00000"/>
-                </a:solidFill>
-                <a:latin typeface="Pragmatica" panose="020B0403040502020204"/>
-                <a:sym typeface="Consolas"/>
-              </a:rPr>
-              <a:t>Find the city name from each column (Houston, Atlanta, Los Angeles, </a:t>
-            </a:r>
-            <a:r>
-              <a:rPr lang="en-US" sz="3600" dirty="0" err="1">
-                <a:solidFill>
-                  <a:srgbClr val="C00000"/>
-                </a:solidFill>
-                <a:latin typeface="Pragmatica" panose="020B0403040502020204"/>
-                <a:sym typeface="Consolas"/>
-              </a:rPr>
-              <a:t>etc</a:t>
-            </a:r>
-            <a:r>
-              <a:rPr lang="en-US" sz="3600" dirty="0">
-                <a:solidFill>
-                  <a:srgbClr val="C00000"/>
-                </a:solidFill>
-                <a:latin typeface="Pragmatica" panose="020B0403040502020204"/>
-                <a:sym typeface="Consolas"/>
-              </a:rPr>
-              <a:t>)</a:t>
-            </a:r>
-          </a:p>
-          <a:p>
-            <a:pPr marL="714375" indent="-571500">
-              <a:lnSpc>
-                <a:spcPct val="115000"/>
-              </a:lnSpc>
-              <a:spcBef>
-                <a:spcPts val="1125"/>
-              </a:spcBef>
-              <a:buClr>
-                <a:srgbClr val="C00000"/>
-              </a:buClr>
-              <a:buSzPts val="2100"/>
-              <a:buFont typeface="Arial" panose="020B0604020202020204" pitchFamily="34" charset="0"/>
-              <a:buChar char="•"/>
-            </a:pPr>
-            <a:r>
-              <a:rPr lang="en-US" sz="3600" dirty="0">
-                <a:solidFill>
-                  <a:srgbClr val="C00000"/>
-                </a:solidFill>
-                <a:latin typeface="Pragmatica" panose="020B0403040502020204"/>
-                <a:sym typeface="Consolas"/>
-              </a:rPr>
-              <a:t>Find the initials for each time (HA, AB, LAD, </a:t>
-            </a:r>
-            <a:r>
-              <a:rPr lang="en-US" sz="3600" dirty="0" err="1">
-                <a:solidFill>
-                  <a:srgbClr val="C00000"/>
-                </a:solidFill>
-                <a:latin typeface="Pragmatica" panose="020B0403040502020204"/>
-                <a:sym typeface="Consolas"/>
-              </a:rPr>
-              <a:t>etc</a:t>
-            </a:r>
-            <a:r>
-              <a:rPr lang="en-US" sz="3600" dirty="0">
-                <a:solidFill>
-                  <a:srgbClr val="C00000"/>
-                </a:solidFill>
-                <a:latin typeface="Pragmatica" panose="020B0403040502020204"/>
-                <a:sym typeface="Consolas"/>
-              </a:rPr>
-              <a:t>)</a:t>
-            </a:r>
-          </a:p>
-          <a:p>
-            <a:pPr marL="685800" indent="-542925">
-              <a:lnSpc>
-                <a:spcPct val="115000"/>
-              </a:lnSpc>
-              <a:spcBef>
-                <a:spcPts val="1125"/>
-              </a:spcBef>
-              <a:buClr>
-                <a:srgbClr val="C00000"/>
-              </a:buClr>
-              <a:buSzPts val="2100"/>
-              <a:buFont typeface="Arial"/>
-              <a:buAutoNum type="arabicPeriod"/>
-            </a:pPr>
-            <a:endParaRPr lang="en-US" sz="3600" dirty="0">
-              <a:solidFill>
-                <a:srgbClr val="C00000"/>
-              </a:solidFill>
-              <a:latin typeface="Pragmatica" panose="020B0403040502020204"/>
-              <a:sym typeface="Consolas"/>
-            </a:endParaRPr>
-          </a:p>
-          <a:p>
-            <a:pPr marL="142875">
-              <a:lnSpc>
-                <a:spcPct val="115000"/>
-              </a:lnSpc>
-              <a:spcBef>
-                <a:spcPts val="1125"/>
-              </a:spcBef>
-              <a:buClr>
-                <a:srgbClr val="C00000"/>
-              </a:buClr>
-              <a:buSzPts val="2100"/>
-            </a:pPr>
-            <a:r>
-              <a:rPr lang="en-US" sz="3600" dirty="0">
-                <a:solidFill>
-                  <a:srgbClr val="C00000"/>
-                </a:solidFill>
-                <a:latin typeface="Pragmatica" panose="020B0403040502020204"/>
-                <a:sym typeface="Consolas"/>
-              </a:rPr>
-              <a:t>File: </a:t>
-            </a:r>
-            <a:r>
-              <a:rPr lang="en-US" sz="3600" dirty="0">
-                <a:solidFill>
-                  <a:srgbClr val="C00000"/>
-                </a:solidFill>
-                <a:latin typeface="Consolas" panose="020B0609020204030204" pitchFamily="49" charset="0"/>
-                <a:sym typeface="Consolas"/>
-              </a:rPr>
-              <a:t>ai-powered-data-manipulation-exercise.xlsx</a:t>
-            </a:r>
-            <a:endParaRPr lang="en-US" sz="6000" dirty="0">
-              <a:solidFill>
-                <a:srgbClr val="CF3338"/>
-              </a:solidFill>
-              <a:latin typeface="Consolas" panose="020B0609020204030204" pitchFamily="49" charset="0"/>
-            </a:endParaRPr>
-          </a:p>
-          <a:p>
-            <a:endParaRPr lang="en-US" sz="6000" dirty="0">
-              <a:solidFill>
-                <a:srgbClr val="CF3338"/>
-              </a:solidFill>
-              <a:latin typeface="Pragmatica" panose="020B0403040502020204" pitchFamily="34" charset="0"/>
-            </a:endParaRPr>
+              <a:rPr lang="en-US" sz="9900" b="1" dirty="0">
+                <a:solidFill>
+                  <a:schemeClr val="bg1"/>
+                </a:solidFill>
+                <a:latin typeface="Normafixed Tryout" panose="00000409000000000000" pitchFamily="49" charset="0"/>
+              </a:rPr>
+              <a:t>1. AI-Powered Data Manipulation</a:t>
+            </a:r>
           </a:p>
         </p:txBody>
       </p:sp>
     </p:spTree>
     <p:extLst>
       <p:ext uri="{BB962C8B-B14F-4D97-AF65-F5344CB8AC3E}">
-        <p14:creationId xmlns:p14="http://schemas.microsoft.com/office/powerpoint/2010/main" val="1034455944"/>
+        <p14:creationId xmlns:p14="http://schemas.microsoft.com/office/powerpoint/2010/main" val="499476257"/>
       </p:ext>
     </p:extLst>
   </p:cSld>
@@ -12671,44 +12915,61 @@
           <a:chExt cx="0" cy="0"/>
         </a:xfrm>
       </p:grpSpPr>
+      <p:sp>
+        <p:nvSpPr>
+          <p:cNvPr id="4" name="Rectangle 3"/>
+          <p:cNvSpPr/>
+          <p:nvPr/>
+        </p:nvSpPr>
+        <p:spPr>
+          <a:xfrm>
+            <a:off x="9861630" y="0"/>
+            <a:ext cx="8426370" cy="10287000"/>
+          </a:xfrm>
+          <a:prstGeom prst="rect">
+            <a:avLst/>
+          </a:prstGeom>
+          <a:solidFill>
+            <a:srgbClr val="CF3338"/>
+          </a:solidFill>
+          <a:ln>
+            <a:noFill/>
+          </a:ln>
+        </p:spPr>
+        <p:style>
+          <a:lnRef idx="2">
+            <a:schemeClr val="accent1">
+              <a:shade val="50000"/>
+            </a:schemeClr>
+          </a:lnRef>
+          <a:fillRef idx="1">
+            <a:schemeClr val="accent1"/>
+          </a:fillRef>
+          <a:effectRef idx="0">
+            <a:schemeClr val="accent1"/>
+          </a:effectRef>
+          <a:fontRef idx="minor">
+            <a:schemeClr val="lt1"/>
+          </a:fontRef>
+        </p:style>
+        <p:txBody>
+          <a:bodyPr rtlCol="0" anchor="ctr"/>
+          <a:lstStyle/>
+          <a:p>
+            <a:pPr algn="ctr"/>
+            <a:endParaRPr lang="en-US" sz="2700"/>
+          </a:p>
+        </p:txBody>
+      </p:sp>
       <p:pic>
         <p:nvPicPr>
-          <p:cNvPr id="10" name="Picture 9"/>
+          <p:cNvPr id="2" name="Picture 1"/>
           <p:cNvPicPr>
             <a:picLocks noChangeAspect="1"/>
           </p:cNvPicPr>
           <p:nvPr/>
         </p:nvPicPr>
         <p:blipFill rotWithShape="1">
-          <a:blip r:embed="rId2">
-            <a:extLst>
-              <a:ext uri="{28A0092B-C50C-407E-A947-70E740481C1C}">
-                <a14:useLocalDpi xmlns:a14="http://schemas.microsoft.com/office/drawing/2010/main" val="0"/>
-              </a:ext>
-            </a:extLst>
-          </a:blip>
-          <a:srcRect l="50728" t="56371"/>
-          <a:stretch/>
-        </p:blipFill>
-        <p:spPr>
-          <a:xfrm>
-            <a:off x="12204691" y="3316148"/>
-            <a:ext cx="6083309" cy="6970854"/>
-          </a:xfrm>
-          <a:prstGeom prst="rect">
-            <a:avLst/>
-          </a:prstGeom>
-        </p:spPr>
-      </p:pic>
-      <p:pic>
-        <p:nvPicPr>
-          <p:cNvPr id="4" name="Picture 3"/>
-          <p:cNvPicPr>
-            <a:picLocks noChangeAspect="1"/>
-          </p:cNvPicPr>
-          <p:nvPr/>
-        </p:nvPicPr>
-        <p:blipFill>
           <a:blip r:embed="rId3">
             <a:extLst>
               <a:ext uri="{28A0092B-C50C-407E-A947-70E740481C1C}">
@@ -12716,14 +12977,13 @@
               </a:ext>
             </a:extLst>
           </a:blip>
-          <a:stretch>
-            <a:fillRect/>
-          </a:stretch>
+          <a:srcRect l="69227" t="33418" r="20112" b="50548"/>
+          <a:stretch/>
         </p:blipFill>
         <p:spPr>
           <a:xfrm>
-            <a:off x="-807744" y="-3724155"/>
-            <a:ext cx="15257208" cy="11189825"/>
+            <a:off x="15579524" y="7544693"/>
+            <a:ext cx="2708477" cy="2987579"/>
           </a:xfrm>
           <a:prstGeom prst="rect">
             <a:avLst/>
@@ -12732,14 +12992,14 @@
       </p:pic>
       <p:sp>
         <p:nvSpPr>
-          <p:cNvPr id="11" name="TextBox 10"/>
+          <p:cNvPr id="3" name="TextBox 2"/>
           <p:cNvSpPr txBox="1"/>
           <p:nvPr/>
         </p:nvSpPr>
         <p:spPr>
           <a:xfrm>
-            <a:off x="486137" y="2531318"/>
-            <a:ext cx="11979797" cy="923330"/>
+            <a:off x="260431" y="329879"/>
+            <a:ext cx="8906720" cy="10088916"/>
           </a:xfrm>
           <a:prstGeom prst="rect">
             <a:avLst/>
@@ -12753,56 +13013,204 @@
           <a:lstStyle/>
           <a:p>
             <a:r>
-              <a:rPr lang="en-US" sz="5400" b="1" dirty="0">
+              <a:rPr lang="en-US" sz="6000" b="1" dirty="0">
                 <a:solidFill>
                   <a:srgbClr val="CF3338"/>
                 </a:solidFill>
                 <a:latin typeface="Pragmatica" panose="020B0403040502020204" pitchFamily="34" charset="0"/>
               </a:rPr>
-              <a:t>Questions?</a:t>
-            </a:r>
-          </a:p>
-        </p:txBody>
-      </p:sp>
-      <p:pic>
-        <p:nvPicPr>
-          <p:cNvPr id="5" name="Picture 4">
-            <a:extLst>
-              <a:ext uri="{FF2B5EF4-FFF2-40B4-BE49-F238E27FC236}">
-                <a16:creationId xmlns:a16="http://schemas.microsoft.com/office/drawing/2014/main" id="{54A06221-5316-4BCF-9FDA-BDB95FF4A778}"/>
-              </a:ext>
-            </a:extLst>
-          </p:cNvPr>
-          <p:cNvPicPr>
-            <a:picLocks noChangeAspect="1"/>
-          </p:cNvPicPr>
-          <p:nvPr/>
-        </p:nvPicPr>
-        <p:blipFill>
-          <a:blip r:embed="rId4">
-            <a:extLst>
-              <a:ext uri="{28A0092B-C50C-407E-A947-70E740481C1C}">
-                <a14:useLocalDpi xmlns:a14="http://schemas.microsoft.com/office/drawing/2010/main" val="0"/>
-              </a:ext>
-            </a:extLst>
-          </a:blip>
-          <a:srcRect/>
-          <a:stretch/>
-        </p:blipFill>
-        <p:spPr>
-          <a:xfrm>
-            <a:off x="12204691" y="3317239"/>
-            <a:ext cx="6083309" cy="6968672"/>
-          </a:xfrm>
-          <a:prstGeom prst="rect">
-            <a:avLst/>
-          </a:prstGeom>
-        </p:spPr>
-      </p:pic>
+              <a:t>AI-powered data manipulation</a:t>
+            </a:r>
+          </a:p>
+          <a:p>
+            <a:endParaRPr lang="en-US" sz="4200" dirty="0">
+              <a:solidFill>
+                <a:srgbClr val="CF3338"/>
+              </a:solidFill>
+              <a:latin typeface="Pragmatica" panose="020B0403040502020204" pitchFamily="34" charset="0"/>
+            </a:endParaRPr>
+          </a:p>
+          <a:p>
+            <a:pPr marL="685800" indent="-542925">
+              <a:lnSpc>
+                <a:spcPct val="115000"/>
+              </a:lnSpc>
+              <a:spcBef>
+                <a:spcPts val="1125"/>
+              </a:spcBef>
+              <a:buClr>
+                <a:srgbClr val="C00000"/>
+              </a:buClr>
+              <a:buSzPts val="2100"/>
+              <a:buFont typeface="Arial"/>
+              <a:buAutoNum type="arabicPeriod"/>
+            </a:pPr>
+            <a:r>
+              <a:rPr lang="en-US" sz="3600" dirty="0">
+                <a:solidFill>
+                  <a:srgbClr val="C00000"/>
+                </a:solidFill>
+                <a:latin typeface="Pragmatica" panose="020B0403040502020204"/>
+                <a:sym typeface="Consolas"/>
+              </a:rPr>
+              <a:t>Automating data entry with Flash Fill</a:t>
+            </a:r>
+          </a:p>
+          <a:p>
+            <a:pPr marL="685800" indent="-542925">
+              <a:lnSpc>
+                <a:spcPct val="115000"/>
+              </a:lnSpc>
+              <a:spcBef>
+                <a:spcPts val="1125"/>
+              </a:spcBef>
+              <a:buClr>
+                <a:srgbClr val="C00000"/>
+              </a:buClr>
+              <a:buSzPts val="2100"/>
+              <a:buFont typeface="Arial"/>
+              <a:buAutoNum type="arabicPeriod"/>
+            </a:pPr>
+            <a:r>
+              <a:rPr lang="en-US" sz="3600" dirty="0">
+                <a:solidFill>
+                  <a:srgbClr val="C00000"/>
+                </a:solidFill>
+                <a:latin typeface="Pragmatica" panose="020B0403040502020204"/>
+                <a:sym typeface="Consolas"/>
+              </a:rPr>
+              <a:t>Creating a Column by Example in Power Query</a:t>
+            </a:r>
+          </a:p>
+          <a:p>
+            <a:pPr marL="685800" indent="-542925">
+              <a:lnSpc>
+                <a:spcPct val="115000"/>
+              </a:lnSpc>
+              <a:spcBef>
+                <a:spcPts val="1125"/>
+              </a:spcBef>
+              <a:buClr>
+                <a:srgbClr val="C00000"/>
+              </a:buClr>
+              <a:buSzPts val="2100"/>
+              <a:buFont typeface="Arial"/>
+              <a:buAutoNum type="arabicPeriod"/>
+            </a:pPr>
+            <a:r>
+              <a:rPr lang="en-US" sz="3600" dirty="0">
+                <a:solidFill>
+                  <a:srgbClr val="C00000"/>
+                </a:solidFill>
+                <a:latin typeface="Pragmatica" panose="020B0403040502020204"/>
+                <a:sym typeface="Consolas"/>
+              </a:rPr>
+              <a:t>Creating a Formula by Example in Excel Online</a:t>
+            </a:r>
+          </a:p>
+          <a:p>
+            <a:pPr marL="685800" indent="-542925">
+              <a:lnSpc>
+                <a:spcPct val="115000"/>
+              </a:lnSpc>
+              <a:spcBef>
+                <a:spcPts val="1125"/>
+              </a:spcBef>
+              <a:buClr>
+                <a:srgbClr val="C00000"/>
+              </a:buClr>
+              <a:buSzPts val="2100"/>
+              <a:buFont typeface="Arial"/>
+              <a:buAutoNum type="arabicPeriod"/>
+            </a:pPr>
+            <a:r>
+              <a:rPr lang="en-US" sz="3600" dirty="0">
+                <a:solidFill>
+                  <a:srgbClr val="C00000"/>
+                </a:solidFill>
+                <a:latin typeface="Pragmatica" panose="020B0403040502020204"/>
+                <a:sym typeface="Consolas"/>
+              </a:rPr>
+              <a:t>Joining tables with Fuzzy Matching</a:t>
+            </a:r>
+          </a:p>
+          <a:p>
+            <a:pPr marL="685800" indent="-542925">
+              <a:lnSpc>
+                <a:spcPct val="115000"/>
+              </a:lnSpc>
+              <a:spcBef>
+                <a:spcPts val="1125"/>
+              </a:spcBef>
+              <a:buClr>
+                <a:srgbClr val="C00000"/>
+              </a:buClr>
+              <a:buSzPts val="2100"/>
+              <a:buFont typeface="Arial"/>
+              <a:buAutoNum type="arabicPeriod"/>
+            </a:pPr>
+            <a:endParaRPr lang="en-US" sz="3600" dirty="0">
+              <a:solidFill>
+                <a:srgbClr val="C00000"/>
+              </a:solidFill>
+              <a:latin typeface="Pragmatica" panose="020B0403040502020204"/>
+              <a:sym typeface="Consolas"/>
+            </a:endParaRPr>
+          </a:p>
+          <a:p>
+            <a:pPr marL="142875">
+              <a:lnSpc>
+                <a:spcPct val="115000"/>
+              </a:lnSpc>
+              <a:spcBef>
+                <a:spcPts val="1125"/>
+              </a:spcBef>
+              <a:buClr>
+                <a:srgbClr val="C00000"/>
+              </a:buClr>
+              <a:buSzPts val="2100"/>
+            </a:pPr>
+            <a:r>
+              <a:rPr lang="en-US" sz="3600" dirty="0">
+                <a:solidFill>
+                  <a:srgbClr val="C00000"/>
+                </a:solidFill>
+                <a:latin typeface="Pragmatica" panose="020B0403040502020204"/>
+                <a:sym typeface="Consolas"/>
+              </a:rPr>
+              <a:t>File: </a:t>
+            </a:r>
+            <a:r>
+              <a:rPr lang="en-US" sz="3600" dirty="0">
+                <a:solidFill>
+                  <a:srgbClr val="C00000"/>
+                </a:solidFill>
+                <a:latin typeface="Consolas" panose="020B0609020204030204" pitchFamily="49" charset="0"/>
+                <a:sym typeface="Consolas"/>
+              </a:rPr>
+              <a:t>ai-powered-data-manipulation.xlsx</a:t>
+            </a:r>
+            <a:endParaRPr lang="en-US" sz="6000" dirty="0">
+              <a:solidFill>
+                <a:srgbClr val="CF3338"/>
+              </a:solidFill>
+              <a:latin typeface="Consolas" panose="020B0609020204030204" pitchFamily="49" charset="0"/>
+            </a:endParaRPr>
+          </a:p>
+          <a:p>
+            <a:endParaRPr lang="en-US" sz="6000" dirty="0">
+              <a:solidFill>
+                <a:srgbClr val="CF3338"/>
+              </a:solidFill>
+              <a:latin typeface="Pragmatica" panose="020B0403040502020204" pitchFamily="34" charset="0"/>
+            </a:endParaRPr>
+          </a:p>
+        </p:txBody>
+      </p:sp>
     </p:spTree>
     <p:extLst>
       <p:ext uri="{BB962C8B-B14F-4D97-AF65-F5344CB8AC3E}">
-        <p14:creationId xmlns:p14="http://schemas.microsoft.com/office/powerpoint/2010/main" val="2683774385"/>
+        <p14:creationId xmlns:p14="http://schemas.microsoft.com/office/powerpoint/2010/main" val="2797489597"/>
       </p:ext>
     </p:extLst>
   </p:cSld>

--- a/xlgs-mdae-sep-2024-slides.pptx
+++ b/xlgs-mdae-sep-2024-slides.pptx
@@ -268,7 +268,7 @@
           <a:p>
             <a:fld id="{17A98A70-FA8C-4354-959C-C70678AC9BCF}" type="datetimeFigureOut">
               <a:rPr lang="en-US" smtClean="0"/>
-              <a:t>4/10/2024</a:t>
+              <a:t>9/22/2024</a:t>
             </a:fld>
             <a:endParaRPr lang="en-US"/>
           </a:p>
@@ -2845,7 +2845,7 @@
             <a:fld id="{1D8BD707-D9CF-40AE-B4C6-C98DA3205C09}" type="datetimeFigureOut">
               <a:rPr lang="en-US" smtClean="0"/>
               <a:pPr/>
-              <a:t>4/10/2024</a:t>
+              <a:t>9/22/2024</a:t>
             </a:fld>
             <a:endParaRPr lang="en-US"/>
           </a:p>
@@ -3010,7 +3010,7 @@
             <a:fld id="{1D8BD707-D9CF-40AE-B4C6-C98DA3205C09}" type="datetimeFigureOut">
               <a:rPr lang="en-US" smtClean="0"/>
               <a:pPr/>
-              <a:t>4/10/2024</a:t>
+              <a:t>9/22/2024</a:t>
             </a:fld>
             <a:endParaRPr lang="en-US"/>
           </a:p>
@@ -3185,7 +3185,7 @@
             <a:fld id="{1D8BD707-D9CF-40AE-B4C6-C98DA3205C09}" type="datetimeFigureOut">
               <a:rPr lang="en-US" smtClean="0"/>
               <a:pPr/>
-              <a:t>4/10/2024</a:t>
+              <a:t>9/22/2024</a:t>
             </a:fld>
             <a:endParaRPr lang="en-US"/>
           </a:p>
@@ -3350,7 +3350,7 @@
             <a:fld id="{1D8BD707-D9CF-40AE-B4C6-C98DA3205C09}" type="datetimeFigureOut">
               <a:rPr lang="en-US" smtClean="0"/>
               <a:pPr/>
-              <a:t>4/10/2024</a:t>
+              <a:t>9/22/2024</a:t>
             </a:fld>
             <a:endParaRPr lang="en-US"/>
           </a:p>
@@ -3592,7 +3592,7 @@
             <a:fld id="{1D8BD707-D9CF-40AE-B4C6-C98DA3205C09}" type="datetimeFigureOut">
               <a:rPr lang="en-US" smtClean="0"/>
               <a:pPr/>
-              <a:t>4/10/2024</a:t>
+              <a:t>9/22/2024</a:t>
             </a:fld>
             <a:endParaRPr lang="en-US"/>
           </a:p>
@@ -3874,7 +3874,7 @@
             <a:fld id="{1D8BD707-D9CF-40AE-B4C6-C98DA3205C09}" type="datetimeFigureOut">
               <a:rPr lang="en-US" smtClean="0"/>
               <a:pPr/>
-              <a:t>4/10/2024</a:t>
+              <a:t>9/22/2024</a:t>
             </a:fld>
             <a:endParaRPr lang="en-US"/>
           </a:p>
@@ -4290,7 +4290,7 @@
             <a:fld id="{1D8BD707-D9CF-40AE-B4C6-C98DA3205C09}" type="datetimeFigureOut">
               <a:rPr lang="en-US" smtClean="0"/>
               <a:pPr/>
-              <a:t>4/10/2024</a:t>
+              <a:t>9/22/2024</a:t>
             </a:fld>
             <a:endParaRPr lang="en-US"/>
           </a:p>
@@ -4404,7 +4404,7 @@
             <a:fld id="{1D8BD707-D9CF-40AE-B4C6-C98DA3205C09}" type="datetimeFigureOut">
               <a:rPr lang="en-US" smtClean="0"/>
               <a:pPr/>
-              <a:t>4/10/2024</a:t>
+              <a:t>9/22/2024</a:t>
             </a:fld>
             <a:endParaRPr lang="en-US"/>
           </a:p>
@@ -4496,7 +4496,7 @@
             <a:fld id="{1D8BD707-D9CF-40AE-B4C6-C98DA3205C09}" type="datetimeFigureOut">
               <a:rPr lang="en-US" smtClean="0"/>
               <a:pPr/>
-              <a:t>4/10/2024</a:t>
+              <a:t>9/22/2024</a:t>
             </a:fld>
             <a:endParaRPr lang="en-US"/>
           </a:p>
@@ -4768,7 +4768,7 @@
             <a:fld id="{1D8BD707-D9CF-40AE-B4C6-C98DA3205C09}" type="datetimeFigureOut">
               <a:rPr lang="en-US" smtClean="0"/>
               <a:pPr/>
-              <a:t>4/10/2024</a:t>
+              <a:t>9/22/2024</a:t>
             </a:fld>
             <a:endParaRPr lang="en-US"/>
           </a:p>
@@ -5017,7 +5017,7 @@
             <a:fld id="{1D8BD707-D9CF-40AE-B4C6-C98DA3205C09}" type="datetimeFigureOut">
               <a:rPr lang="en-US" smtClean="0"/>
               <a:pPr/>
-              <a:t>4/10/2024</a:t>
+              <a:t>9/22/2024</a:t>
             </a:fld>
             <a:endParaRPr lang="en-US"/>
           </a:p>
@@ -5230,7 +5230,7 @@
             <a:fld id="{1D8BD707-D9CF-40AE-B4C6-C98DA3205C09}" type="datetimeFigureOut">
               <a:rPr lang="en-US" smtClean="0"/>
               <a:pPr/>
-              <a:t>4/10/2024</a:t>
+              <a:t>9/22/2024</a:t>
             </a:fld>
             <a:endParaRPr lang="en-US"/>
           </a:p>
@@ -5692,13 +5692,13 @@
         </p:nvPicPr>
         <p:blipFill>
           <a:blip r:embed="rId3"/>
-          <a:srcRect/>
+          <a:srcRect b="22069"/>
           <a:stretch/>
         </p:blipFill>
         <p:spPr>
           <a:xfrm>
             <a:off x="8153400" y="8430867"/>
-            <a:ext cx="1981200" cy="1257300"/>
+            <a:ext cx="1981200" cy="979833"/>
           </a:xfrm>
           <a:prstGeom prst="rect">
             <a:avLst/>
@@ -12416,9 +12416,6 @@
                 <a:solidFill>
                   <a:srgbClr val="646464"/>
                 </a:solidFill>
-                <a:highlight>
-                  <a:srgbClr val="F8F8F8"/>
-                </a:highlight>
                 <a:latin typeface="Plus Jakarta Display"/>
               </a:rPr>
               <a:t>B</a:t>
@@ -12429,9 +12426,6 @@
                   <a:srgbClr val="646464"/>
                 </a:solidFill>
                 <a:effectLst/>
-                <a:highlight>
-                  <a:srgbClr val="F8F8F8"/>
-                </a:highlight>
                 <a:latin typeface="Plus Jakarta Display"/>
               </a:rPr>
               <a:t>uild repeatable data cleaning workflows with Power Query</a:t>
@@ -12451,9 +12445,6 @@
                   <a:srgbClr val="646464"/>
                 </a:solidFill>
                 <a:effectLst/>
-                <a:highlight>
-                  <a:srgbClr val="F8F8F8"/>
-                </a:highlight>
                 <a:latin typeface="Plus Jakarta Display"/>
               </a:rPr>
               <a:t>Build relational data models and dashboards straight from Excel with Power Pivot</a:t>
@@ -12473,9 +12464,6 @@
                   <a:srgbClr val="646464"/>
                 </a:solidFill>
                 <a:effectLst/>
-                <a:highlight>
-                  <a:srgbClr val="F8F8F8"/>
-                </a:highlight>
                 <a:latin typeface="Plus Jakarta Display"/>
               </a:rPr>
               <a:t>Use new Excel features like dynamic array functions, AI-powered insights, and Python integration</a:t>
@@ -13819,14 +13807,13 @@
         </p:nvPicPr>
         <p:blipFill>
           <a:blip r:embed="rId3"/>
-          <a:stretch>
-            <a:fillRect/>
-          </a:stretch>
+          <a:srcRect b="20902"/>
+          <a:stretch/>
         </p:blipFill>
         <p:spPr>
           <a:xfrm>
             <a:off x="3118754" y="1034024"/>
-            <a:ext cx="1981200" cy="1257300"/>
+            <a:ext cx="1981200" cy="994494"/>
           </a:xfrm>
           <a:prstGeom prst="rect">
             <a:avLst/>
@@ -14827,9 +14814,6 @@
                 <a:solidFill>
                   <a:srgbClr val="646464"/>
                 </a:solidFill>
-                <a:highlight>
-                  <a:srgbClr val="F8F8F8"/>
-                </a:highlight>
                 <a:latin typeface="Plus Jakarta Display"/>
               </a:rPr>
               <a:t>Power Query as Excel’s ETL tool</a:t>
@@ -14848,9 +14832,6 @@
                 <a:solidFill>
                   <a:srgbClr val="646464"/>
                 </a:solidFill>
-                <a:highlight>
-                  <a:srgbClr val="F8F8F8"/>
-                </a:highlight>
                 <a:latin typeface="Plus Jakarta Display"/>
               </a:rPr>
               <a:t>A tour of Power Query</a:t>
@@ -14869,9 +14850,6 @@
                 <a:solidFill>
                   <a:srgbClr val="646464"/>
                 </a:solidFill>
-                <a:highlight>
-                  <a:srgbClr val="F8F8F8"/>
-                </a:highlight>
                 <a:latin typeface="Plus Jakarta Display"/>
               </a:rPr>
               <a:t>Data profiling in Power Query</a:t>
@@ -14889,9 +14867,6 @@
               <a:solidFill>
                 <a:srgbClr val="646464"/>
               </a:solidFill>
-              <a:highlight>
-                <a:srgbClr val="F8F8F8"/>
-              </a:highlight>
               <a:latin typeface="Plus Jakarta Display"/>
             </a:endParaRPr>
           </a:p>
@@ -14906,9 +14881,6 @@
                 <a:solidFill>
                   <a:srgbClr val="646464"/>
                 </a:solidFill>
-                <a:highlight>
-                  <a:srgbClr val="F8F8F8"/>
-                </a:highlight>
                 <a:latin typeface="Plus Jakarta Display"/>
               </a:rPr>
               <a:t>File: </a:t>
@@ -14918,9 +14890,6 @@
                 <a:solidFill>
                   <a:srgbClr val="646464"/>
                 </a:solidFill>
-                <a:highlight>
-                  <a:srgbClr val="F8F8F8"/>
-                </a:highlight>
                 <a:latin typeface="Plus Jakarta Display"/>
               </a:rPr>
               <a:t>first-steps-power-query.xlsx</a:t>
@@ -15492,9 +15461,6 @@
                 <a:solidFill>
                   <a:srgbClr val="646464"/>
                 </a:solidFill>
-                <a:highlight>
-                  <a:srgbClr val="F8F8F8"/>
-                </a:highlight>
                 <a:latin typeface="Plus Jakarta Display"/>
               </a:rPr>
               <a:t>Cleaning a roster</a:t>
